--- a/Machine Learning Teaching Example VLa.pptx
+++ b/Machine Learning Teaching Example VLa.pptx
@@ -115,6 +115,11 @@
       </a:defRPr>
     </a:lvl9pPr>
   </p:defaultTextStyle>
+  <p:extLst>
+    <p:ext uri="{EFAFB233-063F-42B5-8137-9DF3F51BA10A}">
+      <p15:sldGuideLst xmlns:p15="http://schemas.microsoft.com/office/powerpoint/2012/main"/>
+    </p:ext>
+  </p:extLst>
 </p:presentation>
 </file>
 
@@ -8743,6 +8748,111 @@
   <p:clrMapOvr>
     <a:masterClrMapping/>
   </p:clrMapOvr>
+  <p:timing>
+    <p:tnLst>
+      <p:par>
+        <p:cTn id="1" dur="indefinite" restart="never" nodeType="tmRoot">
+          <p:childTnLst>
+            <p:seq concurrent="1" nextAc="seek">
+              <p:cTn id="2" dur="indefinite" nodeType="mainSeq">
+                <p:childTnLst>
+                  <p:par>
+                    <p:cTn id="3" fill="hold">
+                      <p:stCondLst>
+                        <p:cond delay="indefinite"/>
+                      </p:stCondLst>
+                      <p:childTnLst>
+                        <p:par>
+                          <p:cTn id="4" fill="hold">
+                            <p:stCondLst>
+                              <p:cond delay="0"/>
+                            </p:stCondLst>
+                            <p:childTnLst>
+                              <p:par>
+                                <p:cTn id="5" presetID="1" presetClass="entr" presetSubtype="0" fill="hold" grpId="0" nodeType="clickEffect">
+                                  <p:stCondLst>
+                                    <p:cond delay="0"/>
+                                  </p:stCondLst>
+                                  <p:childTnLst>
+                                    <p:set>
+                                      <p:cBhvr>
+                                        <p:cTn id="6" dur="1" fill="hold">
+                                          <p:stCondLst>
+                                            <p:cond delay="0"/>
+                                          </p:stCondLst>
+                                        </p:cTn>
+                                        <p:tgtEl>
+                                          <p:spTgt spid="6"/>
+                                        </p:tgtEl>
+                                        <p:attrNameLst>
+                                          <p:attrName>style.visibility</p:attrName>
+                                        </p:attrNameLst>
+                                      </p:cBhvr>
+                                      <p:to>
+                                        <p:strVal val="visible"/>
+                                      </p:to>
+                                    </p:set>
+                                  </p:childTnLst>
+                                </p:cTn>
+                              </p:par>
+                              <p:par>
+                                <p:cTn id="7" presetID="1" presetClass="entr" presetSubtype="0" fill="hold" nodeType="withEffect">
+                                  <p:stCondLst>
+                                    <p:cond delay="0"/>
+                                  </p:stCondLst>
+                                  <p:childTnLst>
+                                    <p:set>
+                                      <p:cBhvr>
+                                        <p:cTn id="8" dur="1" fill="hold">
+                                          <p:stCondLst>
+                                            <p:cond delay="0"/>
+                                          </p:stCondLst>
+                                        </p:cTn>
+                                        <p:tgtEl>
+                                          <p:spTgt spid="7"/>
+                                        </p:tgtEl>
+                                        <p:attrNameLst>
+                                          <p:attrName>style.visibility</p:attrName>
+                                        </p:attrNameLst>
+                                      </p:cBhvr>
+                                      <p:to>
+                                        <p:strVal val="visible"/>
+                                      </p:to>
+                                    </p:set>
+                                  </p:childTnLst>
+                                </p:cTn>
+                              </p:par>
+                            </p:childTnLst>
+                          </p:cTn>
+                        </p:par>
+                      </p:childTnLst>
+                    </p:cTn>
+                  </p:par>
+                </p:childTnLst>
+              </p:cTn>
+              <p:prevCondLst>
+                <p:cond evt="onPrev" delay="0">
+                  <p:tgtEl>
+                    <p:sldTgt/>
+                  </p:tgtEl>
+                </p:cond>
+              </p:prevCondLst>
+              <p:nextCondLst>
+                <p:cond evt="onNext" delay="0">
+                  <p:tgtEl>
+                    <p:sldTgt/>
+                  </p:tgtEl>
+                </p:cond>
+              </p:nextCondLst>
+            </p:seq>
+          </p:childTnLst>
+        </p:cTn>
+      </p:par>
+    </p:tnLst>
+    <p:bldLst>
+      <p:bldP spid="6" grpId="0"/>
+    </p:bldLst>
+  </p:timing>
 </p:sld>
 </file>
 

--- a/Machine Learning Teaching Example VLa.pptx
+++ b/Machine Learning Teaching Example VLa.pptx
@@ -5,7 +5,7 @@
     <p:sldMasterId id="2147483660" r:id="rId1"/>
   </p:sldMasterIdLst>
   <p:notesMasterIdLst>
-    <p:notesMasterId r:id="rId18"/>
+    <p:notesMasterId r:id="rId19"/>
   </p:notesMasterIdLst>
   <p:sldIdLst>
     <p:sldId id="256" r:id="rId2"/>
@@ -15,15 +15,16 @@
     <p:sldId id="259" r:id="rId6"/>
     <p:sldId id="260" r:id="rId7"/>
     <p:sldId id="261" r:id="rId8"/>
-    <p:sldId id="262" r:id="rId9"/>
-    <p:sldId id="263" r:id="rId10"/>
-    <p:sldId id="264" r:id="rId11"/>
-    <p:sldId id="268" r:id="rId12"/>
-    <p:sldId id="269" r:id="rId13"/>
-    <p:sldId id="270" r:id="rId14"/>
-    <p:sldId id="271" r:id="rId15"/>
-    <p:sldId id="272" r:id="rId16"/>
-    <p:sldId id="273" r:id="rId17"/>
+    <p:sldId id="274" r:id="rId9"/>
+    <p:sldId id="262" r:id="rId10"/>
+    <p:sldId id="263" r:id="rId11"/>
+    <p:sldId id="264" r:id="rId12"/>
+    <p:sldId id="268" r:id="rId13"/>
+    <p:sldId id="269" r:id="rId14"/>
+    <p:sldId id="270" r:id="rId15"/>
+    <p:sldId id="271" r:id="rId16"/>
+    <p:sldId id="272" r:id="rId17"/>
+    <p:sldId id="273" r:id="rId18"/>
   </p:sldIdLst>
   <p:sldSz cx="12192000" cy="6858000"/>
   <p:notesSz cx="6858000" cy="9144000"/>
@@ -212,7 +213,7 @@
           <a:p>
             <a:fld id="{67E85EC3-063F-4E2F-8E3D-55899D9A6F51}" type="datetimeFigureOut">
               <a:rPr lang="en-US" smtClean="0"/>
-              <a:t>11/7/21</a:t>
+              <a:t>11/9/21</a:t>
             </a:fld>
             <a:endParaRPr lang="en-US"/>
           </a:p>
@@ -937,7 +938,7 @@
           <a:p>
             <a:fld id="{19152E11-536D-45FF-9EF4-BD18D9D0329E}" type="slidenum">
               <a:rPr lang="en-US" smtClean="0"/>
-              <a:t>9</a:t>
+              <a:t>10</a:t>
             </a:fld>
             <a:endParaRPr lang="en-US"/>
           </a:p>
@@ -1054,7 +1055,7 @@
           <a:p>
             <a:fld id="{19152E11-536D-45FF-9EF4-BD18D9D0329E}" type="slidenum">
               <a:rPr lang="en-US" smtClean="0"/>
-              <a:t>10</a:t>
+              <a:t>11</a:t>
             </a:fld>
             <a:endParaRPr lang="en-US"/>
           </a:p>
@@ -1212,7 +1213,7 @@
           <a:p>
             <a:fld id="{19152E11-536D-45FF-9EF4-BD18D9D0329E}" type="slidenum">
               <a:rPr lang="en-US" smtClean="0"/>
-              <a:t>11</a:t>
+              <a:t>12</a:t>
             </a:fld>
             <a:endParaRPr lang="en-US"/>
           </a:p>
@@ -1321,7 +1322,7 @@
           <a:p>
             <a:fld id="{19152E11-536D-45FF-9EF4-BD18D9D0329E}" type="slidenum">
               <a:rPr lang="en-US" smtClean="0"/>
-              <a:t>12</a:t>
+              <a:t>13</a:t>
             </a:fld>
             <a:endParaRPr lang="en-US"/>
           </a:p>
@@ -1479,7 +1480,7 @@
           <a:p>
             <a:fld id="{19152E11-536D-45FF-9EF4-BD18D9D0329E}" type="slidenum">
               <a:rPr lang="en-US" smtClean="0"/>
-              <a:t>13</a:t>
+              <a:t>14</a:t>
             </a:fld>
             <a:endParaRPr lang="en-US"/>
           </a:p>
@@ -1591,7 +1592,7 @@
           <a:p>
             <a:fld id="{19152E11-536D-45FF-9EF4-BD18D9D0329E}" type="slidenum">
               <a:rPr lang="en-US" smtClean="0"/>
-              <a:t>14</a:t>
+              <a:t>15</a:t>
             </a:fld>
             <a:endParaRPr lang="en-US"/>
           </a:p>
@@ -1749,7 +1750,7 @@
           <a:p>
             <a:fld id="{9A691334-D94A-4602-BE7A-0AB2424D7229}" type="datetimeFigureOut">
               <a:rPr lang="en-US" smtClean="0"/>
-              <a:t>11/7/21</a:t>
+              <a:t>11/9/21</a:t>
             </a:fld>
             <a:endParaRPr lang="en-US"/>
           </a:p>
@@ -1960,7 +1961,7 @@
           <a:p>
             <a:fld id="{9A691334-D94A-4602-BE7A-0AB2424D7229}" type="datetimeFigureOut">
               <a:rPr lang="en-US" smtClean="0"/>
-              <a:t>11/7/21</a:t>
+              <a:t>11/9/21</a:t>
             </a:fld>
             <a:endParaRPr lang="en-US"/>
           </a:p>
@@ -2175,7 +2176,7 @@
           <a:p>
             <a:fld id="{9A691334-D94A-4602-BE7A-0AB2424D7229}" type="datetimeFigureOut">
               <a:rPr lang="en-US" smtClean="0"/>
-              <a:t>11/7/21</a:t>
+              <a:t>11/9/21</a:t>
             </a:fld>
             <a:endParaRPr lang="en-US"/>
           </a:p>
@@ -2376,7 +2377,7 @@
           <a:p>
             <a:fld id="{9A691334-D94A-4602-BE7A-0AB2424D7229}" type="datetimeFigureOut">
               <a:rPr lang="en-US" smtClean="0"/>
-              <a:t>11/7/21</a:t>
+              <a:t>11/9/21</a:t>
             </a:fld>
             <a:endParaRPr lang="en-US"/>
           </a:p>
@@ -2655,7 +2656,7 @@
           <a:p>
             <a:fld id="{9A691334-D94A-4602-BE7A-0AB2424D7229}" type="datetimeFigureOut">
               <a:rPr lang="en-US" smtClean="0"/>
-              <a:t>11/7/21</a:t>
+              <a:t>11/9/21</a:t>
             </a:fld>
             <a:endParaRPr lang="en-US"/>
           </a:p>
@@ -2923,7 +2924,7 @@
           <a:p>
             <a:fld id="{9A691334-D94A-4602-BE7A-0AB2424D7229}" type="datetimeFigureOut">
               <a:rPr lang="en-US" smtClean="0"/>
-              <a:t>11/7/21</a:t>
+              <a:t>11/9/21</a:t>
             </a:fld>
             <a:endParaRPr lang="en-US"/>
           </a:p>
@@ -3339,7 +3340,7 @@
           <a:p>
             <a:fld id="{9A691334-D94A-4602-BE7A-0AB2424D7229}" type="datetimeFigureOut">
               <a:rPr lang="en-US" smtClean="0"/>
-              <a:t>11/7/21</a:t>
+              <a:t>11/9/21</a:t>
             </a:fld>
             <a:endParaRPr lang="en-US"/>
           </a:p>
@@ -3488,7 +3489,7 @@
           <a:p>
             <a:fld id="{9A691334-D94A-4602-BE7A-0AB2424D7229}" type="datetimeFigureOut">
               <a:rPr lang="en-US" smtClean="0"/>
-              <a:t>11/7/21</a:t>
+              <a:t>11/9/21</a:t>
             </a:fld>
             <a:endParaRPr lang="en-US"/>
           </a:p>
@@ -3614,7 +3615,7 @@
           <a:p>
             <a:fld id="{9A691334-D94A-4602-BE7A-0AB2424D7229}" type="datetimeFigureOut">
               <a:rPr lang="en-US" smtClean="0"/>
-              <a:t>11/7/21</a:t>
+              <a:t>11/9/21</a:t>
             </a:fld>
             <a:endParaRPr lang="en-US"/>
           </a:p>
@@ -3865,7 +3866,7 @@
           <a:p>
             <a:fld id="{9A691334-D94A-4602-BE7A-0AB2424D7229}" type="datetimeFigureOut">
               <a:rPr lang="en-US" smtClean="0"/>
-              <a:t>11/7/21</a:t>
+              <a:t>11/9/21</a:t>
             </a:fld>
             <a:endParaRPr lang="en-US"/>
           </a:p>
@@ -4310,7 +4311,7 @@
           <a:p>
             <a:fld id="{9A691334-D94A-4602-BE7A-0AB2424D7229}" type="datetimeFigureOut">
               <a:rPr lang="en-US" smtClean="0"/>
-              <a:t>11/7/21</a:t>
+              <a:t>11/9/21</a:t>
             </a:fld>
             <a:endParaRPr lang="en-US"/>
           </a:p>
@@ -4637,7 +4638,7 @@
           <a:p>
             <a:fld id="{9A691334-D94A-4602-BE7A-0AB2424D7229}" type="datetimeFigureOut">
               <a:rPr lang="en-US" smtClean="0"/>
-              <a:t>11/7/21</a:t>
+              <a:t>11/9/21</a:t>
             </a:fld>
             <a:endParaRPr lang="en-US"/>
           </a:p>
@@ -5184,6 +5185,25 @@
               <a:t>Predict House Prices in Salt Lake City</a:t>
             </a:r>
           </a:p>
+          <a:p>
+            <a:endParaRPr lang="en-US" dirty="0"/>
+          </a:p>
+          <a:p>
+            <a:r>
+              <a:rPr lang="en-US" dirty="0"/>
+              <a:t>Vincent La</a:t>
+            </a:r>
+          </a:p>
+          <a:p>
+            <a:r>
+              <a:rPr lang="en-US" dirty="0" err="1"/>
+              <a:t>Neumont</a:t>
+            </a:r>
+            <a:r>
+              <a:rPr lang="en-US" dirty="0"/>
+              <a:t> College</a:t>
+            </a:r>
+          </a:p>
         </p:txBody>
       </p:sp>
     </p:spTree>
@@ -5200,6 +5220,166 @@
 </file>
 
 <file path=ppt/slides/slide10.xml><?xml version="1.0" encoding="utf-8"?>
+<p:sld xmlns:a="http://schemas.openxmlformats.org/drawingml/2006/main" xmlns:r="http://schemas.openxmlformats.org/officeDocument/2006/relationships" xmlns:p="http://schemas.openxmlformats.org/presentationml/2006/main">
+  <p:cSld>
+    <p:spTree>
+      <p:nvGrpSpPr>
+        <p:cNvPr id="1" name=""/>
+        <p:cNvGrpSpPr/>
+        <p:nvPr/>
+      </p:nvGrpSpPr>
+      <p:grpSpPr>
+        <a:xfrm>
+          <a:off x="0" y="0"/>
+          <a:ext cx="0" cy="0"/>
+          <a:chOff x="0" y="0"/>
+          <a:chExt cx="0" cy="0"/>
+        </a:xfrm>
+      </p:grpSpPr>
+      <p:sp>
+        <p:nvSpPr>
+          <p:cNvPr id="2" name="Title 1">
+            <a:extLst>
+              <a:ext uri="{FF2B5EF4-FFF2-40B4-BE49-F238E27FC236}">
+                <a16:creationId xmlns:a16="http://schemas.microsoft.com/office/drawing/2014/main" id="{107C4115-2224-46F0-AEA2-27CE85D5D70F}"/>
+              </a:ext>
+            </a:extLst>
+          </p:cNvPr>
+          <p:cNvSpPr>
+            <a:spLocks noGrp="1"/>
+          </p:cNvSpPr>
+          <p:nvPr>
+            <p:ph type="title"/>
+          </p:nvPr>
+        </p:nvSpPr>
+        <p:spPr/>
+        <p:txBody>
+          <a:bodyPr/>
+          <a:lstStyle/>
+          <a:p>
+            <a:r>
+              <a:rPr lang="en-US" dirty="0"/>
+              <a:t>Predict the Price!</a:t>
+            </a:r>
+          </a:p>
+        </p:txBody>
+      </p:sp>
+      <p:pic>
+        <p:nvPicPr>
+          <p:cNvPr id="5" name="Picture 4">
+            <a:extLst>
+              <a:ext uri="{FF2B5EF4-FFF2-40B4-BE49-F238E27FC236}">
+                <a16:creationId xmlns:a16="http://schemas.microsoft.com/office/drawing/2014/main" id="{CCE3519F-4E91-4A83-A01E-B7AA09F13661}"/>
+              </a:ext>
+            </a:extLst>
+          </p:cNvPr>
+          <p:cNvPicPr>
+            <a:picLocks noChangeAspect="1"/>
+          </p:cNvPicPr>
+          <p:nvPr/>
+        </p:nvPicPr>
+        <p:blipFill>
+          <a:blip r:embed="rId3"/>
+          <a:stretch>
+            <a:fillRect/>
+          </a:stretch>
+        </p:blipFill>
+        <p:spPr>
+          <a:xfrm>
+            <a:off x="1565879" y="2284593"/>
+            <a:ext cx="3897636" cy="2982732"/>
+          </a:xfrm>
+          <a:prstGeom prst="rect">
+            <a:avLst/>
+          </a:prstGeom>
+        </p:spPr>
+      </p:pic>
+      <p:sp>
+        <p:nvSpPr>
+          <p:cNvPr id="6" name="TextBox 5">
+            <a:extLst>
+              <a:ext uri="{FF2B5EF4-FFF2-40B4-BE49-F238E27FC236}">
+                <a16:creationId xmlns:a16="http://schemas.microsoft.com/office/drawing/2014/main" id="{89041BC5-AD73-41B7-B355-43D7B5ADB719}"/>
+              </a:ext>
+            </a:extLst>
+          </p:cNvPr>
+          <p:cNvSpPr txBox="1"/>
+          <p:nvPr/>
+        </p:nvSpPr>
+        <p:spPr>
+          <a:xfrm>
+            <a:off x="6600825" y="2789418"/>
+            <a:ext cx="2600325" cy="2308324"/>
+          </a:xfrm>
+          <a:prstGeom prst="rect">
+            <a:avLst/>
+          </a:prstGeom>
+          <a:noFill/>
+        </p:spPr>
+        <p:txBody>
+          <a:bodyPr wrap="square" rtlCol="0">
+            <a:spAutoFit/>
+          </a:bodyPr>
+          <a:lstStyle/>
+          <a:p>
+            <a:r>
+              <a:rPr lang="en-US" sz="1800" b="0" i="0" u="none" strike="noStrike" dirty="0">
+                <a:solidFill>
+                  <a:srgbClr val="000000"/>
+                </a:solidFill>
+                <a:effectLst/>
+                <a:latin typeface="Calibri" panose="020F0502020204030204" pitchFamily="34" charset="0"/>
+              </a:rPr>
+              <a:t>1832 S 1100 E, Salt Lake City, UT 84105</a:t>
+            </a:r>
+            <a:r>
+              <a:rPr lang="en-US" dirty="0"/>
+              <a:t> </a:t>
+            </a:r>
+          </a:p>
+          <a:p>
+            <a:endParaRPr lang="en-US" dirty="0"/>
+          </a:p>
+          <a:p>
+            <a:r>
+              <a:rPr lang="en-US" dirty="0"/>
+              <a:t>Square Ft: 1393</a:t>
+            </a:r>
+          </a:p>
+          <a:p>
+            <a:endParaRPr lang="en-US" dirty="0"/>
+          </a:p>
+          <a:p>
+            <a:r>
+              <a:rPr lang="en-US" dirty="0"/>
+              <a:t>Bed Rooms: 2</a:t>
+            </a:r>
+          </a:p>
+          <a:p>
+            <a:endParaRPr lang="en-US" dirty="0"/>
+          </a:p>
+          <a:p>
+            <a:r>
+              <a:rPr lang="en-US" dirty="0"/>
+              <a:t>Bathrooms: 1</a:t>
+            </a:r>
+          </a:p>
+        </p:txBody>
+      </p:sp>
+    </p:spTree>
+    <p:extLst>
+      <p:ext uri="{BB962C8B-B14F-4D97-AF65-F5344CB8AC3E}">
+        <p14:creationId xmlns:p14="http://schemas.microsoft.com/office/powerpoint/2010/main" val="3283312469"/>
+      </p:ext>
+    </p:extLst>
+  </p:cSld>
+  <p:clrMapOvr>
+    <a:masterClrMapping/>
+  </p:clrMapOvr>
+</p:sld>
+</file>
+
+<file path=ppt/slides/slide11.xml><?xml version="1.0" encoding="utf-8"?>
 <p:sld xmlns:a="http://schemas.openxmlformats.org/drawingml/2006/main" xmlns:r="http://schemas.openxmlformats.org/officeDocument/2006/relationships" xmlns:p="http://schemas.openxmlformats.org/presentationml/2006/main">
   <p:cSld>
     <p:spTree>
@@ -5808,7 +5988,7 @@
           <p:nvPr>
             <p:extLst>
               <p:ext uri="{D42A27DB-BD31-4B8C-83A1-F6EECF244321}">
-                <p14:modId xmlns:p14="http://schemas.microsoft.com/office/powerpoint/2010/main" val="3919454415"/>
+                <p14:modId xmlns:p14="http://schemas.microsoft.com/office/powerpoint/2010/main" val="1663873764"/>
               </p:ext>
             </p:extLst>
           </p:nvPr>
@@ -5932,7 +6112,7 @@
                     <a:bodyPr/>
                     <a:lstStyle/>
                     <a:p>
-                      <a:endParaRPr lang="en-US"/>
+                      <a:endParaRPr lang="en-US" dirty="0"/>
                     </a:p>
                   </a:txBody>
                   <a:tcPr/>
@@ -5942,7 +6122,7 @@
                     <a:bodyPr/>
                     <a:lstStyle/>
                     <a:p>
-                      <a:endParaRPr lang="en-US"/>
+                      <a:endParaRPr lang="en-US" dirty="0"/>
                     </a:p>
                   </a:txBody>
                   <a:tcPr/>
@@ -6033,7 +6213,7 @@
         </p:nvSpPr>
         <p:spPr>
           <a:xfrm>
-            <a:off x="2160983" y="5099239"/>
+            <a:off x="2160984" y="5130722"/>
             <a:ext cx="1039417" cy="369332"/>
           </a:xfrm>
           <a:prstGeom prst="rect">
@@ -6183,7 +6363,7 @@
 </p:sld>
 </file>
 
-<file path=ppt/slides/slide11.xml><?xml version="1.0" encoding="utf-8"?>
+<file path=ppt/slides/slide12.xml><?xml version="1.0" encoding="utf-8"?>
 <p:sld xmlns:a="http://schemas.openxmlformats.org/drawingml/2006/main" xmlns:r="http://schemas.openxmlformats.org/officeDocument/2006/relationships" xmlns:p="http://schemas.openxmlformats.org/presentationml/2006/main">
   <p:cSld>
     <p:spTree>
@@ -6344,7 +6524,7 @@
 </p:sld>
 </file>
 
-<file path=ppt/slides/slide12.xml><?xml version="1.0" encoding="utf-8"?>
+<file path=ppt/slides/slide13.xml><?xml version="1.0" encoding="utf-8"?>
 <p:sld xmlns:a="http://schemas.openxmlformats.org/drawingml/2006/main" xmlns:r="http://schemas.openxmlformats.org/officeDocument/2006/relationships" xmlns:p="http://schemas.openxmlformats.org/presentationml/2006/main">
   <p:cSld>
     <p:spTree>
@@ -6923,7 +7103,7 @@
           <p:nvPr>
             <p:extLst>
               <p:ext uri="{D42A27DB-BD31-4B8C-83A1-F6EECF244321}">
-                <p14:modId xmlns:p14="http://schemas.microsoft.com/office/powerpoint/2010/main" val="502963603"/>
+                <p14:modId xmlns:p14="http://schemas.microsoft.com/office/powerpoint/2010/main" val="474603777"/>
               </p:ext>
             </p:extLst>
           </p:nvPr>
@@ -7184,7 +7364,7 @@
         </p:nvSpPr>
         <p:spPr>
           <a:xfrm>
-            <a:off x="2158361" y="5130717"/>
+            <a:off x="2164507" y="5099239"/>
             <a:ext cx="1039417" cy="369332"/>
           </a:xfrm>
           <a:prstGeom prst="rect">
@@ -7334,7 +7514,7 @@
 </p:sld>
 </file>
 
-<file path=ppt/slides/slide13.xml><?xml version="1.0" encoding="utf-8"?>
+<file path=ppt/slides/slide14.xml><?xml version="1.0" encoding="utf-8"?>
 <p:sld xmlns:a="http://schemas.openxmlformats.org/drawingml/2006/main" xmlns:r="http://schemas.openxmlformats.org/officeDocument/2006/relationships" xmlns:p="http://schemas.openxmlformats.org/presentationml/2006/main">
   <p:cSld>
     <p:spTree>
@@ -7495,7 +7675,7 @@
 </p:sld>
 </file>
 
-<file path=ppt/slides/slide14.xml><?xml version="1.0" encoding="utf-8"?>
+<file path=ppt/slides/slide15.xml><?xml version="1.0" encoding="utf-8"?>
 <p:sld xmlns:a="http://schemas.openxmlformats.org/drawingml/2006/main" xmlns:r="http://schemas.openxmlformats.org/officeDocument/2006/relationships" xmlns:p="http://schemas.openxmlformats.org/presentationml/2006/main">
   <p:cSld>
     <p:spTree>
@@ -8071,7 +8251,13 @@
           <p:cNvGraphicFramePr>
             <a:graphicFrameLocks noGrp="1"/>
           </p:cNvGraphicFramePr>
-          <p:nvPr/>
+          <p:nvPr>
+            <p:extLst>
+              <p:ext uri="{D42A27DB-BD31-4B8C-83A1-F6EECF244321}">
+                <p14:modId xmlns:p14="http://schemas.microsoft.com/office/powerpoint/2010/main" val="1378233823"/>
+              </p:ext>
+            </p:extLst>
+          </p:nvPr>
         </p:nvGraphicFramePr>
         <p:xfrm>
           <a:off x="4611819" y="4175909"/>
@@ -8175,7 +8361,7 @@
                     <a:bodyPr/>
                     <a:lstStyle/>
                     <a:p>
-                      <a:endParaRPr lang="en-US"/>
+                      <a:endParaRPr lang="en-US" dirty="0"/>
                     </a:p>
                   </a:txBody>
                   <a:tcPr/>
@@ -8329,7 +8515,7 @@
         </p:nvSpPr>
         <p:spPr>
           <a:xfrm>
-            <a:off x="2138310" y="5099239"/>
+            <a:off x="2149195" y="5122875"/>
             <a:ext cx="1116520" cy="369332"/>
           </a:xfrm>
           <a:prstGeom prst="rect">
@@ -8479,7 +8665,7 @@
 </p:sld>
 </file>
 
-<file path=ppt/slides/slide15.xml><?xml version="1.0" encoding="utf-8"?>
+<file path=ppt/slides/slide16.xml><?xml version="1.0" encoding="utf-8"?>
 <p:sld xmlns:a="http://schemas.openxmlformats.org/drawingml/2006/main" xmlns:r="http://schemas.openxmlformats.org/officeDocument/2006/relationships" xmlns:p="http://schemas.openxmlformats.org/presentationml/2006/main">
   <p:cSld>
     <p:bg>
@@ -9430,7 +9616,7 @@
 </p:sld>
 </file>
 
-<file path=ppt/slides/slide16.xml><?xml version="1.0" encoding="utf-8"?>
+<file path=ppt/slides/slide17.xml><?xml version="1.0" encoding="utf-8"?>
 <p:sld xmlns:a="http://schemas.openxmlformats.org/drawingml/2006/main" xmlns:r="http://schemas.openxmlformats.org/officeDocument/2006/relationships" xmlns:p="http://schemas.openxmlformats.org/presentationml/2006/main">
   <p:cSld>
     <p:bg>
@@ -14235,6 +14421,30 @@
 <file path=ppt/slides/slide8.xml><?xml version="1.0" encoding="utf-8"?>
 <p:sld xmlns:a="http://schemas.openxmlformats.org/drawingml/2006/main" xmlns:r="http://schemas.openxmlformats.org/officeDocument/2006/relationships" xmlns:p="http://schemas.openxmlformats.org/presentationml/2006/main">
   <p:cSld>
+    <p:bg>
+      <p:bgPr>
+        <a:gradFill rotWithShape="1">
+          <a:gsLst>
+            <a:gs pos="0">
+              <a:schemeClr val="bg2">
+                <a:tint val="94000"/>
+                <a:satMod val="80000"/>
+                <a:lumMod val="106000"/>
+              </a:schemeClr>
+            </a:gs>
+            <a:gs pos="100000">
+              <a:schemeClr val="bg2">
+                <a:shade val="80000"/>
+              </a:schemeClr>
+            </a:gs>
+          </a:gsLst>
+          <a:path path="circle">
+            <a:fillToRect l="43000" r="43000" b="100000"/>
+          </a:path>
+        </a:gradFill>
+        <a:effectLst/>
+      </p:bgPr>
+    </p:bg>
     <p:spTree>
       <p:nvGrpSpPr>
         <p:cNvPr id="1" name=""/>
@@ -14251,126 +14461,581 @@
       </p:grpSpPr>
       <p:sp>
         <p:nvSpPr>
-          <p:cNvPr id="2" name="Title 1">
+          <p:cNvPr id="71" name="Rectangle 70">
             <a:extLst>
               <a:ext uri="{FF2B5EF4-FFF2-40B4-BE49-F238E27FC236}">
-                <a16:creationId xmlns:a16="http://schemas.microsoft.com/office/drawing/2014/main" id="{9DB1A42D-8823-41F3-B6AE-0BA017DEF3A9}"/>
+                <a16:creationId xmlns:a16="http://schemas.microsoft.com/office/drawing/2014/main" id="{0CABCAE3-64FC-4149-819F-2C1812824154}"/>
+              </a:ext>
+              <a:ext uri="{C183D7F6-B498-43B3-948B-1728B52AA6E4}">
+                <adec:decorative xmlns:adec="http://schemas.microsoft.com/office/drawing/2017/decorative" val="1"/>
               </a:ext>
             </a:extLst>
           </p:cNvPr>
           <p:cNvSpPr>
-            <a:spLocks noGrp="1"/>
+            <a:spLocks noGrp="1" noRot="1" noChangeAspect="1" noMove="1" noResize="1" noEditPoints="1" noAdjustHandles="1" noChangeArrowheads="1" noChangeShapeType="1" noTextEdit="1"/>
           </p:cNvSpPr>
           <p:nvPr>
-            <p:ph type="title"/>
-          </p:nvPr>
-        </p:nvSpPr>
-        <p:spPr/>
-        <p:txBody>
-          <a:bodyPr/>
-          <a:lstStyle/>
-          <a:p>
-            <a:r>
-              <a:rPr lang="en-US" dirty="0"/>
-              <a:t>Another Group Exercise!</a:t>
-            </a:r>
-          </a:p>
-        </p:txBody>
+            <p:extLst>
+              <p:ext uri="{386F3935-93C4-4BCD-93E2-E3B085C9AB24}">
+                <p16:designElem xmlns:p16="http://schemas.microsoft.com/office/powerpoint/2015/main" val="1"/>
+              </p:ext>
+            </p:extLst>
+          </p:nvPr>
+        </p:nvSpPr>
+        <p:spPr>
+          <a:xfrm>
+            <a:off x="0" y="2019476"/>
+            <a:ext cx="12192000" cy="4105941"/>
+          </a:xfrm>
+          <a:prstGeom prst="rect">
+            <a:avLst/>
+          </a:prstGeom>
+          <a:gradFill flip="none" rotWithShape="1">
+            <a:gsLst>
+              <a:gs pos="0">
+                <a:schemeClr val="bg2">
+                  <a:alpha val="0"/>
+                </a:schemeClr>
+              </a:gs>
+              <a:gs pos="100000">
+                <a:schemeClr val="bg2"/>
+              </a:gs>
+            </a:gsLst>
+            <a:lin ang="5400000" scaled="0"/>
+            <a:tileRect/>
+          </a:gradFill>
+          <a:ln>
+            <a:noFill/>
+          </a:ln>
+        </p:spPr>
+        <p:style>
+          <a:lnRef idx="2">
+            <a:schemeClr val="accent1">
+              <a:shade val="50000"/>
+            </a:schemeClr>
+          </a:lnRef>
+          <a:fillRef idx="1">
+            <a:schemeClr val="accent1"/>
+          </a:fillRef>
+          <a:effectRef idx="0">
+            <a:schemeClr val="accent1"/>
+          </a:effectRef>
+          <a:fontRef idx="minor">
+            <a:schemeClr val="lt1"/>
+          </a:fontRef>
+        </p:style>
       </p:sp>
       <p:pic>
         <p:nvPicPr>
-          <p:cNvPr id="5" name="Picture 4">
+          <p:cNvPr id="73" name="Picture 72">
             <a:extLst>
               <a:ext uri="{FF2B5EF4-FFF2-40B4-BE49-F238E27FC236}">
-                <a16:creationId xmlns:a16="http://schemas.microsoft.com/office/drawing/2014/main" id="{6EDCB338-E7C6-4148-A0B1-B739CF7BBDED}"/>
+                <a16:creationId xmlns:a16="http://schemas.microsoft.com/office/drawing/2014/main" id="{012FDCFE-9AD2-4D8A-8CBF-B3AA37EBF6DD}"/>
+              </a:ext>
+              <a:ext uri="{C183D7F6-B498-43B3-948B-1728B52AA6E4}">
+                <adec:decorative xmlns:adec="http://schemas.microsoft.com/office/drawing/2017/decorative" val="1"/>
               </a:ext>
             </a:extLst>
           </p:cNvPr>
           <p:cNvPicPr>
-            <a:picLocks noChangeAspect="1"/>
+            <a:picLocks noGrp="1" noRot="1" noChangeAspect="1" noMove="1" noResize="1" noEditPoints="1" noAdjustHandles="1" noChangeArrowheads="1" noChangeShapeType="1" noCrop="1"/>
           </p:cNvPicPr>
-          <p:nvPr/>
+          <p:nvPr>
+            <p:extLst>
+              <p:ext uri="{386F3935-93C4-4BCD-93E2-E3B085C9AB24}">
+                <p16:designElem xmlns:p16="http://schemas.microsoft.com/office/powerpoint/2015/main" val="1"/>
+              </p:ext>
+            </p:extLst>
+          </p:nvPr>
         </p:nvPicPr>
-        <p:blipFill>
-          <a:blip r:embed="rId2"/>
-          <a:stretch>
-            <a:fillRect/>
-          </a:stretch>
+        <p:blipFill rotWithShape="1">
+          <a:blip r:embed="rId2">
+            <a:extLst>
+              <a:ext uri="{28A0092B-C50C-407E-A947-70E740481C1C}">
+                <a14:useLocalDpi xmlns:a14="http://schemas.microsoft.com/office/drawing/2010/main" val="0"/>
+              </a:ext>
+            </a:extLst>
+          </a:blip>
+          <a:srcRect t="1538" b="-1538"/>
+          <a:stretch/>
         </p:blipFill>
-        <p:spPr>
+        <p:spPr bwMode="black">
           <a:xfrm>
-            <a:off x="6096000" y="2324100"/>
-            <a:ext cx="3705311" cy="3238500"/>
+            <a:off x="0" y="6126480"/>
+            <a:ext cx="12192000" cy="742950"/>
           </a:xfrm>
           <a:prstGeom prst="rect">
             <a:avLst/>
           </a:prstGeom>
         </p:spPr>
       </p:pic>
-      <p:sp>
-        <p:nvSpPr>
-          <p:cNvPr id="6" name="TextBox 5">
+      <p:cxnSp>
+        <p:nvCxnSpPr>
+          <p:cNvPr id="75" name="Straight Connector 74">
             <a:extLst>
               <a:ext uri="{FF2B5EF4-FFF2-40B4-BE49-F238E27FC236}">
-                <a16:creationId xmlns:a16="http://schemas.microsoft.com/office/drawing/2014/main" id="{CB02E8D0-3D68-48E8-AE02-D4438EDBD8C3}"/>
+                <a16:creationId xmlns:a16="http://schemas.microsoft.com/office/drawing/2014/main" id="{FBD463FC-4CA8-4FF4-85A3-AF9F4B98D210}"/>
+              </a:ext>
+              <a:ext uri="{C183D7F6-B498-43B3-948B-1728B52AA6E4}">
+                <adec:decorative xmlns:adec="http://schemas.microsoft.com/office/drawing/2017/decorative" val="1"/>
               </a:ext>
             </a:extLst>
           </p:cNvPr>
-          <p:cNvSpPr txBox="1"/>
-          <p:nvPr/>
-        </p:nvSpPr>
+          <p:cNvCxnSpPr>
+            <a:cxnSpLocks noGrp="1" noRot="1" noChangeAspect="1" noMove="1" noResize="1" noEditPoints="1" noAdjustHandles="1" noChangeArrowheads="1" noChangeShapeType="1"/>
+          </p:cNvCxnSpPr>
+          <p:nvPr>
+            <p:extLst>
+              <p:ext uri="{386F3935-93C4-4BCD-93E2-E3B085C9AB24}">
+                <p16:designElem xmlns:p16="http://schemas.microsoft.com/office/powerpoint/2015/main" val="1"/>
+              </p:ext>
+            </p:extLst>
+          </p:nvPr>
+        </p:nvCxnSpPr>
         <p:spPr>
           <a:xfrm>
-            <a:off x="1685925" y="2324100"/>
-            <a:ext cx="3600450" cy="2031325"/>
+            <a:off x="0" y="6128413"/>
+            <a:ext cx="12192000" cy="0"/>
+          </a:xfrm>
+          <a:prstGeom prst="line">
+            <a:avLst/>
+          </a:prstGeom>
+          <a:ln w="12700">
+            <a:solidFill>
+              <a:srgbClr val="000001">
+                <a:alpha val="20000"/>
+              </a:srgbClr>
+            </a:solidFill>
+          </a:ln>
+        </p:spPr>
+        <p:style>
+          <a:lnRef idx="1">
+            <a:schemeClr val="accent1"/>
+          </a:lnRef>
+          <a:fillRef idx="0">
+            <a:schemeClr val="accent1"/>
+          </a:fillRef>
+          <a:effectRef idx="0">
+            <a:schemeClr val="accent1"/>
+          </a:effectRef>
+          <a:fontRef idx="minor">
+            <a:schemeClr val="tx1"/>
+          </a:fontRef>
+        </p:style>
+      </p:cxnSp>
+      <p:cxnSp>
+        <p:nvCxnSpPr>
+          <p:cNvPr id="77" name="Straight Connector 76">
+            <a:extLst>
+              <a:ext uri="{FF2B5EF4-FFF2-40B4-BE49-F238E27FC236}">
+                <a16:creationId xmlns:a16="http://schemas.microsoft.com/office/drawing/2014/main" id="{BECF35C3-8B44-4F4B-BD25-4C01823DB22A}"/>
+              </a:ext>
+              <a:ext uri="{C183D7F6-B498-43B3-948B-1728B52AA6E4}">
+                <adec:decorative xmlns:adec="http://schemas.microsoft.com/office/drawing/2017/decorative" val="1"/>
+              </a:ext>
+            </a:extLst>
+          </p:cNvPr>
+          <p:cNvCxnSpPr>
+            <a:cxnSpLocks noGrp="1" noRot="1" noChangeAspect="1" noMove="1" noResize="1" noEditPoints="1" noAdjustHandles="1" noChangeArrowheads="1" noChangeShapeType="1"/>
+          </p:cNvCxnSpPr>
+          <p:nvPr>
+            <p:extLst>
+              <p:ext uri="{386F3935-93C4-4BCD-93E2-E3B085C9AB24}">
+                <p16:designElem xmlns:p16="http://schemas.microsoft.com/office/powerpoint/2015/main" val="1"/>
+              </p:ext>
+            </p:extLst>
+          </p:nvPr>
+        </p:nvCxnSpPr>
+        <p:spPr>
+          <a:xfrm>
+            <a:off x="2417780" y="3528542"/>
+            <a:ext cx="8637072" cy="0"/>
+          </a:xfrm>
+          <a:prstGeom prst="line">
+            <a:avLst/>
+          </a:prstGeom>
+          <a:ln w="31750"/>
+        </p:spPr>
+        <p:style>
+          <a:lnRef idx="3">
+            <a:schemeClr val="accent1"/>
+          </a:lnRef>
+          <a:fillRef idx="0">
+            <a:schemeClr val="accent1"/>
+          </a:fillRef>
+          <a:effectRef idx="2">
+            <a:schemeClr val="accent1"/>
+          </a:effectRef>
+          <a:fontRef idx="minor">
+            <a:schemeClr val="tx1"/>
+          </a:fontRef>
+        </p:style>
+      </p:cxnSp>
+      <p:sp useBgFill="1">
+        <p:nvSpPr>
+          <p:cNvPr id="79" name="Rectangle 78">
+            <a:extLst>
+              <a:ext uri="{FF2B5EF4-FFF2-40B4-BE49-F238E27FC236}">
+                <a16:creationId xmlns:a16="http://schemas.microsoft.com/office/drawing/2014/main" id="{D0712110-0BC1-4B31-B3BB-63B44222E87F}"/>
+              </a:ext>
+              <a:ext uri="{C183D7F6-B498-43B3-948B-1728B52AA6E4}">
+                <adec:decorative xmlns:adec="http://schemas.microsoft.com/office/drawing/2017/decorative" val="1"/>
+              </a:ext>
+            </a:extLst>
+          </p:cNvPr>
+          <p:cNvSpPr>
+            <a:spLocks noGrp="1" noRot="1" noChangeAspect="1" noMove="1" noResize="1" noEditPoints="1" noAdjustHandles="1" noChangeArrowheads="1" noChangeShapeType="1" noTextEdit="1"/>
+          </p:cNvSpPr>
+          <p:nvPr>
+            <p:extLst>
+              <p:ext uri="{386F3935-93C4-4BCD-93E2-E3B085C9AB24}">
+                <p16:designElem xmlns:p16="http://schemas.microsoft.com/office/powerpoint/2015/main" val="1"/>
+              </p:ext>
+            </p:extLst>
+          </p:nvPr>
+        </p:nvSpPr>
+        <p:spPr>
+          <a:xfrm>
+            <a:off x="2" y="0"/>
+            <a:ext cx="12191695" cy="6858000"/>
+          </a:xfrm>
+          <a:prstGeom prst="rect">
+            <a:avLst/>
+          </a:prstGeom>
+          <a:ln>
+            <a:noFill/>
+          </a:ln>
+        </p:spPr>
+        <p:style>
+          <a:lnRef idx="2">
+            <a:schemeClr val="accent1">
+              <a:shade val="50000"/>
+            </a:schemeClr>
+          </a:lnRef>
+          <a:fillRef idx="1">
+            <a:schemeClr val="accent1"/>
+          </a:fillRef>
+          <a:effectRef idx="0">
+            <a:schemeClr val="accent1"/>
+          </a:effectRef>
+          <a:fontRef idx="minor">
+            <a:schemeClr val="lt1"/>
+          </a:fontRef>
+        </p:style>
+        <p:txBody>
+          <a:bodyPr rtlCol="0" anchor="ctr"/>
+          <a:lstStyle/>
+          <a:p>
+            <a:pPr algn="ctr"/>
+            <a:endParaRPr lang="en-US"/>
+          </a:p>
+        </p:txBody>
+      </p:sp>
+      <p:sp>
+        <p:nvSpPr>
+          <p:cNvPr id="81" name="Rectangle 80">
+            <a:extLst>
+              <a:ext uri="{FF2B5EF4-FFF2-40B4-BE49-F238E27FC236}">
+                <a16:creationId xmlns:a16="http://schemas.microsoft.com/office/drawing/2014/main" id="{4466B5F3-C053-4580-B04A-1EF949888280}"/>
+              </a:ext>
+              <a:ext uri="{C183D7F6-B498-43B3-948B-1728B52AA6E4}">
+                <adec:decorative xmlns:adec="http://schemas.microsoft.com/office/drawing/2017/decorative" val="1"/>
+              </a:ext>
+            </a:extLst>
+          </p:cNvPr>
+          <p:cNvSpPr>
+            <a:spLocks noGrp="1" noRot="1" noChangeAspect="1" noMove="1" noResize="1" noEditPoints="1" noAdjustHandles="1" noChangeArrowheads="1" noChangeShapeType="1" noTextEdit="1"/>
+          </p:cNvSpPr>
+          <p:nvPr>
+            <p:extLst>
+              <p:ext uri="{386F3935-93C4-4BCD-93E2-E3B085C9AB24}">
+                <p16:designElem xmlns:p16="http://schemas.microsoft.com/office/powerpoint/2015/main" val="1"/>
+              </p:ext>
+            </p:extLst>
+          </p:nvPr>
+        </p:nvSpPr>
+        <p:spPr>
+          <a:xfrm>
+            <a:off x="0" y="2019476"/>
+            <a:ext cx="12192000" cy="4105941"/>
+          </a:xfrm>
+          <a:prstGeom prst="rect">
+            <a:avLst/>
+          </a:prstGeom>
+          <a:gradFill flip="none" rotWithShape="1">
+            <a:gsLst>
+              <a:gs pos="0">
+                <a:schemeClr val="bg2">
+                  <a:alpha val="0"/>
+                </a:schemeClr>
+              </a:gs>
+              <a:gs pos="100000">
+                <a:schemeClr val="bg2"/>
+              </a:gs>
+            </a:gsLst>
+            <a:lin ang="5400000" scaled="0"/>
+            <a:tileRect/>
+          </a:gradFill>
+          <a:ln>
+            <a:noFill/>
+          </a:ln>
+        </p:spPr>
+        <p:style>
+          <a:lnRef idx="2">
+            <a:schemeClr val="accent1">
+              <a:shade val="50000"/>
+            </a:schemeClr>
+          </a:lnRef>
+          <a:fillRef idx="1">
+            <a:schemeClr val="accent1"/>
+          </a:fillRef>
+          <a:effectRef idx="0">
+            <a:schemeClr val="accent1"/>
+          </a:effectRef>
+          <a:fontRef idx="minor">
+            <a:schemeClr val="lt1"/>
+          </a:fontRef>
+        </p:style>
+        <p:txBody>
+          <a:bodyPr rtlCol="0" anchor="ctr"/>
+          <a:lstStyle/>
+          <a:p>
+            <a:pPr lvl="0" algn="ctr"/>
+            <a:endParaRPr lang="en-US"/>
+          </a:p>
+        </p:txBody>
+      </p:sp>
+      <p:sp>
+        <p:nvSpPr>
+          <p:cNvPr id="2" name="Title 1">
+            <a:extLst>
+              <a:ext uri="{FF2B5EF4-FFF2-40B4-BE49-F238E27FC236}">
+                <a16:creationId xmlns:a16="http://schemas.microsoft.com/office/drawing/2014/main" id="{1F879D51-ADD7-594E-B4D9-FF6230653C93}"/>
+              </a:ext>
+            </a:extLst>
+          </p:cNvPr>
+          <p:cNvSpPr>
+            <a:spLocks noGrp="1"/>
+          </p:cNvSpPr>
+          <p:nvPr>
+            <p:ph type="title"/>
+          </p:nvPr>
+        </p:nvSpPr>
+        <p:spPr>
+          <a:xfrm>
+            <a:off x="1452616" y="962902"/>
+            <a:ext cx="4176384" cy="2380828"/>
+          </a:xfrm>
+        </p:spPr>
+        <p:txBody>
+          <a:bodyPr vert="horz" lIns="91440" tIns="45720" rIns="91440" bIns="0" rtlCol="0" anchor="b">
+            <a:normAutofit/>
+          </a:bodyPr>
+          <a:lstStyle/>
+          <a:p>
+            <a:r>
+              <a:rPr lang="en-US" sz="3000"/>
+              <a:t>Congratulations!</a:t>
+            </a:r>
+          </a:p>
+        </p:txBody>
+      </p:sp>
+      <p:cxnSp>
+        <p:nvCxnSpPr>
+          <p:cNvPr id="83" name="Straight Connector 82">
+            <a:extLst>
+              <a:ext uri="{FF2B5EF4-FFF2-40B4-BE49-F238E27FC236}">
+                <a16:creationId xmlns:a16="http://schemas.microsoft.com/office/drawing/2014/main" id="{FA6123F2-4B61-414F-A7E5-5B7828EACAE2}"/>
+              </a:ext>
+              <a:ext uri="{C183D7F6-B498-43B3-948B-1728B52AA6E4}">
+                <adec:decorative xmlns:adec="http://schemas.microsoft.com/office/drawing/2017/decorative" val="1"/>
+              </a:ext>
+            </a:extLst>
+          </p:cNvPr>
+          <p:cNvCxnSpPr>
+            <a:cxnSpLocks noGrp="1" noRot="1" noChangeAspect="1" noMove="1" noResize="1" noEditPoints="1" noAdjustHandles="1" noChangeArrowheads="1" noChangeShapeType="1"/>
+          </p:cNvCxnSpPr>
+          <p:nvPr>
+            <p:extLst>
+              <p:ext uri="{386F3935-93C4-4BCD-93E2-E3B085C9AB24}">
+                <p16:designElem xmlns:p16="http://schemas.microsoft.com/office/powerpoint/2015/main" val="1"/>
+              </p:ext>
+            </p:extLst>
+          </p:nvPr>
+        </p:nvCxnSpPr>
+        <p:spPr>
+          <a:xfrm>
+            <a:off x="1452617" y="3528543"/>
+            <a:ext cx="4171479" cy="0"/>
+          </a:xfrm>
+          <a:prstGeom prst="line">
+            <a:avLst/>
+          </a:prstGeom>
+          <a:ln w="31750"/>
+        </p:spPr>
+        <p:style>
+          <a:lnRef idx="3">
+            <a:schemeClr val="accent1"/>
+          </a:lnRef>
+          <a:fillRef idx="0">
+            <a:schemeClr val="accent1"/>
+          </a:fillRef>
+          <a:effectRef idx="2">
+            <a:schemeClr val="accent1"/>
+          </a:effectRef>
+          <a:fontRef idx="minor">
+            <a:schemeClr val="tx1"/>
+          </a:fontRef>
+        </p:style>
+      </p:cxnSp>
+      <p:pic>
+        <p:nvPicPr>
+          <p:cNvPr id="1026" name="Picture 2">
+            <a:extLst>
+              <a:ext uri="{FF2B5EF4-FFF2-40B4-BE49-F238E27FC236}">
+                <a16:creationId xmlns:a16="http://schemas.microsoft.com/office/drawing/2014/main" id="{EE4519C8-A374-3145-B1C9-94ECC65E7B81}"/>
+              </a:ext>
+            </a:extLst>
+          </p:cNvPr>
+          <p:cNvPicPr>
+            <a:picLocks noChangeAspect="1" noChangeArrowheads="1"/>
+          </p:cNvPicPr>
+          <p:nvPr/>
+        </p:nvPicPr>
+        <p:blipFill>
+          <a:blip r:embed="rId3">
+            <a:extLst>
+              <a:ext uri="{28A0092B-C50C-407E-A947-70E740481C1C}">
+                <a14:useLocalDpi xmlns:a14="http://schemas.microsoft.com/office/drawing/2010/main" val="0"/>
+              </a:ext>
+            </a:extLst>
+          </a:blip>
+          <a:stretch>
+            <a:fillRect/>
+          </a:stretch>
+        </p:blipFill>
+        <p:spPr bwMode="auto">
+          <a:xfrm>
+            <a:off x="6244251" y="805583"/>
+            <a:ext cx="4660762" cy="4660762"/>
           </a:xfrm>
           <a:prstGeom prst="rect">
             <a:avLst/>
           </a:prstGeom>
           <a:noFill/>
+          <a:extLst>
+            <a:ext uri="{909E8E84-426E-40DD-AFC4-6F175D3DCCD1}">
+              <a14:hiddenFill xmlns:a14="http://schemas.microsoft.com/office/drawing/2010/main">
+                <a:solidFill>
+                  <a:srgbClr val="FFFFFF"/>
+                </a:solidFill>
+              </a14:hiddenFill>
+            </a:ext>
+          </a:extLst>
         </p:spPr>
-        <p:txBody>
-          <a:bodyPr wrap="square" rtlCol="0">
-            <a:spAutoFit/>
-          </a:bodyPr>
-          <a:lstStyle/>
-          <a:p>
-            <a:r>
-              <a:rPr lang="en-US" dirty="0"/>
-              <a:t>Residential Home Sales Prices in Salt Lake City</a:t>
-            </a:r>
-          </a:p>
-          <a:p>
-            <a:endParaRPr lang="en-US" dirty="0"/>
-          </a:p>
-          <a:p>
-            <a:endParaRPr lang="en-US" dirty="0"/>
-          </a:p>
-          <a:p>
-            <a:endParaRPr lang="en-US" dirty="0"/>
-          </a:p>
-          <a:p>
-            <a:endParaRPr lang="en-US" dirty="0"/>
-          </a:p>
-          <a:p>
-            <a:r>
-              <a:rPr lang="en-US" dirty="0"/>
-              <a:t>Google Maps </a:t>
-            </a:r>
-            <a:r>
-              <a:rPr lang="en-US" dirty="0">
-                <a:hlinkClick r:id="rId3"/>
-              </a:rPr>
-              <a:t>Link</a:t>
-            </a:r>
-            <a:endParaRPr lang="en-US" dirty="0"/>
-          </a:p>
-        </p:txBody>
-      </p:sp>
+      </p:pic>
+      <p:pic>
+        <p:nvPicPr>
+          <p:cNvPr id="85" name="Picture 84">
+            <a:extLst>
+              <a:ext uri="{FF2B5EF4-FFF2-40B4-BE49-F238E27FC236}">
+                <a16:creationId xmlns:a16="http://schemas.microsoft.com/office/drawing/2014/main" id="{25CED634-E2D0-4AB7-96DD-816C9B52C5CF}"/>
+              </a:ext>
+              <a:ext uri="{C183D7F6-B498-43B3-948B-1728B52AA6E4}">
+                <adec:decorative xmlns:adec="http://schemas.microsoft.com/office/drawing/2017/decorative" val="1"/>
+              </a:ext>
+            </a:extLst>
+          </p:cNvPr>
+          <p:cNvPicPr>
+            <a:picLocks noGrp="1" noRot="1" noChangeAspect="1" noMove="1" noResize="1" noEditPoints="1" noAdjustHandles="1" noChangeArrowheads="1" noChangeShapeType="1" noCrop="1"/>
+          </p:cNvPicPr>
+          <p:nvPr>
+            <p:extLst>
+              <p:ext uri="{386F3935-93C4-4BCD-93E2-E3B085C9AB24}">
+                <p16:designElem xmlns:p16="http://schemas.microsoft.com/office/powerpoint/2015/main" val="1"/>
+              </p:ext>
+            </p:extLst>
+          </p:nvPr>
+        </p:nvPicPr>
+        <p:blipFill rotWithShape="1">
+          <a:blip r:embed="rId2">
+            <a:extLst>
+              <a:ext uri="{28A0092B-C50C-407E-A947-70E740481C1C}">
+                <a14:useLocalDpi xmlns:a14="http://schemas.microsoft.com/office/drawing/2010/main" val="0"/>
+              </a:ext>
+            </a:extLst>
+          </a:blip>
+          <a:srcRect t="1538" b="-1538"/>
+          <a:stretch/>
+        </p:blipFill>
+        <p:spPr bwMode="black">
+          <a:xfrm>
+            <a:off x="0" y="6126480"/>
+            <a:ext cx="12192000" cy="742950"/>
+          </a:xfrm>
+          <a:prstGeom prst="rect">
+            <a:avLst/>
+          </a:prstGeom>
+        </p:spPr>
+      </p:pic>
+      <p:cxnSp>
+        <p:nvCxnSpPr>
+          <p:cNvPr id="87" name="Straight Connector 86">
+            <a:extLst>
+              <a:ext uri="{FF2B5EF4-FFF2-40B4-BE49-F238E27FC236}">
+                <a16:creationId xmlns:a16="http://schemas.microsoft.com/office/drawing/2014/main" id="{FCDDCDFB-696D-4FDF-9B58-24F71B7C37BC}"/>
+              </a:ext>
+              <a:ext uri="{C183D7F6-B498-43B3-948B-1728B52AA6E4}">
+                <adec:decorative xmlns:adec="http://schemas.microsoft.com/office/drawing/2017/decorative" val="1"/>
+              </a:ext>
+            </a:extLst>
+          </p:cNvPr>
+          <p:cNvCxnSpPr>
+            <a:cxnSpLocks noGrp="1" noRot="1" noChangeAspect="1" noMove="1" noResize="1" noEditPoints="1" noAdjustHandles="1" noChangeArrowheads="1" noChangeShapeType="1"/>
+          </p:cNvCxnSpPr>
+          <p:nvPr>
+            <p:extLst>
+              <p:ext uri="{386F3935-93C4-4BCD-93E2-E3B085C9AB24}">
+                <p16:designElem xmlns:p16="http://schemas.microsoft.com/office/powerpoint/2015/main" val="1"/>
+              </p:ext>
+            </p:extLst>
+          </p:nvPr>
+        </p:nvCxnSpPr>
+        <p:spPr>
+          <a:xfrm>
+            <a:off x="0" y="6128413"/>
+            <a:ext cx="12192000" cy="0"/>
+          </a:xfrm>
+          <a:prstGeom prst="line">
+            <a:avLst/>
+          </a:prstGeom>
+          <a:ln w="12700">
+            <a:solidFill>
+              <a:srgbClr val="000001">
+                <a:alpha val="20000"/>
+              </a:srgbClr>
+            </a:solidFill>
+          </a:ln>
+        </p:spPr>
+        <p:style>
+          <a:lnRef idx="1">
+            <a:schemeClr val="accent1"/>
+          </a:lnRef>
+          <a:fillRef idx="0">
+            <a:schemeClr val="accent1"/>
+          </a:fillRef>
+          <a:effectRef idx="0">
+            <a:schemeClr val="accent1"/>
+          </a:effectRef>
+          <a:fontRef idx="minor">
+            <a:schemeClr val="tx1"/>
+          </a:fontRef>
+        </p:style>
+      </p:cxnSp>
     </p:spTree>
     <p:extLst>
       <p:ext uri="{BB962C8B-B14F-4D97-AF65-F5344CB8AC3E}">
-        <p14:creationId xmlns:p14="http://schemas.microsoft.com/office/powerpoint/2010/main" val="2999257992"/>
+        <p14:creationId xmlns:p14="http://schemas.microsoft.com/office/powerpoint/2010/main" val="3943746652"/>
       </p:ext>
     </p:extLst>
   </p:cSld>
@@ -14402,7 +15067,7 @@
           <p:cNvPr id="2" name="Title 1">
             <a:extLst>
               <a:ext uri="{FF2B5EF4-FFF2-40B4-BE49-F238E27FC236}">
-                <a16:creationId xmlns:a16="http://schemas.microsoft.com/office/drawing/2014/main" id="{107C4115-2224-46F0-AEA2-27CE85D5D70F}"/>
+                <a16:creationId xmlns:a16="http://schemas.microsoft.com/office/drawing/2014/main" id="{9DB1A42D-8823-41F3-B6AE-0BA017DEF3A9}"/>
               </a:ext>
             </a:extLst>
           </p:cNvPr>
@@ -14420,7 +15085,7 @@
           <a:p>
             <a:r>
               <a:rPr lang="en-US" dirty="0"/>
-              <a:t>Predict the Price!</a:t>
+              <a:t>Another Group Exercise!</a:t>
             </a:r>
           </a:p>
         </p:txBody>
@@ -14430,7 +15095,7 @@
           <p:cNvPr id="5" name="Picture 4">
             <a:extLst>
               <a:ext uri="{FF2B5EF4-FFF2-40B4-BE49-F238E27FC236}">
-                <a16:creationId xmlns:a16="http://schemas.microsoft.com/office/drawing/2014/main" id="{CCE3519F-4E91-4A83-A01E-B7AA09F13661}"/>
+                <a16:creationId xmlns:a16="http://schemas.microsoft.com/office/drawing/2014/main" id="{6EDCB338-E7C6-4148-A0B1-B739CF7BBDED}"/>
               </a:ext>
             </a:extLst>
           </p:cNvPr>
@@ -14440,15 +15105,15 @@
           <p:nvPr/>
         </p:nvPicPr>
         <p:blipFill>
-          <a:blip r:embed="rId3"/>
+          <a:blip r:embed="rId2"/>
           <a:stretch>
             <a:fillRect/>
           </a:stretch>
         </p:blipFill>
         <p:spPr>
           <a:xfrm>
-            <a:off x="1565879" y="2284593"/>
-            <a:ext cx="3897636" cy="2982732"/>
+            <a:off x="6096000" y="2324100"/>
+            <a:ext cx="3705311" cy="3238500"/>
           </a:xfrm>
           <a:prstGeom prst="rect">
             <a:avLst/>
@@ -14460,7 +15125,7 @@
           <p:cNvPr id="6" name="TextBox 5">
             <a:extLst>
               <a:ext uri="{FF2B5EF4-FFF2-40B4-BE49-F238E27FC236}">
-                <a16:creationId xmlns:a16="http://schemas.microsoft.com/office/drawing/2014/main" id="{89041BC5-AD73-41B7-B355-43D7B5ADB719}"/>
+                <a16:creationId xmlns:a16="http://schemas.microsoft.com/office/drawing/2014/main" id="{CB02E8D0-3D68-48E8-AE02-D4438EDBD8C3}"/>
               </a:ext>
             </a:extLst>
           </p:cNvPr>
@@ -14469,8 +15134,8 @@
         </p:nvSpPr>
         <p:spPr>
           <a:xfrm>
-            <a:off x="6600825" y="2789418"/>
-            <a:ext cx="2600325" cy="2308324"/>
+            <a:off x="1685925" y="2324100"/>
+            <a:ext cx="3600450" cy="2031325"/>
           </a:xfrm>
           <a:prstGeom prst="rect">
             <a:avLst/>
@@ -14484,53 +15149,41 @@
           <a:lstStyle/>
           <a:p>
             <a:r>
-              <a:rPr lang="en-US" sz="1800" b="0" i="0" u="none" strike="noStrike" dirty="0">
-                <a:solidFill>
-                  <a:srgbClr val="000000"/>
-                </a:solidFill>
-                <a:effectLst/>
-                <a:latin typeface="Calibri" panose="020F0502020204030204" pitchFamily="34" charset="0"/>
+              <a:rPr lang="en-US" dirty="0"/>
+              <a:t>Residential Home Sales Prices in Salt Lake City</a:t>
+            </a:r>
+          </a:p>
+          <a:p>
+            <a:endParaRPr lang="en-US" dirty="0"/>
+          </a:p>
+          <a:p>
+            <a:endParaRPr lang="en-US" dirty="0"/>
+          </a:p>
+          <a:p>
+            <a:endParaRPr lang="en-US" dirty="0"/>
+          </a:p>
+          <a:p>
+            <a:endParaRPr lang="en-US" dirty="0"/>
+          </a:p>
+          <a:p>
+            <a:r>
+              <a:rPr lang="en-US" dirty="0"/>
+              <a:t>Google Maps </a:t>
+            </a:r>
+            <a:r>
+              <a:rPr lang="en-US" dirty="0">
+                <a:hlinkClick r:id="rId3"/>
               </a:rPr>
-              <a:t>1832 S 1100 E, Salt Lake City, UT 84105</a:t>
-            </a:r>
-            <a:r>
-              <a:rPr lang="en-US" dirty="0"/>
-              <a:t> </a:t>
-            </a:r>
-          </a:p>
-          <a:p>
+              <a:t>Link</a:t>
+            </a:r>
             <a:endParaRPr lang="en-US" dirty="0"/>
-          </a:p>
-          <a:p>
-            <a:r>
-              <a:rPr lang="en-US" dirty="0"/>
-              <a:t>Square Ft: 1393</a:t>
-            </a:r>
-          </a:p>
-          <a:p>
-            <a:endParaRPr lang="en-US" dirty="0"/>
-          </a:p>
-          <a:p>
-            <a:r>
-              <a:rPr lang="en-US" dirty="0"/>
-              <a:t>Bed Rooms: 2</a:t>
-            </a:r>
-          </a:p>
-          <a:p>
-            <a:endParaRPr lang="en-US" dirty="0"/>
-          </a:p>
-          <a:p>
-            <a:r>
-              <a:rPr lang="en-US" dirty="0"/>
-              <a:t>Bathrooms: 1</a:t>
-            </a:r>
           </a:p>
         </p:txBody>
       </p:sp>
     </p:spTree>
     <p:extLst>
       <p:ext uri="{BB962C8B-B14F-4D97-AF65-F5344CB8AC3E}">
-        <p14:creationId xmlns:p14="http://schemas.microsoft.com/office/powerpoint/2010/main" val="3283312469"/>
+        <p14:creationId xmlns:p14="http://schemas.microsoft.com/office/powerpoint/2010/main" val="2999257992"/>
       </p:ext>
     </p:extLst>
   </p:cSld>

--- a/Machine Learning Teaching Example VLa.pptx
+++ b/Machine Learning Teaching Example VLa.pptx
@@ -5,26 +5,27 @@
     <p:sldMasterId id="2147483660" r:id="rId1"/>
   </p:sldMasterIdLst>
   <p:notesMasterIdLst>
-    <p:notesMasterId r:id="rId19"/>
+    <p:notesMasterId r:id="rId20"/>
   </p:notesMasterIdLst>
   <p:sldIdLst>
     <p:sldId id="256" r:id="rId2"/>
-    <p:sldId id="257" r:id="rId3"/>
-    <p:sldId id="258" r:id="rId4"/>
-    <p:sldId id="267" r:id="rId5"/>
-    <p:sldId id="259" r:id="rId6"/>
-    <p:sldId id="260" r:id="rId7"/>
-    <p:sldId id="261" r:id="rId8"/>
-    <p:sldId id="274" r:id="rId9"/>
-    <p:sldId id="262" r:id="rId10"/>
-    <p:sldId id="263" r:id="rId11"/>
-    <p:sldId id="264" r:id="rId12"/>
-    <p:sldId id="268" r:id="rId13"/>
-    <p:sldId id="269" r:id="rId14"/>
-    <p:sldId id="270" r:id="rId15"/>
-    <p:sldId id="271" r:id="rId16"/>
-    <p:sldId id="272" r:id="rId17"/>
-    <p:sldId id="273" r:id="rId18"/>
+    <p:sldId id="275" r:id="rId3"/>
+    <p:sldId id="257" r:id="rId4"/>
+    <p:sldId id="258" r:id="rId5"/>
+    <p:sldId id="267" r:id="rId6"/>
+    <p:sldId id="259" r:id="rId7"/>
+    <p:sldId id="260" r:id="rId8"/>
+    <p:sldId id="261" r:id="rId9"/>
+    <p:sldId id="274" r:id="rId10"/>
+    <p:sldId id="262" r:id="rId11"/>
+    <p:sldId id="263" r:id="rId12"/>
+    <p:sldId id="264" r:id="rId13"/>
+    <p:sldId id="268" r:id="rId14"/>
+    <p:sldId id="269" r:id="rId15"/>
+    <p:sldId id="270" r:id="rId16"/>
+    <p:sldId id="271" r:id="rId17"/>
+    <p:sldId id="272" r:id="rId18"/>
+    <p:sldId id="273" r:id="rId19"/>
   </p:sldIdLst>
   <p:sldSz cx="12192000" cy="6858000"/>
   <p:notesSz cx="6858000" cy="9144000"/>
@@ -131,6 +132,3043 @@
 </p:presentation>
 </file>
 
+<file path=ppt/diagrams/colors1.xml><?xml version="1.0" encoding="utf-8"?>
+<dgm:colorsDef xmlns:dgm="http://schemas.openxmlformats.org/drawingml/2006/diagram" xmlns:a="http://schemas.openxmlformats.org/drawingml/2006/main" uniqueId="urn:microsoft.com/office/officeart/2018/5/colors/Iconchunking_neutralbg_colorful1">
+  <dgm:title val=""/>
+  <dgm:desc val=""/>
+  <dgm:catLst>
+    <dgm:cat type="colorful" pri="10100"/>
+  </dgm:catLst>
+  <dgm:styleLbl name="node0">
+    <dgm:fillClrLst meth="repeat">
+      <a:schemeClr val="accent1"/>
+    </dgm:fillClrLst>
+    <dgm:linClrLst meth="repeat">
+      <a:schemeClr val="lt1"/>
+    </dgm:linClrLst>
+    <dgm:effectClrLst/>
+    <dgm:txLinClrLst/>
+    <dgm:txFillClrLst/>
+    <dgm:txEffectClrLst/>
+  </dgm:styleLbl>
+  <dgm:styleLbl name="node1">
+    <dgm:fillClrLst meth="repeat">
+      <a:schemeClr val="accent2"/>
+      <a:schemeClr val="accent3"/>
+      <a:schemeClr val="accent4"/>
+      <a:schemeClr val="accent5"/>
+      <a:schemeClr val="accent6"/>
+    </dgm:fillClrLst>
+    <dgm:linClrLst meth="repeat">
+      <a:schemeClr val="lt1">
+        <a:alpha val="0"/>
+      </a:schemeClr>
+    </dgm:linClrLst>
+    <dgm:effectClrLst/>
+    <dgm:txLinClrLst/>
+    <dgm:txFillClrLst/>
+    <dgm:txEffectClrLst/>
+  </dgm:styleLbl>
+  <dgm:styleLbl name="alignNode1">
+    <dgm:fillClrLst meth="repeat">
+      <a:schemeClr val="accent2"/>
+      <a:schemeClr val="accent3"/>
+      <a:schemeClr val="accent4"/>
+      <a:schemeClr val="accent5"/>
+      <a:schemeClr val="accent6"/>
+    </dgm:fillClrLst>
+    <dgm:linClrLst meth="repeat">
+      <a:schemeClr val="accent2"/>
+      <a:schemeClr val="accent3"/>
+      <a:schemeClr val="accent4"/>
+      <a:schemeClr val="accent5"/>
+      <a:schemeClr val="accent6"/>
+    </dgm:linClrLst>
+    <dgm:effectClrLst/>
+    <dgm:txLinClrLst/>
+    <dgm:txFillClrLst/>
+    <dgm:txEffectClrLst/>
+  </dgm:styleLbl>
+  <dgm:styleLbl name="lnNode1">
+    <dgm:fillClrLst meth="repeat">
+      <a:schemeClr val="accent2"/>
+      <a:schemeClr val="accent3"/>
+      <a:schemeClr val="accent4"/>
+      <a:schemeClr val="accent5"/>
+      <a:schemeClr val="accent6"/>
+    </dgm:fillClrLst>
+    <dgm:linClrLst meth="repeat">
+      <a:schemeClr val="lt1"/>
+    </dgm:linClrLst>
+    <dgm:effectClrLst/>
+    <dgm:txLinClrLst/>
+    <dgm:txFillClrLst/>
+    <dgm:txEffectClrLst/>
+  </dgm:styleLbl>
+  <dgm:styleLbl name="vennNode1">
+    <dgm:fillClrLst meth="repeat">
+      <a:schemeClr val="accent2">
+        <a:alpha val="50000"/>
+      </a:schemeClr>
+      <a:schemeClr val="accent3">
+        <a:alpha val="50000"/>
+      </a:schemeClr>
+      <a:schemeClr val="accent4">
+        <a:alpha val="50000"/>
+      </a:schemeClr>
+      <a:schemeClr val="accent5">
+        <a:alpha val="50000"/>
+      </a:schemeClr>
+      <a:schemeClr val="accent6">
+        <a:alpha val="50000"/>
+      </a:schemeClr>
+    </dgm:fillClrLst>
+    <dgm:linClrLst meth="repeat">
+      <a:schemeClr val="lt1"/>
+    </dgm:linClrLst>
+    <dgm:effectClrLst/>
+    <dgm:txLinClrLst/>
+    <dgm:txFillClrLst/>
+    <dgm:txEffectClrLst/>
+  </dgm:styleLbl>
+  <dgm:styleLbl name="node2">
+    <dgm:fillClrLst>
+      <a:schemeClr val="accent2"/>
+    </dgm:fillClrLst>
+    <dgm:linClrLst meth="repeat">
+      <a:schemeClr val="lt1"/>
+    </dgm:linClrLst>
+    <dgm:effectClrLst/>
+    <dgm:txLinClrLst/>
+    <dgm:txFillClrLst/>
+    <dgm:txEffectClrLst/>
+  </dgm:styleLbl>
+  <dgm:styleLbl name="node3">
+    <dgm:fillClrLst>
+      <a:schemeClr val="accent3"/>
+    </dgm:fillClrLst>
+    <dgm:linClrLst meth="repeat">
+      <a:schemeClr val="lt1"/>
+    </dgm:linClrLst>
+    <dgm:effectClrLst/>
+    <dgm:txLinClrLst/>
+    <dgm:txFillClrLst/>
+    <dgm:txEffectClrLst/>
+  </dgm:styleLbl>
+  <dgm:styleLbl name="node4">
+    <dgm:fillClrLst>
+      <a:schemeClr val="accent4"/>
+    </dgm:fillClrLst>
+    <dgm:linClrLst meth="repeat">
+      <a:schemeClr val="lt1"/>
+    </dgm:linClrLst>
+    <dgm:effectClrLst/>
+    <dgm:txLinClrLst/>
+    <dgm:txFillClrLst/>
+    <dgm:txEffectClrLst/>
+  </dgm:styleLbl>
+  <dgm:styleLbl name="fgImgPlace1">
+    <dgm:fillClrLst meth="repeat">
+      <a:schemeClr val="accent2">
+        <a:tint val="50000"/>
+      </a:schemeClr>
+      <a:schemeClr val="accent3">
+        <a:tint val="50000"/>
+      </a:schemeClr>
+      <a:schemeClr val="accent4">
+        <a:tint val="50000"/>
+      </a:schemeClr>
+      <a:schemeClr val="accent5">
+        <a:tint val="50000"/>
+      </a:schemeClr>
+      <a:schemeClr val="accent6">
+        <a:tint val="50000"/>
+      </a:schemeClr>
+    </dgm:fillClrLst>
+    <dgm:linClrLst meth="repeat">
+      <a:schemeClr val="lt1"/>
+    </dgm:linClrLst>
+    <dgm:effectClrLst/>
+    <dgm:txLinClrLst/>
+    <dgm:txFillClrLst meth="repeat">
+      <a:schemeClr val="lt1"/>
+    </dgm:txFillClrLst>
+    <dgm:txEffectClrLst/>
+  </dgm:styleLbl>
+  <dgm:styleLbl name="alignImgPlace1">
+    <dgm:fillClrLst>
+      <a:schemeClr val="accent1">
+        <a:tint val="50000"/>
+      </a:schemeClr>
+      <a:schemeClr val="accent2">
+        <a:tint val="20000"/>
+      </a:schemeClr>
+    </dgm:fillClrLst>
+    <dgm:linClrLst meth="repeat">
+      <a:schemeClr val="lt1"/>
+    </dgm:linClrLst>
+    <dgm:effectClrLst/>
+    <dgm:txLinClrLst/>
+    <dgm:txFillClrLst meth="repeat">
+      <a:schemeClr val="lt1"/>
+    </dgm:txFillClrLst>
+    <dgm:txEffectClrLst/>
+  </dgm:styleLbl>
+  <dgm:styleLbl name="bgImgPlace1">
+    <dgm:fillClrLst>
+      <a:schemeClr val="accent1">
+        <a:tint val="50000"/>
+      </a:schemeClr>
+      <a:schemeClr val="accent2">
+        <a:tint val="20000"/>
+      </a:schemeClr>
+    </dgm:fillClrLst>
+    <dgm:linClrLst meth="repeat">
+      <a:schemeClr val="lt1"/>
+    </dgm:linClrLst>
+    <dgm:effectClrLst/>
+    <dgm:txLinClrLst/>
+    <dgm:txFillClrLst meth="repeat">
+      <a:schemeClr val="lt1"/>
+    </dgm:txFillClrLst>
+    <dgm:txEffectClrLst/>
+  </dgm:styleLbl>
+  <dgm:styleLbl name="sibTrans2D1">
+    <dgm:fillClrLst meth="repeat">
+      <a:schemeClr val="accent2"/>
+      <a:schemeClr val="accent3"/>
+      <a:schemeClr val="accent4"/>
+      <a:schemeClr val="accent5"/>
+      <a:schemeClr val="accent6"/>
+    </dgm:fillClrLst>
+    <dgm:linClrLst meth="cycle">
+      <a:schemeClr val="lt1"/>
+    </dgm:linClrLst>
+    <dgm:effectClrLst/>
+    <dgm:txLinClrLst/>
+    <dgm:txFillClrLst/>
+    <dgm:txEffectClrLst/>
+  </dgm:styleLbl>
+  <dgm:styleLbl name="fgSibTrans2D1">
+    <dgm:fillClrLst meth="repeat">
+      <a:schemeClr val="accent2"/>
+      <a:schemeClr val="accent3"/>
+      <a:schemeClr val="accent4"/>
+      <a:schemeClr val="accent5"/>
+      <a:schemeClr val="accent6"/>
+    </dgm:fillClrLst>
+    <dgm:linClrLst meth="cycle">
+      <a:schemeClr val="lt1"/>
+    </dgm:linClrLst>
+    <dgm:effectClrLst/>
+    <dgm:txLinClrLst/>
+    <dgm:txFillClrLst meth="repeat">
+      <a:schemeClr val="lt1"/>
+    </dgm:txFillClrLst>
+    <dgm:txEffectClrLst/>
+  </dgm:styleLbl>
+  <dgm:styleLbl name="bgSibTrans2D1">
+    <dgm:fillClrLst meth="repeat">
+      <a:schemeClr val="accent2"/>
+      <a:schemeClr val="accent3"/>
+      <a:schemeClr val="accent4"/>
+      <a:schemeClr val="accent5"/>
+      <a:schemeClr val="accent6"/>
+    </dgm:fillClrLst>
+    <dgm:linClrLst meth="cycle">
+      <a:schemeClr val="lt1"/>
+    </dgm:linClrLst>
+    <dgm:effectClrLst/>
+    <dgm:txLinClrLst/>
+    <dgm:txFillClrLst meth="repeat">
+      <a:schemeClr val="lt1"/>
+    </dgm:txFillClrLst>
+    <dgm:txEffectClrLst/>
+  </dgm:styleLbl>
+  <dgm:styleLbl name="sibTrans1D1">
+    <dgm:fillClrLst meth="repeat">
+      <a:schemeClr val="accent2"/>
+      <a:schemeClr val="accent3"/>
+      <a:schemeClr val="accent4"/>
+      <a:schemeClr val="accent5"/>
+      <a:schemeClr val="accent6"/>
+    </dgm:fillClrLst>
+    <dgm:linClrLst meth="repeat">
+      <a:schemeClr val="accent2"/>
+      <a:schemeClr val="accent3"/>
+      <a:schemeClr val="accent4"/>
+      <a:schemeClr val="accent5"/>
+      <a:schemeClr val="accent6"/>
+    </dgm:linClrLst>
+    <dgm:effectClrLst/>
+    <dgm:txLinClrLst/>
+    <dgm:txFillClrLst meth="repeat">
+      <a:schemeClr val="tx1"/>
+    </dgm:txFillClrLst>
+    <dgm:txEffectClrLst/>
+  </dgm:styleLbl>
+  <dgm:styleLbl name="callout">
+    <dgm:fillClrLst meth="repeat">
+      <a:schemeClr val="accent2"/>
+    </dgm:fillClrLst>
+    <dgm:linClrLst meth="repeat">
+      <a:schemeClr val="accent2">
+        <a:tint val="50000"/>
+      </a:schemeClr>
+    </dgm:linClrLst>
+    <dgm:effectClrLst/>
+    <dgm:txLinClrLst/>
+    <dgm:txFillClrLst meth="repeat">
+      <a:schemeClr val="tx1"/>
+    </dgm:txFillClrLst>
+    <dgm:txEffectClrLst/>
+  </dgm:styleLbl>
+  <dgm:styleLbl name="asst0">
+    <dgm:fillClrLst meth="repeat">
+      <a:schemeClr val="accent1"/>
+    </dgm:fillClrLst>
+    <dgm:linClrLst meth="repeat">
+      <a:schemeClr val="lt1"/>
+    </dgm:linClrLst>
+    <dgm:effectClrLst/>
+    <dgm:txLinClrLst/>
+    <dgm:txFillClrLst/>
+    <dgm:txEffectClrLst/>
+  </dgm:styleLbl>
+  <dgm:styleLbl name="asst1">
+    <dgm:fillClrLst meth="repeat">
+      <a:schemeClr val="accent2"/>
+    </dgm:fillClrLst>
+    <dgm:linClrLst meth="repeat">
+      <a:schemeClr val="lt1"/>
+    </dgm:linClrLst>
+    <dgm:effectClrLst/>
+    <dgm:txLinClrLst/>
+    <dgm:txFillClrLst/>
+    <dgm:txEffectClrLst/>
+  </dgm:styleLbl>
+  <dgm:styleLbl name="asst2">
+    <dgm:fillClrLst>
+      <a:schemeClr val="accent3"/>
+    </dgm:fillClrLst>
+    <dgm:linClrLst meth="repeat">
+      <a:schemeClr val="lt1"/>
+    </dgm:linClrLst>
+    <dgm:effectClrLst/>
+    <dgm:txLinClrLst/>
+    <dgm:txFillClrLst/>
+    <dgm:txEffectClrLst/>
+  </dgm:styleLbl>
+  <dgm:styleLbl name="asst3">
+    <dgm:fillClrLst>
+      <a:schemeClr val="accent4"/>
+    </dgm:fillClrLst>
+    <dgm:linClrLst meth="repeat">
+      <a:schemeClr val="lt1"/>
+    </dgm:linClrLst>
+    <dgm:effectClrLst/>
+    <dgm:txLinClrLst/>
+    <dgm:txFillClrLst/>
+    <dgm:txEffectClrLst/>
+  </dgm:styleLbl>
+  <dgm:styleLbl name="asst4">
+    <dgm:fillClrLst>
+      <a:schemeClr val="accent5"/>
+    </dgm:fillClrLst>
+    <dgm:linClrLst meth="repeat">
+      <a:schemeClr val="lt1"/>
+    </dgm:linClrLst>
+    <dgm:effectClrLst/>
+    <dgm:txLinClrLst/>
+    <dgm:txFillClrLst/>
+    <dgm:txEffectClrLst/>
+  </dgm:styleLbl>
+  <dgm:styleLbl name="parChTrans2D1">
+    <dgm:fillClrLst meth="repeat">
+      <a:schemeClr val="accent2"/>
+    </dgm:fillClrLst>
+    <dgm:linClrLst meth="repeat">
+      <a:schemeClr val="lt1"/>
+    </dgm:linClrLst>
+    <dgm:effectClrLst/>
+    <dgm:txLinClrLst/>
+    <dgm:txFillClrLst meth="repeat">
+      <a:schemeClr val="lt1"/>
+    </dgm:txFillClrLst>
+    <dgm:txEffectClrLst/>
+  </dgm:styleLbl>
+  <dgm:styleLbl name="parChTrans2D2">
+    <dgm:fillClrLst meth="repeat">
+      <a:schemeClr val="accent3"/>
+    </dgm:fillClrLst>
+    <dgm:linClrLst meth="repeat">
+      <a:schemeClr val="lt1"/>
+    </dgm:linClrLst>
+    <dgm:effectClrLst/>
+    <dgm:txLinClrLst/>
+    <dgm:txFillClrLst/>
+    <dgm:txEffectClrLst/>
+  </dgm:styleLbl>
+  <dgm:styleLbl name="parChTrans2D3">
+    <dgm:fillClrLst meth="repeat">
+      <a:schemeClr val="accent4"/>
+    </dgm:fillClrLst>
+    <dgm:linClrLst meth="repeat">
+      <a:schemeClr val="lt1"/>
+    </dgm:linClrLst>
+    <dgm:effectClrLst/>
+    <dgm:txLinClrLst/>
+    <dgm:txFillClrLst/>
+    <dgm:txEffectClrLst/>
+  </dgm:styleLbl>
+  <dgm:styleLbl name="parChTrans2D4">
+    <dgm:fillClrLst meth="repeat">
+      <a:schemeClr val="accent5"/>
+    </dgm:fillClrLst>
+    <dgm:linClrLst meth="repeat">
+      <a:schemeClr val="lt1"/>
+    </dgm:linClrLst>
+    <dgm:effectClrLst/>
+    <dgm:txLinClrLst/>
+    <dgm:txFillClrLst meth="repeat">
+      <a:schemeClr val="lt1"/>
+    </dgm:txFillClrLst>
+    <dgm:txEffectClrLst/>
+  </dgm:styleLbl>
+  <dgm:styleLbl name="parChTrans1D1">
+    <dgm:fillClrLst meth="repeat">
+      <a:schemeClr val="accent2"/>
+    </dgm:fillClrLst>
+    <dgm:linClrLst meth="repeat">
+      <a:schemeClr val="accent1"/>
+    </dgm:linClrLst>
+    <dgm:effectClrLst/>
+    <dgm:txLinClrLst/>
+    <dgm:txFillClrLst meth="repeat">
+      <a:schemeClr val="tx1"/>
+    </dgm:txFillClrLst>
+    <dgm:txEffectClrLst/>
+  </dgm:styleLbl>
+  <dgm:styleLbl name="parChTrans1D2">
+    <dgm:fillClrLst meth="repeat">
+      <a:schemeClr val="accent3">
+        <a:tint val="90000"/>
+      </a:schemeClr>
+    </dgm:fillClrLst>
+    <dgm:linClrLst meth="repeat">
+      <a:schemeClr val="accent2"/>
+    </dgm:linClrLst>
+    <dgm:effectClrLst/>
+    <dgm:txLinClrLst/>
+    <dgm:txFillClrLst meth="repeat">
+      <a:schemeClr val="tx1"/>
+    </dgm:txFillClrLst>
+    <dgm:txEffectClrLst/>
+  </dgm:styleLbl>
+  <dgm:styleLbl name="parChTrans1D3">
+    <dgm:fillClrLst meth="repeat">
+      <a:schemeClr val="accent4">
+        <a:tint val="70000"/>
+      </a:schemeClr>
+    </dgm:fillClrLst>
+    <dgm:linClrLst meth="repeat">
+      <a:schemeClr val="accent3"/>
+    </dgm:linClrLst>
+    <dgm:effectClrLst/>
+    <dgm:txLinClrLst/>
+    <dgm:txFillClrLst meth="repeat">
+      <a:schemeClr val="tx1"/>
+    </dgm:txFillClrLst>
+    <dgm:txEffectClrLst/>
+  </dgm:styleLbl>
+  <dgm:styleLbl name="parChTrans1D4">
+    <dgm:fillClrLst meth="repeat">
+      <a:schemeClr val="accent5">
+        <a:tint val="50000"/>
+      </a:schemeClr>
+    </dgm:fillClrLst>
+    <dgm:linClrLst meth="repeat">
+      <a:schemeClr val="accent4"/>
+    </dgm:linClrLst>
+    <dgm:effectClrLst/>
+    <dgm:txLinClrLst/>
+    <dgm:txFillClrLst meth="repeat">
+      <a:schemeClr val="tx1"/>
+    </dgm:txFillClrLst>
+    <dgm:txEffectClrLst/>
+  </dgm:styleLbl>
+  <dgm:styleLbl name="fgAcc1">
+    <dgm:fillClrLst meth="repeat">
+      <a:schemeClr val="lt1">
+        <a:alpha val="90000"/>
+      </a:schemeClr>
+    </dgm:fillClrLst>
+    <dgm:linClrLst meth="repeat">
+      <a:schemeClr val="accent2"/>
+      <a:schemeClr val="accent3"/>
+      <a:schemeClr val="accent4"/>
+      <a:schemeClr val="accent5"/>
+      <a:schemeClr val="accent6"/>
+    </dgm:linClrLst>
+    <dgm:effectClrLst/>
+    <dgm:txLinClrLst/>
+    <dgm:txFillClrLst meth="repeat">
+      <a:schemeClr val="dk1"/>
+    </dgm:txFillClrLst>
+    <dgm:txEffectClrLst/>
+  </dgm:styleLbl>
+  <dgm:styleLbl name="conFgAcc1">
+    <dgm:fillClrLst meth="repeat">
+      <a:schemeClr val="lt1">
+        <a:alpha val="90000"/>
+      </a:schemeClr>
+    </dgm:fillClrLst>
+    <dgm:linClrLst meth="repeat">
+      <a:schemeClr val="accent2"/>
+      <a:schemeClr val="accent3"/>
+      <a:schemeClr val="accent4"/>
+      <a:schemeClr val="accent5"/>
+      <a:schemeClr val="accent6"/>
+    </dgm:linClrLst>
+    <dgm:effectClrLst/>
+    <dgm:txLinClrLst/>
+    <dgm:txFillClrLst meth="repeat">
+      <a:schemeClr val="dk1"/>
+    </dgm:txFillClrLst>
+    <dgm:txEffectClrLst/>
+  </dgm:styleLbl>
+  <dgm:styleLbl name="alignAcc1">
+    <dgm:fillClrLst meth="repeat">
+      <a:schemeClr val="lt1">
+        <a:alpha val="90000"/>
+      </a:schemeClr>
+    </dgm:fillClrLst>
+    <dgm:linClrLst meth="repeat">
+      <a:schemeClr val="accent2"/>
+      <a:schemeClr val="accent3"/>
+      <a:schemeClr val="accent4"/>
+      <a:schemeClr val="accent5"/>
+      <a:schemeClr val="accent6"/>
+    </dgm:linClrLst>
+    <dgm:effectClrLst/>
+    <dgm:txLinClrLst/>
+    <dgm:txFillClrLst meth="repeat">
+      <a:schemeClr val="dk1"/>
+    </dgm:txFillClrLst>
+    <dgm:txEffectClrLst/>
+  </dgm:styleLbl>
+  <dgm:styleLbl name="trAlignAcc1">
+    <dgm:fillClrLst meth="repeat">
+      <a:schemeClr val="lt1">
+        <a:alpha val="40000"/>
+      </a:schemeClr>
+    </dgm:fillClrLst>
+    <dgm:linClrLst meth="repeat">
+      <a:schemeClr val="accent1"/>
+    </dgm:linClrLst>
+    <dgm:effectClrLst/>
+    <dgm:txLinClrLst/>
+    <dgm:txFillClrLst meth="repeat">
+      <a:schemeClr val="dk1"/>
+    </dgm:txFillClrLst>
+    <dgm:txEffectClrLst/>
+  </dgm:styleLbl>
+  <dgm:styleLbl name="bgAcc1">
+    <dgm:fillClrLst meth="repeat">
+      <a:schemeClr val="lt1">
+        <a:alpha val="90000"/>
+      </a:schemeClr>
+    </dgm:fillClrLst>
+    <dgm:linClrLst meth="repeat">
+      <a:schemeClr val="accent2"/>
+      <a:schemeClr val="accent3"/>
+      <a:schemeClr val="accent4"/>
+      <a:schemeClr val="accent5"/>
+      <a:schemeClr val="accent6"/>
+    </dgm:linClrLst>
+    <dgm:effectClrLst/>
+    <dgm:txLinClrLst/>
+    <dgm:txFillClrLst meth="repeat">
+      <a:schemeClr val="dk1"/>
+    </dgm:txFillClrLst>
+    <dgm:txEffectClrLst/>
+  </dgm:styleLbl>
+  <dgm:styleLbl name="solidFgAcc1">
+    <dgm:fillClrLst meth="repeat">
+      <a:schemeClr val="lt1"/>
+    </dgm:fillClrLst>
+    <dgm:linClrLst meth="repeat">
+      <a:schemeClr val="accent2"/>
+      <a:schemeClr val="accent3"/>
+      <a:schemeClr val="accent4"/>
+      <a:schemeClr val="accent5"/>
+      <a:schemeClr val="accent6"/>
+    </dgm:linClrLst>
+    <dgm:effectClrLst/>
+    <dgm:txLinClrLst/>
+    <dgm:txFillClrLst meth="repeat">
+      <a:schemeClr val="dk1"/>
+    </dgm:txFillClrLst>
+    <dgm:txEffectClrLst/>
+  </dgm:styleLbl>
+  <dgm:styleLbl name="solidAlignAcc1">
+    <dgm:fillClrLst meth="repeat">
+      <a:schemeClr val="lt1"/>
+    </dgm:fillClrLst>
+    <dgm:linClrLst meth="repeat">
+      <a:schemeClr val="accent2"/>
+      <a:schemeClr val="accent3"/>
+      <a:schemeClr val="accent4"/>
+      <a:schemeClr val="accent5"/>
+      <a:schemeClr val="accent6"/>
+    </dgm:linClrLst>
+    <dgm:effectClrLst/>
+    <dgm:txLinClrLst/>
+    <dgm:txFillClrLst meth="repeat">
+      <a:schemeClr val="dk1"/>
+    </dgm:txFillClrLst>
+    <dgm:txEffectClrLst/>
+  </dgm:styleLbl>
+  <dgm:styleLbl name="solidBgAcc1">
+    <dgm:fillClrLst meth="repeat">
+      <a:schemeClr val="lt1"/>
+    </dgm:fillClrLst>
+    <dgm:linClrLst meth="repeat">
+      <a:schemeClr val="accent2"/>
+      <a:schemeClr val="accent3"/>
+      <a:schemeClr val="accent4"/>
+      <a:schemeClr val="accent5"/>
+      <a:schemeClr val="accent6"/>
+    </dgm:linClrLst>
+    <dgm:effectClrLst/>
+    <dgm:txLinClrLst/>
+    <dgm:txFillClrLst meth="repeat">
+      <a:schemeClr val="dk1"/>
+    </dgm:txFillClrLst>
+    <dgm:txEffectClrLst/>
+  </dgm:styleLbl>
+  <dgm:styleLbl name="fgAccFollowNode1">
+    <dgm:fillClrLst meth="repeat">
+      <a:schemeClr val="accent2">
+        <a:tint val="40000"/>
+        <a:alpha val="90000"/>
+      </a:schemeClr>
+      <a:schemeClr val="accent3">
+        <a:tint val="40000"/>
+        <a:alpha val="90000"/>
+      </a:schemeClr>
+      <a:schemeClr val="accent4">
+        <a:tint val="40000"/>
+        <a:alpha val="90000"/>
+      </a:schemeClr>
+      <a:schemeClr val="accent5">
+        <a:tint val="40000"/>
+        <a:alpha val="90000"/>
+      </a:schemeClr>
+      <a:schemeClr val="accent6">
+        <a:tint val="40000"/>
+        <a:alpha val="90000"/>
+      </a:schemeClr>
+    </dgm:fillClrLst>
+    <dgm:linClrLst meth="repeat">
+      <a:schemeClr val="accent2">
+        <a:tint val="40000"/>
+        <a:alpha val="90000"/>
+      </a:schemeClr>
+      <a:schemeClr val="accent3">
+        <a:tint val="40000"/>
+        <a:alpha val="90000"/>
+      </a:schemeClr>
+      <a:schemeClr val="accent4">
+        <a:tint val="40000"/>
+        <a:alpha val="90000"/>
+      </a:schemeClr>
+      <a:schemeClr val="accent5">
+        <a:tint val="40000"/>
+        <a:alpha val="90000"/>
+      </a:schemeClr>
+      <a:schemeClr val="accent6">
+        <a:tint val="40000"/>
+        <a:alpha val="90000"/>
+      </a:schemeClr>
+    </dgm:linClrLst>
+    <dgm:effectClrLst/>
+    <dgm:txLinClrLst/>
+    <dgm:txFillClrLst meth="repeat">
+      <a:schemeClr val="dk1"/>
+    </dgm:txFillClrLst>
+    <dgm:txEffectClrLst/>
+  </dgm:styleLbl>
+  <dgm:styleLbl name="alignAccFollowNode1">
+    <dgm:fillClrLst meth="repeat">
+      <a:schemeClr val="accent2">
+        <a:tint val="40000"/>
+        <a:alpha val="90000"/>
+      </a:schemeClr>
+      <a:schemeClr val="accent3">
+        <a:tint val="40000"/>
+        <a:alpha val="90000"/>
+      </a:schemeClr>
+      <a:schemeClr val="accent4">
+        <a:tint val="40000"/>
+        <a:alpha val="90000"/>
+      </a:schemeClr>
+      <a:schemeClr val="accent5">
+        <a:tint val="40000"/>
+        <a:alpha val="90000"/>
+      </a:schemeClr>
+      <a:schemeClr val="accent6">
+        <a:tint val="40000"/>
+        <a:alpha val="90000"/>
+      </a:schemeClr>
+    </dgm:fillClrLst>
+    <dgm:linClrLst meth="repeat">
+      <a:schemeClr val="accent2">
+        <a:tint val="40000"/>
+        <a:alpha val="90000"/>
+      </a:schemeClr>
+      <a:schemeClr val="accent3">
+        <a:tint val="40000"/>
+        <a:alpha val="90000"/>
+      </a:schemeClr>
+      <a:schemeClr val="accent4">
+        <a:tint val="40000"/>
+        <a:alpha val="90000"/>
+      </a:schemeClr>
+      <a:schemeClr val="accent5">
+        <a:tint val="40000"/>
+        <a:alpha val="90000"/>
+      </a:schemeClr>
+      <a:schemeClr val="accent6">
+        <a:tint val="40000"/>
+        <a:alpha val="90000"/>
+      </a:schemeClr>
+    </dgm:linClrLst>
+    <dgm:effectClrLst/>
+    <dgm:txLinClrLst/>
+    <dgm:txFillClrLst meth="repeat">
+      <a:schemeClr val="dk1"/>
+    </dgm:txFillClrLst>
+    <dgm:txEffectClrLst/>
+  </dgm:styleLbl>
+  <dgm:styleLbl name="bgAccFollowNode1">
+    <dgm:fillClrLst meth="repeat">
+      <a:schemeClr val="accent2">
+        <a:tint val="40000"/>
+        <a:alpha val="90000"/>
+      </a:schemeClr>
+      <a:schemeClr val="accent3">
+        <a:tint val="40000"/>
+        <a:alpha val="90000"/>
+      </a:schemeClr>
+      <a:schemeClr val="accent4">
+        <a:tint val="40000"/>
+        <a:alpha val="90000"/>
+      </a:schemeClr>
+      <a:schemeClr val="accent5">
+        <a:tint val="40000"/>
+        <a:alpha val="90000"/>
+      </a:schemeClr>
+      <a:schemeClr val="accent6">
+        <a:tint val="40000"/>
+        <a:alpha val="90000"/>
+      </a:schemeClr>
+    </dgm:fillClrLst>
+    <dgm:linClrLst meth="repeat">
+      <a:schemeClr val="accent2">
+        <a:tint val="40000"/>
+        <a:alpha val="90000"/>
+      </a:schemeClr>
+      <a:schemeClr val="accent3">
+        <a:tint val="40000"/>
+        <a:alpha val="90000"/>
+      </a:schemeClr>
+      <a:schemeClr val="accent4">
+        <a:tint val="40000"/>
+        <a:alpha val="90000"/>
+      </a:schemeClr>
+      <a:schemeClr val="accent5">
+        <a:tint val="40000"/>
+        <a:alpha val="90000"/>
+      </a:schemeClr>
+      <a:schemeClr val="accent6">
+        <a:tint val="40000"/>
+        <a:alpha val="90000"/>
+      </a:schemeClr>
+    </dgm:linClrLst>
+    <dgm:effectClrLst/>
+    <dgm:txLinClrLst/>
+    <dgm:txFillClrLst meth="repeat">
+      <a:schemeClr val="dk1"/>
+    </dgm:txFillClrLst>
+    <dgm:txEffectClrLst/>
+  </dgm:styleLbl>
+  <dgm:styleLbl name="fgAcc0">
+    <dgm:fillClrLst meth="repeat">
+      <a:schemeClr val="lt1">
+        <a:alpha val="90000"/>
+      </a:schemeClr>
+    </dgm:fillClrLst>
+    <dgm:linClrLst>
+      <a:schemeClr val="accent1"/>
+    </dgm:linClrLst>
+    <dgm:effectClrLst/>
+    <dgm:txLinClrLst/>
+    <dgm:txFillClrLst meth="repeat">
+      <a:schemeClr val="dk1"/>
+    </dgm:txFillClrLst>
+    <dgm:txEffectClrLst/>
+  </dgm:styleLbl>
+  <dgm:styleLbl name="fgAcc2">
+    <dgm:fillClrLst meth="repeat">
+      <a:schemeClr val="lt1">
+        <a:alpha val="90000"/>
+      </a:schemeClr>
+    </dgm:fillClrLst>
+    <dgm:linClrLst>
+      <a:schemeClr val="accent2"/>
+    </dgm:linClrLst>
+    <dgm:effectClrLst/>
+    <dgm:txLinClrLst/>
+    <dgm:txFillClrLst meth="repeat">
+      <a:schemeClr val="dk1"/>
+    </dgm:txFillClrLst>
+    <dgm:txEffectClrLst/>
+  </dgm:styleLbl>
+  <dgm:styleLbl name="fgAcc3">
+    <dgm:fillClrLst meth="repeat">
+      <a:schemeClr val="lt1">
+        <a:alpha val="90000"/>
+      </a:schemeClr>
+    </dgm:fillClrLst>
+    <dgm:linClrLst>
+      <a:schemeClr val="accent3"/>
+    </dgm:linClrLst>
+    <dgm:effectClrLst/>
+    <dgm:txLinClrLst/>
+    <dgm:txFillClrLst meth="repeat">
+      <a:schemeClr val="dk1"/>
+    </dgm:txFillClrLst>
+    <dgm:txEffectClrLst/>
+  </dgm:styleLbl>
+  <dgm:styleLbl name="fgAcc4">
+    <dgm:fillClrLst meth="repeat">
+      <a:schemeClr val="lt1">
+        <a:alpha val="90000"/>
+      </a:schemeClr>
+    </dgm:fillClrLst>
+    <dgm:linClrLst>
+      <a:schemeClr val="accent4"/>
+    </dgm:linClrLst>
+    <dgm:effectClrLst/>
+    <dgm:txLinClrLst/>
+    <dgm:txFillClrLst meth="repeat">
+      <a:schemeClr val="dk1"/>
+    </dgm:txFillClrLst>
+    <dgm:txEffectClrLst/>
+  </dgm:styleLbl>
+  <dgm:styleLbl name="bgShp">
+    <dgm:fillClrLst meth="repeat">
+      <a:schemeClr val="bg1">
+        <a:lumMod val="95000"/>
+      </a:schemeClr>
+    </dgm:fillClrLst>
+    <dgm:linClrLst meth="repeat">
+      <a:schemeClr val="dk1"/>
+    </dgm:linClrLst>
+    <dgm:effectClrLst/>
+    <dgm:txLinClrLst/>
+    <dgm:txFillClrLst meth="repeat">
+      <a:schemeClr val="dk1"/>
+    </dgm:txFillClrLst>
+    <dgm:txEffectClrLst/>
+  </dgm:styleLbl>
+  <dgm:styleLbl name="dkBgShp">
+    <dgm:fillClrLst meth="repeat">
+      <a:schemeClr val="accent2">
+        <a:shade val="90000"/>
+      </a:schemeClr>
+    </dgm:fillClrLst>
+    <dgm:linClrLst meth="repeat">
+      <a:schemeClr val="dk1"/>
+    </dgm:linClrLst>
+    <dgm:effectClrLst/>
+    <dgm:txLinClrLst/>
+    <dgm:txFillClrLst meth="repeat">
+      <a:schemeClr val="lt1"/>
+    </dgm:txFillClrLst>
+    <dgm:txEffectClrLst/>
+  </dgm:styleLbl>
+  <dgm:styleLbl name="trBgShp">
+    <dgm:fillClrLst meth="repeat">
+      <a:schemeClr val="accent1">
+        <a:tint val="50000"/>
+        <a:alpha val="40000"/>
+      </a:schemeClr>
+    </dgm:fillClrLst>
+    <dgm:linClrLst meth="repeat">
+      <a:schemeClr val="accent2"/>
+    </dgm:linClrLst>
+    <dgm:effectClrLst/>
+    <dgm:txLinClrLst/>
+    <dgm:txFillClrLst meth="repeat">
+      <a:schemeClr val="lt1"/>
+    </dgm:txFillClrLst>
+    <dgm:txEffectClrLst/>
+  </dgm:styleLbl>
+  <dgm:styleLbl name="fgShp">
+    <dgm:fillClrLst meth="repeat">
+      <a:schemeClr val="accent2">
+        <a:tint val="40000"/>
+      </a:schemeClr>
+    </dgm:fillClrLst>
+    <dgm:linClrLst meth="repeat">
+      <a:schemeClr val="lt1"/>
+    </dgm:linClrLst>
+    <dgm:effectClrLst/>
+    <dgm:txLinClrLst/>
+    <dgm:txFillClrLst meth="repeat">
+      <a:schemeClr val="dk1"/>
+    </dgm:txFillClrLst>
+    <dgm:txEffectClrLst/>
+  </dgm:styleLbl>
+  <dgm:styleLbl name="revTx">
+    <dgm:fillClrLst meth="repeat">
+      <a:schemeClr val="lt1">
+        <a:alpha val="0"/>
+      </a:schemeClr>
+    </dgm:fillClrLst>
+    <dgm:linClrLst meth="repeat">
+      <a:schemeClr val="dk1">
+        <a:alpha val="0"/>
+      </a:schemeClr>
+    </dgm:linClrLst>
+    <dgm:effectClrLst/>
+    <dgm:txLinClrLst/>
+    <dgm:txFillClrLst meth="repeat">
+      <a:schemeClr val="tx1"/>
+    </dgm:txFillClrLst>
+    <dgm:txEffectClrLst/>
+  </dgm:styleLbl>
+</dgm:colorsDef>
+</file>
+
+<file path=ppt/diagrams/data1.xml><?xml version="1.0" encoding="utf-8"?>
+<dgm:dataModel xmlns:dgm="http://schemas.openxmlformats.org/drawingml/2006/diagram" xmlns:a="http://schemas.openxmlformats.org/drawingml/2006/main">
+  <dgm:ptLst>
+    <dgm:pt modelId="{667F4527-041C-421C-BC75-205F7C44CA64}" type="doc">
+      <dgm:prSet loTypeId="urn:microsoft.com/office/officeart/2018/2/layout/IconVerticalSolidList" loCatId="icon" qsTypeId="urn:microsoft.com/office/officeart/2005/8/quickstyle/simple1" qsCatId="simple" csTypeId="urn:microsoft.com/office/officeart/2018/5/colors/Iconchunking_neutralbg_colorful1" csCatId="colorful" phldr="1"/>
+      <dgm:spPr/>
+      <dgm:t>
+        <a:bodyPr/>
+        <a:lstStyle/>
+        <a:p>
+          <a:endParaRPr lang="en-US"/>
+        </a:p>
+      </dgm:t>
+    </dgm:pt>
+    <dgm:pt modelId="{63282CEA-7CD4-43F5-9887-F8921C097B15}">
+      <dgm:prSet/>
+      <dgm:spPr/>
+      <dgm:t>
+        <a:bodyPr/>
+        <a:lstStyle/>
+        <a:p>
+          <a:r>
+            <a:rPr lang="en-US"/>
+            <a:t>What is Machine Learning?</a:t>
+          </a:r>
+        </a:p>
+      </dgm:t>
+    </dgm:pt>
+    <dgm:pt modelId="{6D438F10-3DA7-49F1-941C-F3C234A9E611}" type="parTrans" cxnId="{9BF370F9-14F5-4011-8EE3-41751320B1CE}">
+      <dgm:prSet/>
+      <dgm:spPr/>
+      <dgm:t>
+        <a:bodyPr/>
+        <a:lstStyle/>
+        <a:p>
+          <a:endParaRPr lang="en-US"/>
+        </a:p>
+      </dgm:t>
+    </dgm:pt>
+    <dgm:pt modelId="{6BE2DBE4-6F4B-4C4A-9B79-AB10B7074DE4}" type="sibTrans" cxnId="{9BF370F9-14F5-4011-8EE3-41751320B1CE}">
+      <dgm:prSet/>
+      <dgm:spPr/>
+      <dgm:t>
+        <a:bodyPr/>
+        <a:lstStyle/>
+        <a:p>
+          <a:endParaRPr lang="en-US"/>
+        </a:p>
+      </dgm:t>
+    </dgm:pt>
+    <dgm:pt modelId="{FD5488B8-8021-466A-93B6-694AA898FF31}">
+      <dgm:prSet/>
+      <dgm:spPr/>
+      <dgm:t>
+        <a:bodyPr/>
+        <a:lstStyle/>
+        <a:p>
+          <a:r>
+            <a:rPr lang="en-US" dirty="0"/>
+            <a:t>Learn our first algorithm: Linear Regression</a:t>
+          </a:r>
+        </a:p>
+      </dgm:t>
+    </dgm:pt>
+    <dgm:pt modelId="{6C6C4B1F-6CC7-4821-B79C-5B482E0E91AD}" type="parTrans" cxnId="{4B5EB2E3-9A54-4B0A-957F-54B0078639D2}">
+      <dgm:prSet/>
+      <dgm:spPr/>
+      <dgm:t>
+        <a:bodyPr/>
+        <a:lstStyle/>
+        <a:p>
+          <a:endParaRPr lang="en-US"/>
+        </a:p>
+      </dgm:t>
+    </dgm:pt>
+    <dgm:pt modelId="{1CE508E2-0319-4ADA-96AE-72653D213C94}" type="sibTrans" cxnId="{4B5EB2E3-9A54-4B0A-957F-54B0078639D2}">
+      <dgm:prSet/>
+      <dgm:spPr/>
+      <dgm:t>
+        <a:bodyPr/>
+        <a:lstStyle/>
+        <a:p>
+          <a:endParaRPr lang="en-US"/>
+        </a:p>
+      </dgm:t>
+    </dgm:pt>
+    <dgm:pt modelId="{55F6499F-6E3D-40A0-B3FB-1B930B8B0FA5}">
+      <dgm:prSet/>
+      <dgm:spPr/>
+      <dgm:t>
+        <a:bodyPr/>
+        <a:lstStyle/>
+        <a:p>
+          <a:r>
+            <a:rPr lang="en-US"/>
+            <a:t>Group Exercise predicting housing prices in Salt Lake City!</a:t>
+          </a:r>
+        </a:p>
+      </dgm:t>
+    </dgm:pt>
+    <dgm:pt modelId="{7BC25508-3E8D-4F51-AC01-989796A209DB}" type="parTrans" cxnId="{CA9CA63C-4CA9-4DB0-B8A9-D362CDB2375B}">
+      <dgm:prSet/>
+      <dgm:spPr/>
+      <dgm:t>
+        <a:bodyPr/>
+        <a:lstStyle/>
+        <a:p>
+          <a:endParaRPr lang="en-US"/>
+        </a:p>
+      </dgm:t>
+    </dgm:pt>
+    <dgm:pt modelId="{BC0FF079-F9C5-414B-BD3D-35128A098D40}" type="sibTrans" cxnId="{CA9CA63C-4CA9-4DB0-B8A9-D362CDB2375B}">
+      <dgm:prSet/>
+      <dgm:spPr/>
+      <dgm:t>
+        <a:bodyPr/>
+        <a:lstStyle/>
+        <a:p>
+          <a:endParaRPr lang="en-US"/>
+        </a:p>
+      </dgm:t>
+    </dgm:pt>
+    <dgm:pt modelId="{A4415D5E-2893-483C-AD6D-45C3FB4CA522}" type="pres">
+      <dgm:prSet presAssocID="{667F4527-041C-421C-BC75-205F7C44CA64}" presName="root" presStyleCnt="0">
+        <dgm:presLayoutVars>
+          <dgm:dir/>
+          <dgm:resizeHandles val="exact"/>
+        </dgm:presLayoutVars>
+      </dgm:prSet>
+      <dgm:spPr/>
+    </dgm:pt>
+    <dgm:pt modelId="{AC3613C8-B2CA-4FEE-A945-93D411593F18}" type="pres">
+      <dgm:prSet presAssocID="{63282CEA-7CD4-43F5-9887-F8921C097B15}" presName="compNode" presStyleCnt="0"/>
+      <dgm:spPr/>
+    </dgm:pt>
+    <dgm:pt modelId="{4CBD5414-298F-430E-94D9-999DE7AD095D}" type="pres">
+      <dgm:prSet presAssocID="{63282CEA-7CD4-43F5-9887-F8921C097B15}" presName="bgRect" presStyleLbl="bgShp" presStyleIdx="0" presStyleCnt="3"/>
+      <dgm:spPr/>
+    </dgm:pt>
+    <dgm:pt modelId="{359D0BA6-60E6-469A-AED0-AFB82B96A47F}" type="pres">
+      <dgm:prSet presAssocID="{63282CEA-7CD4-43F5-9887-F8921C097B15}" presName="iconRect" presStyleLbl="node1" presStyleIdx="0" presStyleCnt="3"/>
+      <dgm:spPr>
+        <a:blipFill>
+          <a:blip xmlns:r="http://schemas.openxmlformats.org/officeDocument/2006/relationships" r:embed="rId1">
+            <a:extLst>
+              <a:ext uri="{28A0092B-C50C-407E-A947-70E740481C1C}">
+                <a14:useLocalDpi xmlns:a14="http://schemas.microsoft.com/office/drawing/2010/main" val="0"/>
+              </a:ext>
+              <a:ext uri="{96DAC541-7B7A-43D3-8B79-37D633B846F1}">
+                <asvg:svgBlip xmlns:asvg="http://schemas.microsoft.com/office/drawing/2016/SVG/main" r:embed="rId2"/>
+              </a:ext>
+            </a:extLst>
+          </a:blip>
+          <a:stretch>
+            <a:fillRect/>
+          </a:stretch>
+        </a:blipFill>
+        <a:ln>
+          <a:noFill/>
+        </a:ln>
+      </dgm:spPr>
+      <dgm:extLst>
+        <a:ext uri="{E40237B7-FDA0-4F09-8148-C483321AD2D9}">
+          <dgm14:cNvPr xmlns:dgm14="http://schemas.microsoft.com/office/drawing/2010/diagram" id="0" name="" descr="Robot"/>
+        </a:ext>
+      </dgm:extLst>
+    </dgm:pt>
+    <dgm:pt modelId="{235D857C-8A86-4201-9490-75DB297AD5B7}" type="pres">
+      <dgm:prSet presAssocID="{63282CEA-7CD4-43F5-9887-F8921C097B15}" presName="spaceRect" presStyleCnt="0"/>
+      <dgm:spPr/>
+    </dgm:pt>
+    <dgm:pt modelId="{000B067E-CF8B-4CC1-83D1-E84978D6BD52}" type="pres">
+      <dgm:prSet presAssocID="{63282CEA-7CD4-43F5-9887-F8921C097B15}" presName="parTx" presStyleLbl="revTx" presStyleIdx="0" presStyleCnt="3">
+        <dgm:presLayoutVars>
+          <dgm:chMax val="0"/>
+          <dgm:chPref val="0"/>
+        </dgm:presLayoutVars>
+      </dgm:prSet>
+      <dgm:spPr/>
+    </dgm:pt>
+    <dgm:pt modelId="{C61E5103-592C-4CA6-B4DB-FF44258A0C32}" type="pres">
+      <dgm:prSet presAssocID="{6BE2DBE4-6F4B-4C4A-9B79-AB10B7074DE4}" presName="sibTrans" presStyleCnt="0"/>
+      <dgm:spPr/>
+    </dgm:pt>
+    <dgm:pt modelId="{BEFBFA3B-6071-4C9E-B579-82DF031183AD}" type="pres">
+      <dgm:prSet presAssocID="{FD5488B8-8021-466A-93B6-694AA898FF31}" presName="compNode" presStyleCnt="0"/>
+      <dgm:spPr/>
+    </dgm:pt>
+    <dgm:pt modelId="{B1CC88AE-E3B9-42A2-B365-263D3F039D63}" type="pres">
+      <dgm:prSet presAssocID="{FD5488B8-8021-466A-93B6-694AA898FF31}" presName="bgRect" presStyleLbl="bgShp" presStyleIdx="1" presStyleCnt="3"/>
+      <dgm:spPr/>
+    </dgm:pt>
+    <dgm:pt modelId="{4E21AEB2-68CE-4C9E-9227-C4987AE9DE33}" type="pres">
+      <dgm:prSet presAssocID="{FD5488B8-8021-466A-93B6-694AA898FF31}" presName="iconRect" presStyleLbl="node1" presStyleIdx="1" presStyleCnt="3"/>
+      <dgm:spPr>
+        <a:blipFill>
+          <a:blip xmlns:r="http://schemas.openxmlformats.org/officeDocument/2006/relationships" r:embed="rId3">
+            <a:extLst>
+              <a:ext uri="{28A0092B-C50C-407E-A947-70E740481C1C}">
+                <a14:useLocalDpi xmlns:a14="http://schemas.microsoft.com/office/drawing/2010/main" val="0"/>
+              </a:ext>
+              <a:ext uri="{96DAC541-7B7A-43D3-8B79-37D633B846F1}">
+                <asvg:svgBlip xmlns:asvg="http://schemas.microsoft.com/office/drawing/2016/SVG/main" r:embed="rId4"/>
+              </a:ext>
+            </a:extLst>
+          </a:blip>
+          <a:stretch>
+            <a:fillRect/>
+          </a:stretch>
+        </a:blipFill>
+        <a:ln>
+          <a:noFill/>
+        </a:ln>
+      </dgm:spPr>
+      <dgm:extLst>
+        <a:ext uri="{E40237B7-FDA0-4F09-8148-C483321AD2D9}">
+          <dgm14:cNvPr xmlns:dgm14="http://schemas.microsoft.com/office/drawing/2010/diagram" id="0" name="" descr="Head with Gears"/>
+        </a:ext>
+      </dgm:extLst>
+    </dgm:pt>
+    <dgm:pt modelId="{331B4BF1-4BA5-4538-9784-98AB8048507E}" type="pres">
+      <dgm:prSet presAssocID="{FD5488B8-8021-466A-93B6-694AA898FF31}" presName="spaceRect" presStyleCnt="0"/>
+      <dgm:spPr/>
+    </dgm:pt>
+    <dgm:pt modelId="{D44D410C-6C23-461C-82B0-89965A9F5644}" type="pres">
+      <dgm:prSet presAssocID="{FD5488B8-8021-466A-93B6-694AA898FF31}" presName="parTx" presStyleLbl="revTx" presStyleIdx="1" presStyleCnt="3">
+        <dgm:presLayoutVars>
+          <dgm:chMax val="0"/>
+          <dgm:chPref val="0"/>
+        </dgm:presLayoutVars>
+      </dgm:prSet>
+      <dgm:spPr/>
+    </dgm:pt>
+    <dgm:pt modelId="{721F73DD-584E-4540-BBB7-BB56E982F33F}" type="pres">
+      <dgm:prSet presAssocID="{1CE508E2-0319-4ADA-96AE-72653D213C94}" presName="sibTrans" presStyleCnt="0"/>
+      <dgm:spPr/>
+    </dgm:pt>
+    <dgm:pt modelId="{4C5858A7-579F-4FEB-8B5E-644BDEFCC72B}" type="pres">
+      <dgm:prSet presAssocID="{55F6499F-6E3D-40A0-B3FB-1B930B8B0FA5}" presName="compNode" presStyleCnt="0"/>
+      <dgm:spPr/>
+    </dgm:pt>
+    <dgm:pt modelId="{E9FF917A-B0DF-45B5-81DD-7D9705E6A1B4}" type="pres">
+      <dgm:prSet presAssocID="{55F6499F-6E3D-40A0-B3FB-1B930B8B0FA5}" presName="bgRect" presStyleLbl="bgShp" presStyleIdx="2" presStyleCnt="3"/>
+      <dgm:spPr/>
+    </dgm:pt>
+    <dgm:pt modelId="{040B880C-BD88-4D69-BFFD-D9A83281304D}" type="pres">
+      <dgm:prSet presAssocID="{55F6499F-6E3D-40A0-B3FB-1B930B8B0FA5}" presName="iconRect" presStyleLbl="node1" presStyleIdx="2" presStyleCnt="3"/>
+      <dgm:spPr>
+        <a:blipFill>
+          <a:blip xmlns:r="http://schemas.openxmlformats.org/officeDocument/2006/relationships" r:embed="rId5">
+            <a:extLst>
+              <a:ext uri="{28A0092B-C50C-407E-A947-70E740481C1C}">
+                <a14:useLocalDpi xmlns:a14="http://schemas.microsoft.com/office/drawing/2010/main" val="0"/>
+              </a:ext>
+              <a:ext uri="{96DAC541-7B7A-43D3-8B79-37D633B846F1}">
+                <asvg:svgBlip xmlns:asvg="http://schemas.microsoft.com/office/drawing/2016/SVG/main" r:embed="rId6"/>
+              </a:ext>
+            </a:extLst>
+          </a:blip>
+          <a:stretch>
+            <a:fillRect/>
+          </a:stretch>
+        </a:blipFill>
+        <a:ln>
+          <a:noFill/>
+        </a:ln>
+      </dgm:spPr>
+      <dgm:extLst>
+        <a:ext uri="{E40237B7-FDA0-4F09-8148-C483321AD2D9}">
+          <dgm14:cNvPr xmlns:dgm14="http://schemas.microsoft.com/office/drawing/2010/diagram" id="0" name="" descr="City"/>
+        </a:ext>
+      </dgm:extLst>
+    </dgm:pt>
+    <dgm:pt modelId="{4B912C02-CDD8-488F-AB27-E43ACE31D076}" type="pres">
+      <dgm:prSet presAssocID="{55F6499F-6E3D-40A0-B3FB-1B930B8B0FA5}" presName="spaceRect" presStyleCnt="0"/>
+      <dgm:spPr/>
+    </dgm:pt>
+    <dgm:pt modelId="{D4D8B485-A75D-485D-80C6-A676C0C7FACB}" type="pres">
+      <dgm:prSet presAssocID="{55F6499F-6E3D-40A0-B3FB-1B930B8B0FA5}" presName="parTx" presStyleLbl="revTx" presStyleIdx="2" presStyleCnt="3">
+        <dgm:presLayoutVars>
+          <dgm:chMax val="0"/>
+          <dgm:chPref val="0"/>
+        </dgm:presLayoutVars>
+      </dgm:prSet>
+      <dgm:spPr/>
+    </dgm:pt>
+  </dgm:ptLst>
+  <dgm:cxnLst>
+    <dgm:cxn modelId="{2353B018-C4E2-44C8-902D-77473F938B38}" type="presOf" srcId="{63282CEA-7CD4-43F5-9887-F8921C097B15}" destId="{000B067E-CF8B-4CC1-83D1-E84978D6BD52}" srcOrd="0" destOrd="0" presId="urn:microsoft.com/office/officeart/2018/2/layout/IconVerticalSolidList"/>
+    <dgm:cxn modelId="{C3584323-3D60-4ABD-BA01-D146130BD3F5}" type="presOf" srcId="{667F4527-041C-421C-BC75-205F7C44CA64}" destId="{A4415D5E-2893-483C-AD6D-45C3FB4CA522}" srcOrd="0" destOrd="0" presId="urn:microsoft.com/office/officeart/2018/2/layout/IconVerticalSolidList"/>
+    <dgm:cxn modelId="{CA9CA63C-4CA9-4DB0-B8A9-D362CDB2375B}" srcId="{667F4527-041C-421C-BC75-205F7C44CA64}" destId="{55F6499F-6E3D-40A0-B3FB-1B930B8B0FA5}" srcOrd="2" destOrd="0" parTransId="{7BC25508-3E8D-4F51-AC01-989796A209DB}" sibTransId="{BC0FF079-F9C5-414B-BD3D-35128A098D40}"/>
+    <dgm:cxn modelId="{2EC01276-F855-4B60-A019-844E420A4239}" type="presOf" srcId="{55F6499F-6E3D-40A0-B3FB-1B930B8B0FA5}" destId="{D4D8B485-A75D-485D-80C6-A676C0C7FACB}" srcOrd="0" destOrd="0" presId="urn:microsoft.com/office/officeart/2018/2/layout/IconVerticalSolidList"/>
+    <dgm:cxn modelId="{19DEA8D4-F88B-4A57-BB2C-90B631EE1A73}" type="presOf" srcId="{FD5488B8-8021-466A-93B6-694AA898FF31}" destId="{D44D410C-6C23-461C-82B0-89965A9F5644}" srcOrd="0" destOrd="0" presId="urn:microsoft.com/office/officeart/2018/2/layout/IconVerticalSolidList"/>
+    <dgm:cxn modelId="{4B5EB2E3-9A54-4B0A-957F-54B0078639D2}" srcId="{667F4527-041C-421C-BC75-205F7C44CA64}" destId="{FD5488B8-8021-466A-93B6-694AA898FF31}" srcOrd="1" destOrd="0" parTransId="{6C6C4B1F-6CC7-4821-B79C-5B482E0E91AD}" sibTransId="{1CE508E2-0319-4ADA-96AE-72653D213C94}"/>
+    <dgm:cxn modelId="{9BF370F9-14F5-4011-8EE3-41751320B1CE}" srcId="{667F4527-041C-421C-BC75-205F7C44CA64}" destId="{63282CEA-7CD4-43F5-9887-F8921C097B15}" srcOrd="0" destOrd="0" parTransId="{6D438F10-3DA7-49F1-941C-F3C234A9E611}" sibTransId="{6BE2DBE4-6F4B-4C4A-9B79-AB10B7074DE4}"/>
+    <dgm:cxn modelId="{343276CB-2998-4F35-A537-010C1D449895}" type="presParOf" srcId="{A4415D5E-2893-483C-AD6D-45C3FB4CA522}" destId="{AC3613C8-B2CA-4FEE-A945-93D411593F18}" srcOrd="0" destOrd="0" presId="urn:microsoft.com/office/officeart/2018/2/layout/IconVerticalSolidList"/>
+    <dgm:cxn modelId="{778FE3CB-F240-44B5-B8B4-716561FCD4FF}" type="presParOf" srcId="{AC3613C8-B2CA-4FEE-A945-93D411593F18}" destId="{4CBD5414-298F-430E-94D9-999DE7AD095D}" srcOrd="0" destOrd="0" presId="urn:microsoft.com/office/officeart/2018/2/layout/IconVerticalSolidList"/>
+    <dgm:cxn modelId="{F8B944FE-192F-4DE5-9202-7917878D5F32}" type="presParOf" srcId="{AC3613C8-B2CA-4FEE-A945-93D411593F18}" destId="{359D0BA6-60E6-469A-AED0-AFB82B96A47F}" srcOrd="1" destOrd="0" presId="urn:microsoft.com/office/officeart/2018/2/layout/IconVerticalSolidList"/>
+    <dgm:cxn modelId="{602CCCDF-784E-4E99-B78A-7D3FEC1E5508}" type="presParOf" srcId="{AC3613C8-B2CA-4FEE-A945-93D411593F18}" destId="{235D857C-8A86-4201-9490-75DB297AD5B7}" srcOrd="2" destOrd="0" presId="urn:microsoft.com/office/officeart/2018/2/layout/IconVerticalSolidList"/>
+    <dgm:cxn modelId="{89A31018-C48F-47CA-8CCF-DD29CC20B29C}" type="presParOf" srcId="{AC3613C8-B2CA-4FEE-A945-93D411593F18}" destId="{000B067E-CF8B-4CC1-83D1-E84978D6BD52}" srcOrd="3" destOrd="0" presId="urn:microsoft.com/office/officeart/2018/2/layout/IconVerticalSolidList"/>
+    <dgm:cxn modelId="{289EF3CB-0C89-4DFF-B13E-065727BE0085}" type="presParOf" srcId="{A4415D5E-2893-483C-AD6D-45C3FB4CA522}" destId="{C61E5103-592C-4CA6-B4DB-FF44258A0C32}" srcOrd="1" destOrd="0" presId="urn:microsoft.com/office/officeart/2018/2/layout/IconVerticalSolidList"/>
+    <dgm:cxn modelId="{A9D2FCCA-0D83-48C7-8216-EE0C3FA7D5FC}" type="presParOf" srcId="{A4415D5E-2893-483C-AD6D-45C3FB4CA522}" destId="{BEFBFA3B-6071-4C9E-B579-82DF031183AD}" srcOrd="2" destOrd="0" presId="urn:microsoft.com/office/officeart/2018/2/layout/IconVerticalSolidList"/>
+    <dgm:cxn modelId="{4E27391A-AA87-4747-A9F0-E130AD1ACEAA}" type="presParOf" srcId="{BEFBFA3B-6071-4C9E-B579-82DF031183AD}" destId="{B1CC88AE-E3B9-42A2-B365-263D3F039D63}" srcOrd="0" destOrd="0" presId="urn:microsoft.com/office/officeart/2018/2/layout/IconVerticalSolidList"/>
+    <dgm:cxn modelId="{4436275A-E6B8-4FE3-B4FD-1E32299DB016}" type="presParOf" srcId="{BEFBFA3B-6071-4C9E-B579-82DF031183AD}" destId="{4E21AEB2-68CE-4C9E-9227-C4987AE9DE33}" srcOrd="1" destOrd="0" presId="urn:microsoft.com/office/officeart/2018/2/layout/IconVerticalSolidList"/>
+    <dgm:cxn modelId="{C6823774-11D3-43DB-891C-1E463166FB69}" type="presParOf" srcId="{BEFBFA3B-6071-4C9E-B579-82DF031183AD}" destId="{331B4BF1-4BA5-4538-9784-98AB8048507E}" srcOrd="2" destOrd="0" presId="urn:microsoft.com/office/officeart/2018/2/layout/IconVerticalSolidList"/>
+    <dgm:cxn modelId="{75A5EE15-CE3C-485F-BDAE-766964CEBFA7}" type="presParOf" srcId="{BEFBFA3B-6071-4C9E-B579-82DF031183AD}" destId="{D44D410C-6C23-461C-82B0-89965A9F5644}" srcOrd="3" destOrd="0" presId="urn:microsoft.com/office/officeart/2018/2/layout/IconVerticalSolidList"/>
+    <dgm:cxn modelId="{11A7EEA6-3B4D-46F8-AC3D-CDD0355203C9}" type="presParOf" srcId="{A4415D5E-2893-483C-AD6D-45C3FB4CA522}" destId="{721F73DD-584E-4540-BBB7-BB56E982F33F}" srcOrd="3" destOrd="0" presId="urn:microsoft.com/office/officeart/2018/2/layout/IconVerticalSolidList"/>
+    <dgm:cxn modelId="{92AE442D-662F-4F55-AEC7-03490997A368}" type="presParOf" srcId="{A4415D5E-2893-483C-AD6D-45C3FB4CA522}" destId="{4C5858A7-579F-4FEB-8B5E-644BDEFCC72B}" srcOrd="4" destOrd="0" presId="urn:microsoft.com/office/officeart/2018/2/layout/IconVerticalSolidList"/>
+    <dgm:cxn modelId="{B35B3672-4FA4-4938-A117-527017E84B2D}" type="presParOf" srcId="{4C5858A7-579F-4FEB-8B5E-644BDEFCC72B}" destId="{E9FF917A-B0DF-45B5-81DD-7D9705E6A1B4}" srcOrd="0" destOrd="0" presId="urn:microsoft.com/office/officeart/2018/2/layout/IconVerticalSolidList"/>
+    <dgm:cxn modelId="{67DFD136-05B1-4CC1-B63A-1DE4F3553A76}" type="presParOf" srcId="{4C5858A7-579F-4FEB-8B5E-644BDEFCC72B}" destId="{040B880C-BD88-4D69-BFFD-D9A83281304D}" srcOrd="1" destOrd="0" presId="urn:microsoft.com/office/officeart/2018/2/layout/IconVerticalSolidList"/>
+    <dgm:cxn modelId="{AB009943-55EA-4802-8F02-538D1B3C4684}" type="presParOf" srcId="{4C5858A7-579F-4FEB-8B5E-644BDEFCC72B}" destId="{4B912C02-CDD8-488F-AB27-E43ACE31D076}" srcOrd="2" destOrd="0" presId="urn:microsoft.com/office/officeart/2018/2/layout/IconVerticalSolidList"/>
+    <dgm:cxn modelId="{F43D01F6-B148-482E-9F35-5E872AB0B2DE}" type="presParOf" srcId="{4C5858A7-579F-4FEB-8B5E-644BDEFCC72B}" destId="{D4D8B485-A75D-485D-80C6-A676C0C7FACB}" srcOrd="3" destOrd="0" presId="urn:microsoft.com/office/officeart/2018/2/layout/IconVerticalSolidList"/>
+  </dgm:cxnLst>
+  <dgm:bg/>
+  <dgm:whole/>
+  <dgm:extLst>
+    <a:ext uri="http://schemas.microsoft.com/office/drawing/2008/diagram">
+      <dsp:dataModelExt xmlns:dsp="http://schemas.microsoft.com/office/drawing/2008/diagram" relId="rId7" minVer="http://schemas.openxmlformats.org/drawingml/2006/diagram"/>
+    </a:ext>
+  </dgm:extLst>
+</dgm:dataModel>
+</file>
+
+<file path=ppt/diagrams/drawing1.xml><?xml version="1.0" encoding="utf-8"?>
+<dsp:drawing xmlns:dgm="http://schemas.openxmlformats.org/drawingml/2006/diagram" xmlns:dsp="http://schemas.microsoft.com/office/drawing/2008/diagram" xmlns:a="http://schemas.openxmlformats.org/drawingml/2006/main">
+  <dsp:spTree>
+    <dsp:nvGrpSpPr>
+      <dsp:cNvPr id="0" name=""/>
+      <dsp:cNvGrpSpPr/>
+    </dsp:nvGrpSpPr>
+    <dsp:grpSpPr/>
+    <dsp:sp modelId="{4CBD5414-298F-430E-94D9-999DE7AD095D}">
+      <dsp:nvSpPr>
+        <dsp:cNvPr id="0" name=""/>
+        <dsp:cNvSpPr/>
+      </dsp:nvSpPr>
+      <dsp:spPr>
+        <a:xfrm>
+          <a:off x="0" y="566"/>
+          <a:ext cx="5913437" cy="1324558"/>
+        </a:xfrm>
+        <a:prstGeom prst="roundRect">
+          <a:avLst>
+            <a:gd name="adj" fmla="val 10000"/>
+          </a:avLst>
+        </a:prstGeom>
+        <a:solidFill>
+          <a:schemeClr val="bg1">
+            <a:lumMod val="95000"/>
+            <a:hueOff val="0"/>
+            <a:satOff val="0"/>
+            <a:lumOff val="0"/>
+            <a:alphaOff val="0"/>
+          </a:schemeClr>
+        </a:solidFill>
+        <a:ln>
+          <a:noFill/>
+        </a:ln>
+        <a:effectLst/>
+      </dsp:spPr>
+      <dsp:style>
+        <a:lnRef idx="0">
+          <a:scrgbClr r="0" g="0" b="0"/>
+        </a:lnRef>
+        <a:fillRef idx="1">
+          <a:scrgbClr r="0" g="0" b="0"/>
+        </a:fillRef>
+        <a:effectRef idx="0">
+          <a:scrgbClr r="0" g="0" b="0"/>
+        </a:effectRef>
+        <a:fontRef idx="minor"/>
+      </dsp:style>
+    </dsp:sp>
+    <dsp:sp modelId="{359D0BA6-60E6-469A-AED0-AFB82B96A47F}">
+      <dsp:nvSpPr>
+        <dsp:cNvPr id="0" name=""/>
+        <dsp:cNvSpPr/>
+      </dsp:nvSpPr>
+      <dsp:spPr>
+        <a:xfrm>
+          <a:off x="400679" y="298591"/>
+          <a:ext cx="728507" cy="728507"/>
+        </a:xfrm>
+        <a:prstGeom prst="rect">
+          <a:avLst/>
+        </a:prstGeom>
+        <a:blipFill>
+          <a:blip xmlns:r="http://schemas.openxmlformats.org/officeDocument/2006/relationships" r:embed="rId1">
+            <a:extLst>
+              <a:ext uri="{28A0092B-C50C-407E-A947-70E740481C1C}">
+                <a14:useLocalDpi xmlns:a14="http://schemas.microsoft.com/office/drawing/2010/main" val="0"/>
+              </a:ext>
+              <a:ext uri="{96DAC541-7B7A-43D3-8B79-37D633B846F1}">
+                <asvg:svgBlip xmlns:asvg="http://schemas.microsoft.com/office/drawing/2016/SVG/main" r:embed="rId2"/>
+              </a:ext>
+            </a:extLst>
+          </a:blip>
+          <a:stretch>
+            <a:fillRect/>
+          </a:stretch>
+        </a:blipFill>
+        <a:ln w="15875" cap="flat" cmpd="sng" algn="ctr">
+          <a:noFill/>
+          <a:prstDash val="solid"/>
+        </a:ln>
+        <a:effectLst/>
+      </dsp:spPr>
+      <dsp:style>
+        <a:lnRef idx="2">
+          <a:scrgbClr r="0" g="0" b="0"/>
+        </a:lnRef>
+        <a:fillRef idx="1">
+          <a:scrgbClr r="0" g="0" b="0"/>
+        </a:fillRef>
+        <a:effectRef idx="0">
+          <a:scrgbClr r="0" g="0" b="0"/>
+        </a:effectRef>
+        <a:fontRef idx="minor">
+          <a:schemeClr val="lt1"/>
+        </a:fontRef>
+      </dsp:style>
+    </dsp:sp>
+    <dsp:sp modelId="{000B067E-CF8B-4CC1-83D1-E84978D6BD52}">
+      <dsp:nvSpPr>
+        <dsp:cNvPr id="0" name=""/>
+        <dsp:cNvSpPr/>
+      </dsp:nvSpPr>
+      <dsp:spPr>
+        <a:xfrm>
+          <a:off x="1529865" y="566"/>
+          <a:ext cx="4383571" cy="1324558"/>
+        </a:xfrm>
+        <a:prstGeom prst="rect">
+          <a:avLst/>
+        </a:prstGeom>
+        <a:noFill/>
+        <a:ln>
+          <a:noFill/>
+        </a:ln>
+        <a:effectLst/>
+      </dsp:spPr>
+      <dsp:style>
+        <a:lnRef idx="0">
+          <a:scrgbClr r="0" g="0" b="0"/>
+        </a:lnRef>
+        <a:fillRef idx="0">
+          <a:scrgbClr r="0" g="0" b="0"/>
+        </a:fillRef>
+        <a:effectRef idx="0">
+          <a:scrgbClr r="0" g="0" b="0"/>
+        </a:effectRef>
+        <a:fontRef idx="minor"/>
+      </dsp:style>
+      <dsp:txBody>
+        <a:bodyPr spcFirstLastPara="0" vert="horz" wrap="square" lIns="140182" tIns="140182" rIns="140182" bIns="140182" numCol="1" spcCol="1270" anchor="ctr" anchorCtr="0">
+          <a:noAutofit/>
+        </a:bodyPr>
+        <a:lstStyle/>
+        <a:p>
+          <a:pPr marL="0" lvl="0" indent="0" algn="l" defTabSz="1111250">
+            <a:lnSpc>
+              <a:spcPct val="90000"/>
+            </a:lnSpc>
+            <a:spcBef>
+              <a:spcPct val="0"/>
+            </a:spcBef>
+            <a:spcAft>
+              <a:spcPct val="35000"/>
+            </a:spcAft>
+            <a:buNone/>
+          </a:pPr>
+          <a:r>
+            <a:rPr lang="en-US" sz="2500" kern="1200"/>
+            <a:t>What is Machine Learning?</a:t>
+          </a:r>
+        </a:p>
+      </dsp:txBody>
+      <dsp:txXfrm>
+        <a:off x="1529865" y="566"/>
+        <a:ext cx="4383571" cy="1324558"/>
+      </dsp:txXfrm>
+    </dsp:sp>
+    <dsp:sp modelId="{B1CC88AE-E3B9-42A2-B365-263D3F039D63}">
+      <dsp:nvSpPr>
+        <dsp:cNvPr id="0" name=""/>
+        <dsp:cNvSpPr/>
+      </dsp:nvSpPr>
+      <dsp:spPr>
+        <a:xfrm>
+          <a:off x="0" y="1656264"/>
+          <a:ext cx="5913437" cy="1324558"/>
+        </a:xfrm>
+        <a:prstGeom prst="roundRect">
+          <a:avLst>
+            <a:gd name="adj" fmla="val 10000"/>
+          </a:avLst>
+        </a:prstGeom>
+        <a:solidFill>
+          <a:schemeClr val="bg1">
+            <a:lumMod val="95000"/>
+            <a:hueOff val="0"/>
+            <a:satOff val="0"/>
+            <a:lumOff val="0"/>
+            <a:alphaOff val="0"/>
+          </a:schemeClr>
+        </a:solidFill>
+        <a:ln>
+          <a:noFill/>
+        </a:ln>
+        <a:effectLst/>
+      </dsp:spPr>
+      <dsp:style>
+        <a:lnRef idx="0">
+          <a:scrgbClr r="0" g="0" b="0"/>
+        </a:lnRef>
+        <a:fillRef idx="1">
+          <a:scrgbClr r="0" g="0" b="0"/>
+        </a:fillRef>
+        <a:effectRef idx="0">
+          <a:scrgbClr r="0" g="0" b="0"/>
+        </a:effectRef>
+        <a:fontRef idx="minor"/>
+      </dsp:style>
+    </dsp:sp>
+    <dsp:sp modelId="{4E21AEB2-68CE-4C9E-9227-C4987AE9DE33}">
+      <dsp:nvSpPr>
+        <dsp:cNvPr id="0" name=""/>
+        <dsp:cNvSpPr/>
+      </dsp:nvSpPr>
+      <dsp:spPr>
+        <a:xfrm>
+          <a:off x="400679" y="1954290"/>
+          <a:ext cx="728507" cy="728507"/>
+        </a:xfrm>
+        <a:prstGeom prst="rect">
+          <a:avLst/>
+        </a:prstGeom>
+        <a:blipFill>
+          <a:blip xmlns:r="http://schemas.openxmlformats.org/officeDocument/2006/relationships" r:embed="rId3">
+            <a:extLst>
+              <a:ext uri="{28A0092B-C50C-407E-A947-70E740481C1C}">
+                <a14:useLocalDpi xmlns:a14="http://schemas.microsoft.com/office/drawing/2010/main" val="0"/>
+              </a:ext>
+              <a:ext uri="{96DAC541-7B7A-43D3-8B79-37D633B846F1}">
+                <asvg:svgBlip xmlns:asvg="http://schemas.microsoft.com/office/drawing/2016/SVG/main" r:embed="rId4"/>
+              </a:ext>
+            </a:extLst>
+          </a:blip>
+          <a:stretch>
+            <a:fillRect/>
+          </a:stretch>
+        </a:blipFill>
+        <a:ln w="15875" cap="flat" cmpd="sng" algn="ctr">
+          <a:noFill/>
+          <a:prstDash val="solid"/>
+        </a:ln>
+        <a:effectLst/>
+      </dsp:spPr>
+      <dsp:style>
+        <a:lnRef idx="2">
+          <a:scrgbClr r="0" g="0" b="0"/>
+        </a:lnRef>
+        <a:fillRef idx="1">
+          <a:scrgbClr r="0" g="0" b="0"/>
+        </a:fillRef>
+        <a:effectRef idx="0">
+          <a:scrgbClr r="0" g="0" b="0"/>
+        </a:effectRef>
+        <a:fontRef idx="minor">
+          <a:schemeClr val="lt1"/>
+        </a:fontRef>
+      </dsp:style>
+    </dsp:sp>
+    <dsp:sp modelId="{D44D410C-6C23-461C-82B0-89965A9F5644}">
+      <dsp:nvSpPr>
+        <dsp:cNvPr id="0" name=""/>
+        <dsp:cNvSpPr/>
+      </dsp:nvSpPr>
+      <dsp:spPr>
+        <a:xfrm>
+          <a:off x="1529865" y="1656264"/>
+          <a:ext cx="4383571" cy="1324558"/>
+        </a:xfrm>
+        <a:prstGeom prst="rect">
+          <a:avLst/>
+        </a:prstGeom>
+        <a:noFill/>
+        <a:ln>
+          <a:noFill/>
+        </a:ln>
+        <a:effectLst/>
+      </dsp:spPr>
+      <dsp:style>
+        <a:lnRef idx="0">
+          <a:scrgbClr r="0" g="0" b="0"/>
+        </a:lnRef>
+        <a:fillRef idx="0">
+          <a:scrgbClr r="0" g="0" b="0"/>
+        </a:fillRef>
+        <a:effectRef idx="0">
+          <a:scrgbClr r="0" g="0" b="0"/>
+        </a:effectRef>
+        <a:fontRef idx="minor"/>
+      </dsp:style>
+      <dsp:txBody>
+        <a:bodyPr spcFirstLastPara="0" vert="horz" wrap="square" lIns="140182" tIns="140182" rIns="140182" bIns="140182" numCol="1" spcCol="1270" anchor="ctr" anchorCtr="0">
+          <a:noAutofit/>
+        </a:bodyPr>
+        <a:lstStyle/>
+        <a:p>
+          <a:pPr marL="0" lvl="0" indent="0" algn="l" defTabSz="1111250">
+            <a:lnSpc>
+              <a:spcPct val="90000"/>
+            </a:lnSpc>
+            <a:spcBef>
+              <a:spcPct val="0"/>
+            </a:spcBef>
+            <a:spcAft>
+              <a:spcPct val="35000"/>
+            </a:spcAft>
+            <a:buNone/>
+          </a:pPr>
+          <a:r>
+            <a:rPr lang="en-US" sz="2500" kern="1200" dirty="0"/>
+            <a:t>Learn our first algorithm: Linear Regression</a:t>
+          </a:r>
+        </a:p>
+      </dsp:txBody>
+      <dsp:txXfrm>
+        <a:off x="1529865" y="1656264"/>
+        <a:ext cx="4383571" cy="1324558"/>
+      </dsp:txXfrm>
+    </dsp:sp>
+    <dsp:sp modelId="{E9FF917A-B0DF-45B5-81DD-7D9705E6A1B4}">
+      <dsp:nvSpPr>
+        <dsp:cNvPr id="0" name=""/>
+        <dsp:cNvSpPr/>
+      </dsp:nvSpPr>
+      <dsp:spPr>
+        <a:xfrm>
+          <a:off x="0" y="3311963"/>
+          <a:ext cx="5913437" cy="1324558"/>
+        </a:xfrm>
+        <a:prstGeom prst="roundRect">
+          <a:avLst>
+            <a:gd name="adj" fmla="val 10000"/>
+          </a:avLst>
+        </a:prstGeom>
+        <a:solidFill>
+          <a:schemeClr val="bg1">
+            <a:lumMod val="95000"/>
+            <a:hueOff val="0"/>
+            <a:satOff val="0"/>
+            <a:lumOff val="0"/>
+            <a:alphaOff val="0"/>
+          </a:schemeClr>
+        </a:solidFill>
+        <a:ln>
+          <a:noFill/>
+        </a:ln>
+        <a:effectLst/>
+      </dsp:spPr>
+      <dsp:style>
+        <a:lnRef idx="0">
+          <a:scrgbClr r="0" g="0" b="0"/>
+        </a:lnRef>
+        <a:fillRef idx="1">
+          <a:scrgbClr r="0" g="0" b="0"/>
+        </a:fillRef>
+        <a:effectRef idx="0">
+          <a:scrgbClr r="0" g="0" b="0"/>
+        </a:effectRef>
+        <a:fontRef idx="minor"/>
+      </dsp:style>
+    </dsp:sp>
+    <dsp:sp modelId="{040B880C-BD88-4D69-BFFD-D9A83281304D}">
+      <dsp:nvSpPr>
+        <dsp:cNvPr id="0" name=""/>
+        <dsp:cNvSpPr/>
+      </dsp:nvSpPr>
+      <dsp:spPr>
+        <a:xfrm>
+          <a:off x="400679" y="3609988"/>
+          <a:ext cx="728507" cy="728507"/>
+        </a:xfrm>
+        <a:prstGeom prst="rect">
+          <a:avLst/>
+        </a:prstGeom>
+        <a:blipFill>
+          <a:blip xmlns:r="http://schemas.openxmlformats.org/officeDocument/2006/relationships" r:embed="rId5">
+            <a:extLst>
+              <a:ext uri="{28A0092B-C50C-407E-A947-70E740481C1C}">
+                <a14:useLocalDpi xmlns:a14="http://schemas.microsoft.com/office/drawing/2010/main" val="0"/>
+              </a:ext>
+              <a:ext uri="{96DAC541-7B7A-43D3-8B79-37D633B846F1}">
+                <asvg:svgBlip xmlns:asvg="http://schemas.microsoft.com/office/drawing/2016/SVG/main" r:embed="rId6"/>
+              </a:ext>
+            </a:extLst>
+          </a:blip>
+          <a:stretch>
+            <a:fillRect/>
+          </a:stretch>
+        </a:blipFill>
+        <a:ln w="15875" cap="flat" cmpd="sng" algn="ctr">
+          <a:noFill/>
+          <a:prstDash val="solid"/>
+        </a:ln>
+        <a:effectLst/>
+      </dsp:spPr>
+      <dsp:style>
+        <a:lnRef idx="2">
+          <a:scrgbClr r="0" g="0" b="0"/>
+        </a:lnRef>
+        <a:fillRef idx="1">
+          <a:scrgbClr r="0" g="0" b="0"/>
+        </a:fillRef>
+        <a:effectRef idx="0">
+          <a:scrgbClr r="0" g="0" b="0"/>
+        </a:effectRef>
+        <a:fontRef idx="minor">
+          <a:schemeClr val="lt1"/>
+        </a:fontRef>
+      </dsp:style>
+    </dsp:sp>
+    <dsp:sp modelId="{D4D8B485-A75D-485D-80C6-A676C0C7FACB}">
+      <dsp:nvSpPr>
+        <dsp:cNvPr id="0" name=""/>
+        <dsp:cNvSpPr/>
+      </dsp:nvSpPr>
+      <dsp:spPr>
+        <a:xfrm>
+          <a:off x="1529865" y="3311963"/>
+          <a:ext cx="4383571" cy="1324558"/>
+        </a:xfrm>
+        <a:prstGeom prst="rect">
+          <a:avLst/>
+        </a:prstGeom>
+        <a:noFill/>
+        <a:ln>
+          <a:noFill/>
+        </a:ln>
+        <a:effectLst/>
+      </dsp:spPr>
+      <dsp:style>
+        <a:lnRef idx="0">
+          <a:scrgbClr r="0" g="0" b="0"/>
+        </a:lnRef>
+        <a:fillRef idx="0">
+          <a:scrgbClr r="0" g="0" b="0"/>
+        </a:fillRef>
+        <a:effectRef idx="0">
+          <a:scrgbClr r="0" g="0" b="0"/>
+        </a:effectRef>
+        <a:fontRef idx="minor"/>
+      </dsp:style>
+      <dsp:txBody>
+        <a:bodyPr spcFirstLastPara="0" vert="horz" wrap="square" lIns="140182" tIns="140182" rIns="140182" bIns="140182" numCol="1" spcCol="1270" anchor="ctr" anchorCtr="0">
+          <a:noAutofit/>
+        </a:bodyPr>
+        <a:lstStyle/>
+        <a:p>
+          <a:pPr marL="0" lvl="0" indent="0" algn="l" defTabSz="1111250">
+            <a:lnSpc>
+              <a:spcPct val="90000"/>
+            </a:lnSpc>
+            <a:spcBef>
+              <a:spcPct val="0"/>
+            </a:spcBef>
+            <a:spcAft>
+              <a:spcPct val="35000"/>
+            </a:spcAft>
+            <a:buNone/>
+          </a:pPr>
+          <a:r>
+            <a:rPr lang="en-US" sz="2500" kern="1200"/>
+            <a:t>Group Exercise predicting housing prices in Salt Lake City!</a:t>
+          </a:r>
+        </a:p>
+      </dsp:txBody>
+      <dsp:txXfrm>
+        <a:off x="1529865" y="3311963"/>
+        <a:ext cx="4383571" cy="1324558"/>
+      </dsp:txXfrm>
+    </dsp:sp>
+  </dsp:spTree>
+</dsp:drawing>
+</file>
+
+<file path=ppt/diagrams/layout1.xml><?xml version="1.0" encoding="utf-8"?>
+<dgm:layoutDef xmlns:dgm="http://schemas.openxmlformats.org/drawingml/2006/diagram" xmlns:a="http://schemas.openxmlformats.org/drawingml/2006/main" uniqueId="urn:microsoft.com/office/officeart/2018/2/layout/IconVerticalSolidList">
+  <dgm:title val="Icon Vertical Solid List"/>
+  <dgm:desc val="Use to show a series of visuals from top to bottom with Level 1 or Level 1 and Level 2 text grouped in a shape. Works best with icons or small pictures with lengthier descriptions."/>
+  <dgm:catLst>
+    <dgm:cat type="icon" pri="500"/>
+  </dgm:catLst>
+  <dgm:sampData useDef="1">
+    <dgm:dataModel>
+      <dgm:ptLst/>
+      <dgm:bg/>
+      <dgm:whole/>
+    </dgm:dataModel>
+  </dgm:sampData>
+  <dgm:styleData useDef="1">
+    <dgm:dataModel>
+      <dgm:ptLst/>
+      <dgm:bg/>
+      <dgm:whole/>
+    </dgm:dataModel>
+  </dgm:styleData>
+  <dgm:clrData useDef="1">
+    <dgm:dataModel>
+      <dgm:ptLst/>
+      <dgm:bg/>
+      <dgm:whole/>
+    </dgm:dataModel>
+  </dgm:clrData>
+  <dgm:layoutNode name="root">
+    <dgm:varLst>
+      <dgm:dir/>
+      <dgm:resizeHandles val="exact"/>
+    </dgm:varLst>
+    <dgm:choose name="Name0">
+      <dgm:if name="Name1" axis="self" func="var" arg="dir" op="equ" val="norm">
+        <dgm:alg type="lin">
+          <dgm:param type="linDir" val="fromT"/>
+          <dgm:param type="nodeHorzAlign" val="l"/>
+        </dgm:alg>
+      </dgm:if>
+      <dgm:else name="Name2">
+        <dgm:alg type="lin">
+          <dgm:param type="linDir" val="fromT"/>
+          <dgm:param type="nodeHorzAlign" val="r"/>
+        </dgm:alg>
+      </dgm:else>
+    </dgm:choose>
+    <dgm:shape xmlns:r="http://schemas.openxmlformats.org/officeDocument/2006/relationships" r:blip="">
+      <dgm:adjLst/>
+    </dgm:shape>
+    <dgm:presOf/>
+    <dgm:choose name="Name3">
+      <dgm:if name="Name4" axis="ch" ptType="node" func="cnt" op="lte" val="3">
+        <dgm:constrLst>
+          <dgm:constr type="h" for="ch" forName="compNode" refType="h" fact="0.3"/>
+          <dgm:constr type="w" for="ch" forName="compNode" refType="w"/>
+          <dgm:constr type="h" for="ch" forName="sibTrans" refType="h" refFor="ch" refForName="compNode" fact="0.25"/>
+          <dgm:constr type="primFontSz" for="des" forName="parTx" val="25"/>
+          <dgm:constr type="primFontSz" for="des" forName="desTx" refType="primFontSz" refFor="des" refForName="parTx" op="lte" fact="0.75"/>
+          <dgm:constr type="h" for="des" forName="compNode" op="equ"/>
+          <dgm:constr type="h" for="des" forName="bgRect" op="equ"/>
+          <dgm:constr type="h" for="des" forName="iconRect" op="equ"/>
+          <dgm:constr type="w" for="des" forName="iconRect" op="equ"/>
+          <dgm:constr type="h" for="des" forName="spaceRect" op="equ"/>
+          <dgm:constr type="h" for="des" forName="parTx" op="equ"/>
+          <dgm:constr type="h" for="des" forName="desTx" op="equ"/>
+        </dgm:constrLst>
+      </dgm:if>
+      <dgm:if name="Name5" axis="ch" ptType="node" func="cnt" op="lte" val="4">
+        <dgm:constrLst>
+          <dgm:constr type="h" for="ch" forName="compNode" refType="h" fact="0.3"/>
+          <dgm:constr type="w" for="ch" forName="compNode" refType="w"/>
+          <dgm:constr type="h" for="ch" forName="sibTrans" refType="h" refFor="ch" refForName="compNode" fact="0.25"/>
+          <dgm:constr type="primFontSz" for="des" forName="parTx" val="22"/>
+          <dgm:constr type="primFontSz" for="des" forName="desTx" refType="primFontSz" refFor="des" refForName="parTx" op="lte" fact="0.75"/>
+          <dgm:constr type="h" for="des" forName="compNode" op="equ"/>
+          <dgm:constr type="h" for="des" forName="bgRect" op="equ"/>
+          <dgm:constr type="h" for="des" forName="iconRect" op="equ"/>
+          <dgm:constr type="w" for="des" forName="iconRect" op="equ"/>
+          <dgm:constr type="h" for="des" forName="spaceRect" op="equ"/>
+          <dgm:constr type="h" for="des" forName="parTx" op="equ"/>
+          <dgm:constr type="h" for="des" forName="desTx" op="equ"/>
+        </dgm:constrLst>
+      </dgm:if>
+      <dgm:if name="Name6" axis="ch" ptType="node" func="cnt" op="lte" val="6">
+        <dgm:constrLst>
+          <dgm:constr type="h" for="ch" forName="compNode" refType="h" fact="0.3"/>
+          <dgm:constr type="w" for="ch" forName="compNode" refType="w"/>
+          <dgm:constr type="h" for="ch" forName="sibTrans" refType="h" refFor="ch" refForName="compNode" fact="0.25"/>
+          <dgm:constr type="primFontSz" for="des" forName="parTx" val="19"/>
+          <dgm:constr type="primFontSz" for="des" forName="desTx" refType="primFontSz" refFor="des" refForName="parTx" op="lte" fact="0.75"/>
+          <dgm:constr type="h" for="des" forName="compNode" op="equ"/>
+          <dgm:constr type="h" for="des" forName="bgRect" op="equ"/>
+          <dgm:constr type="h" for="des" forName="iconRect" op="equ"/>
+          <dgm:constr type="w" for="des" forName="iconRect" op="equ"/>
+          <dgm:constr type="h" for="des" forName="spaceRect" op="equ"/>
+          <dgm:constr type="h" for="des" forName="parTx" op="equ"/>
+          <dgm:constr type="h" for="des" forName="desTx" op="equ"/>
+        </dgm:constrLst>
+      </dgm:if>
+      <dgm:else name="Name7">
+        <dgm:constrLst>
+          <dgm:constr type="h" for="ch" forName="compNode" refType="h" fact="0.3"/>
+          <dgm:constr type="w" for="ch" forName="compNode" refType="w"/>
+          <dgm:constr type="h" for="ch" forName="sibTrans" refType="h" refFor="ch" refForName="compNode" fact="0.25"/>
+          <dgm:constr type="primFontSz" for="des" forName="parTx" val="16"/>
+          <dgm:constr type="primFontSz" for="des" forName="desTx" refType="primFontSz" refFor="des" refForName="parTx" op="lte" fact="0.75"/>
+          <dgm:constr type="h" for="des" forName="compNode" op="equ"/>
+          <dgm:constr type="h" for="des" forName="bgRect" op="equ"/>
+          <dgm:constr type="h" for="des" forName="iconRect" op="equ"/>
+          <dgm:constr type="w" for="des" forName="iconRect" op="equ"/>
+          <dgm:constr type="h" for="des" forName="spaceRect" op="equ"/>
+          <dgm:constr type="h" for="des" forName="parTx" op="equ"/>
+          <dgm:constr type="h" for="des" forName="desTx" op="equ"/>
+        </dgm:constrLst>
+      </dgm:else>
+    </dgm:choose>
+    <dgm:ruleLst>
+      <dgm:rule type="h" for="ch" forName="compNode" val="0" fact="NaN" max="NaN"/>
+    </dgm:ruleLst>
+    <dgm:forEach name="Name8" axis="ch" ptType="node">
+      <dgm:layoutNode name="compNode">
+        <dgm:alg type="composite"/>
+        <dgm:shape xmlns:r="http://schemas.openxmlformats.org/officeDocument/2006/relationships" r:blip="">
+          <dgm:adjLst/>
+        </dgm:shape>
+        <dgm:presOf axis="self"/>
+        <dgm:choose name="Name9">
+          <dgm:if name="Name10" axis="ch" ptType="node" func="cnt" op="gte" val="1">
+            <dgm:constrLst>
+              <dgm:constr type="w" for="ch" forName="bgRect" refType="w"/>
+              <dgm:constr type="h" for="ch" forName="bgRect" refType="h"/>
+              <dgm:constr type="l" for="ch" forName="bgRect"/>
+              <dgm:constr type="t" for="ch" forName="bgRect"/>
+              <dgm:constr type="h" for="ch" forName="iconRect" refType="h" fact="0.55"/>
+              <dgm:constr type="w" for="ch" forName="iconRect" refType="h" refFor="ch" refForName="iconRect"/>
+              <dgm:constr type="l" for="ch" forName="iconRect" refType="h" refFor="ch" refForName="iconRect" fact="0.55"/>
+              <dgm:constr type="ctrY" for="ch" forName="iconRect" refType="ctrY" refFor="ch" refForName="bgRect"/>
+              <dgm:constr type="w" for="ch" forName="spaceRect" refType="l" refFor="ch" refForName="iconRect"/>
+              <dgm:constr type="h" for="ch" forName="spaceRect" refType="h"/>
+              <dgm:constr type="l" for="ch" forName="spaceRect" refType="r" refFor="ch" refForName="iconRect"/>
+              <dgm:constr type="t" for="ch" forName="spaceRect"/>
+              <dgm:constr type="w" for="ch" forName="parTx" refType="w" fact="0.45"/>
+              <dgm:constr type="h" for="ch" forName="parTx" refType="h"/>
+              <dgm:constr type="l" for="ch" forName="parTx" refType="r" refFor="ch" refForName="spaceRect"/>
+              <dgm:constr type="t" for="ch" forName="parTx"/>
+              <dgm:constr type="h" for="ch" forName="desTx" refType="h"/>
+              <dgm:constr type="l" for="ch" forName="desTx" refType="r" refFor="ch" refForName="parTx"/>
+              <dgm:constr type="t" for="ch" forName="desTx"/>
+            </dgm:constrLst>
+          </dgm:if>
+          <dgm:else name="Name11">
+            <dgm:constrLst>
+              <dgm:constr type="w" for="ch" forName="bgRect" refType="w"/>
+              <dgm:constr type="h" for="ch" forName="bgRect" refType="h"/>
+              <dgm:constr type="l" for="ch" forName="bgRect"/>
+              <dgm:constr type="t" for="ch" forName="bgRect"/>
+              <dgm:constr type="h" for="ch" forName="iconRect" refType="h" fact="0.55"/>
+              <dgm:constr type="w" for="ch" forName="iconRect" refType="h" refFor="ch" refForName="iconRect"/>
+              <dgm:constr type="l" for="ch" forName="iconRect" refType="h" refFor="ch" refForName="iconRect" fact="0.55"/>
+              <dgm:constr type="ctrY" for="ch" forName="iconRect" refType="ctrY" refFor="ch" refForName="bgRect"/>
+              <dgm:constr type="w" for="ch" forName="spaceRect" refType="l" refFor="ch" refForName="iconRect"/>
+              <dgm:constr type="h" for="ch" forName="spaceRect" refType="h"/>
+              <dgm:constr type="l" for="ch" forName="spaceRect" refType="r" refFor="ch" refForName="iconRect"/>
+              <dgm:constr type="t" for="ch" forName="spaceRect"/>
+              <dgm:constr type="h" for="ch" forName="parTx" refType="h"/>
+              <dgm:constr type="l" for="ch" forName="parTx" refType="r" refFor="ch" refForName="spaceRect"/>
+              <dgm:constr type="t" for="ch" forName="parTx"/>
+            </dgm:constrLst>
+          </dgm:else>
+        </dgm:choose>
+        <dgm:ruleLst>
+          <dgm:rule type="h" val="INF" fact="NaN" max="NaN"/>
+        </dgm:ruleLst>
+        <dgm:layoutNode name="bgRect" styleLbl="bgShp">
+          <dgm:alg type="sp"/>
+          <dgm:shape xmlns:r="http://schemas.openxmlformats.org/officeDocument/2006/relationships" type="roundRect" r:blip="">
+            <dgm:adjLst>
+              <dgm:adj idx="1" val="0.1"/>
+            </dgm:adjLst>
+          </dgm:shape>
+          <dgm:presOf/>
+          <dgm:constrLst/>
+          <dgm:ruleLst/>
+        </dgm:layoutNode>
+        <dgm:layoutNode name="iconRect" styleLbl="node1">
+          <dgm:alg type="sp"/>
+          <dgm:shape xmlns:r="http://schemas.openxmlformats.org/officeDocument/2006/relationships" type="rect" r:blip="" blipPhldr="1">
+            <dgm:adjLst/>
+          </dgm:shape>
+          <dgm:presOf/>
+          <dgm:constrLst/>
+          <dgm:ruleLst/>
+        </dgm:layoutNode>
+        <dgm:layoutNode name="spaceRect">
+          <dgm:alg type="sp"/>
+          <dgm:shape xmlns:r="http://schemas.openxmlformats.org/officeDocument/2006/relationships" r:blip="">
+            <dgm:adjLst/>
+          </dgm:shape>
+          <dgm:presOf/>
+          <dgm:constrLst/>
+          <dgm:ruleLst/>
+        </dgm:layoutNode>
+        <dgm:layoutNode name="parTx" styleLbl="revTx">
+          <dgm:varLst>
+            <dgm:chMax val="0"/>
+            <dgm:chPref val="0"/>
+          </dgm:varLst>
+          <dgm:alg type="tx">
+            <dgm:param type="txAnchorVert" val="mid"/>
+            <dgm:param type="parTxLTRAlign" val="l"/>
+            <dgm:param type="shpTxLTRAlignCh" val="l"/>
+            <dgm:param type="parTxRTLAlign" val="r"/>
+            <dgm:param type="shpTxRTLAlignCh" val="r"/>
+          </dgm:alg>
+          <dgm:shape xmlns:r="http://schemas.openxmlformats.org/officeDocument/2006/relationships" type="rect" r:blip="">
+            <dgm:adjLst/>
+          </dgm:shape>
+          <dgm:presOf axis="self" ptType="node"/>
+          <dgm:constrLst>
+            <dgm:constr type="lMarg" refType="h" fact="0.3"/>
+            <dgm:constr type="rMarg" refType="h" fact="0.3"/>
+            <dgm:constr type="tMarg" refType="h" fact="0.3"/>
+            <dgm:constr type="bMarg" refType="h" fact="0.3"/>
+          </dgm:constrLst>
+          <dgm:ruleLst>
+            <dgm:rule type="primFontSz" val="14" fact="NaN" max="NaN"/>
+            <dgm:rule type="h" val="INF" fact="NaN" max="NaN"/>
+          </dgm:ruleLst>
+        </dgm:layoutNode>
+        <dgm:choose name="Name12">
+          <dgm:if name="Name13" axis="ch" ptType="node" func="cnt" op="gte" val="1">
+            <dgm:layoutNode name="desTx" styleLbl="revTx">
+              <dgm:varLst/>
+              <dgm:alg type="tx">
+                <dgm:param type="txAnchorVertCh" val="mid"/>
+                <dgm:param type="parTxLTRAlign" val="l"/>
+                <dgm:param type="shpTxLTRAlignCh" val="l"/>
+                <dgm:param type="parTxRTLAlign" val="r"/>
+                <dgm:param type="shpTxRTLAlignCh" val="r"/>
+                <dgm:param type="stBulletLvl" val="0"/>
+              </dgm:alg>
+              <dgm:shape xmlns:r="http://schemas.openxmlformats.org/officeDocument/2006/relationships" type="rect" r:blip="">
+                <dgm:adjLst/>
+              </dgm:shape>
+              <dgm:presOf axis="des" ptType="node"/>
+              <dgm:constrLst>
+                <dgm:constr type="primFontSz" val="18"/>
+                <dgm:constr type="secFontSz" refType="primFontSz"/>
+                <dgm:constr type="lMarg" refType="h" fact="0.3"/>
+                <dgm:constr type="rMarg" refType="h" fact="0.3"/>
+                <dgm:constr type="tMarg" refType="h" fact="0.3"/>
+                <dgm:constr type="bMarg" refType="h" fact="0.3"/>
+              </dgm:constrLst>
+              <dgm:ruleLst>
+                <dgm:rule type="primFontSz" val="11" fact="NaN" max="NaN"/>
+              </dgm:ruleLst>
+            </dgm:layoutNode>
+          </dgm:if>
+          <dgm:else name="Name14"/>
+        </dgm:choose>
+      </dgm:layoutNode>
+      <dgm:forEach name="Name15" axis="followSib" ptType="sibTrans" cnt="1">
+        <dgm:layoutNode name="sibTrans">
+          <dgm:alg type="sp"/>
+          <dgm:shape xmlns:r="http://schemas.openxmlformats.org/officeDocument/2006/relationships" r:blip="">
+            <dgm:adjLst/>
+          </dgm:shape>
+          <dgm:presOf axis="self"/>
+          <dgm:constrLst/>
+          <dgm:ruleLst/>
+        </dgm:layoutNode>
+      </dgm:forEach>
+    </dgm:forEach>
+  </dgm:layoutNode>
+  <dgm:extLst>
+    <a:ext uri="{68A01E43-0DF5-4B5B-8FA6-DAF915123BFB}">
+      <dgm1612:lstStyle xmlns:dgm1612="http://schemas.microsoft.com/office/drawing/2016/12/diagram">
+        <a:lvl1pPr>
+          <a:lnSpc>
+            <a:spcPct val="100000"/>
+          </a:lnSpc>
+        </a:lvl1pPr>
+        <a:lvl2pPr>
+          <a:lnSpc>
+            <a:spcPct val="100000"/>
+          </a:lnSpc>
+        </a:lvl2pPr>
+      </dgm1612:lstStyle>
+    </a:ext>
+  </dgm:extLst>
+</dgm:layoutDef>
+</file>
+
+<file path=ppt/diagrams/quickStyle1.xml><?xml version="1.0" encoding="utf-8"?>
+<dgm:styleDef xmlns:dgm="http://schemas.openxmlformats.org/drawingml/2006/diagram" xmlns:a="http://schemas.openxmlformats.org/drawingml/2006/main" uniqueId="urn:microsoft.com/office/officeart/2005/8/quickstyle/simple1">
+  <dgm:title val=""/>
+  <dgm:desc val=""/>
+  <dgm:catLst>
+    <dgm:cat type="simple" pri="10100"/>
+  </dgm:catLst>
+  <dgm:scene3d>
+    <a:camera prst="orthographicFront"/>
+    <a:lightRig rig="threePt" dir="t"/>
+  </dgm:scene3d>
+  <dgm:styleLbl name="node0">
+    <dgm:scene3d>
+      <a:camera prst="orthographicFront"/>
+      <a:lightRig rig="threePt" dir="t"/>
+    </dgm:scene3d>
+    <dgm:sp3d/>
+    <dgm:txPr/>
+    <dgm:style>
+      <a:lnRef idx="2">
+        <a:scrgbClr r="0" g="0" b="0"/>
+      </a:lnRef>
+      <a:fillRef idx="1">
+        <a:scrgbClr r="0" g="0" b="0"/>
+      </a:fillRef>
+      <a:effectRef idx="0">
+        <a:scrgbClr r="0" g="0" b="0"/>
+      </a:effectRef>
+      <a:fontRef idx="minor">
+        <a:schemeClr val="lt1"/>
+      </a:fontRef>
+    </dgm:style>
+  </dgm:styleLbl>
+  <dgm:styleLbl name="lnNode1">
+    <dgm:scene3d>
+      <a:camera prst="orthographicFront"/>
+      <a:lightRig rig="threePt" dir="t"/>
+    </dgm:scene3d>
+    <dgm:sp3d/>
+    <dgm:txPr/>
+    <dgm:style>
+      <a:lnRef idx="2">
+        <a:scrgbClr r="0" g="0" b="0"/>
+      </a:lnRef>
+      <a:fillRef idx="1">
+        <a:scrgbClr r="0" g="0" b="0"/>
+      </a:fillRef>
+      <a:effectRef idx="0">
+        <a:scrgbClr r="0" g="0" b="0"/>
+      </a:effectRef>
+      <a:fontRef idx="minor">
+        <a:schemeClr val="lt1"/>
+      </a:fontRef>
+    </dgm:style>
+  </dgm:styleLbl>
+  <dgm:styleLbl name="vennNode1">
+    <dgm:scene3d>
+      <a:camera prst="orthographicFront"/>
+      <a:lightRig rig="threePt" dir="t"/>
+    </dgm:scene3d>
+    <dgm:sp3d/>
+    <dgm:txPr/>
+    <dgm:style>
+      <a:lnRef idx="2">
+        <a:scrgbClr r="0" g="0" b="0"/>
+      </a:lnRef>
+      <a:fillRef idx="1">
+        <a:scrgbClr r="0" g="0" b="0"/>
+      </a:fillRef>
+      <a:effectRef idx="0">
+        <a:scrgbClr r="0" g="0" b="0"/>
+      </a:effectRef>
+      <a:fontRef idx="minor">
+        <a:schemeClr val="tx1"/>
+      </a:fontRef>
+    </dgm:style>
+  </dgm:styleLbl>
+  <dgm:styleLbl name="alignNode1">
+    <dgm:scene3d>
+      <a:camera prst="orthographicFront"/>
+      <a:lightRig rig="threePt" dir="t"/>
+    </dgm:scene3d>
+    <dgm:sp3d/>
+    <dgm:txPr/>
+    <dgm:style>
+      <a:lnRef idx="2">
+        <a:scrgbClr r="0" g="0" b="0"/>
+      </a:lnRef>
+      <a:fillRef idx="1">
+        <a:scrgbClr r="0" g="0" b="0"/>
+      </a:fillRef>
+      <a:effectRef idx="0">
+        <a:scrgbClr r="0" g="0" b="0"/>
+      </a:effectRef>
+      <a:fontRef idx="minor">
+        <a:schemeClr val="lt1"/>
+      </a:fontRef>
+    </dgm:style>
+  </dgm:styleLbl>
+  <dgm:styleLbl name="node1">
+    <dgm:scene3d>
+      <a:camera prst="orthographicFront"/>
+      <a:lightRig rig="threePt" dir="t"/>
+    </dgm:scene3d>
+    <dgm:sp3d/>
+    <dgm:txPr/>
+    <dgm:style>
+      <a:lnRef idx="2">
+        <a:scrgbClr r="0" g="0" b="0"/>
+      </a:lnRef>
+      <a:fillRef idx="1">
+        <a:scrgbClr r="0" g="0" b="0"/>
+      </a:fillRef>
+      <a:effectRef idx="0">
+        <a:scrgbClr r="0" g="0" b="0"/>
+      </a:effectRef>
+      <a:fontRef idx="minor">
+        <a:schemeClr val="lt1"/>
+      </a:fontRef>
+    </dgm:style>
+  </dgm:styleLbl>
+  <dgm:styleLbl name="node2">
+    <dgm:scene3d>
+      <a:camera prst="orthographicFront"/>
+      <a:lightRig rig="threePt" dir="t"/>
+    </dgm:scene3d>
+    <dgm:sp3d/>
+    <dgm:txPr/>
+    <dgm:style>
+      <a:lnRef idx="2">
+        <a:scrgbClr r="0" g="0" b="0"/>
+      </a:lnRef>
+      <a:fillRef idx="1">
+        <a:scrgbClr r="0" g="0" b="0"/>
+      </a:fillRef>
+      <a:effectRef idx="0">
+        <a:scrgbClr r="0" g="0" b="0"/>
+      </a:effectRef>
+      <a:fontRef idx="minor">
+        <a:schemeClr val="lt1"/>
+      </a:fontRef>
+    </dgm:style>
+  </dgm:styleLbl>
+  <dgm:styleLbl name="node3">
+    <dgm:scene3d>
+      <a:camera prst="orthographicFront"/>
+      <a:lightRig rig="threePt" dir="t"/>
+    </dgm:scene3d>
+    <dgm:sp3d/>
+    <dgm:txPr/>
+    <dgm:style>
+      <a:lnRef idx="2">
+        <a:scrgbClr r="0" g="0" b="0"/>
+      </a:lnRef>
+      <a:fillRef idx="1">
+        <a:scrgbClr r="0" g="0" b="0"/>
+      </a:fillRef>
+      <a:effectRef idx="0">
+        <a:scrgbClr r="0" g="0" b="0"/>
+      </a:effectRef>
+      <a:fontRef idx="minor">
+        <a:schemeClr val="lt1"/>
+      </a:fontRef>
+    </dgm:style>
+  </dgm:styleLbl>
+  <dgm:styleLbl name="node4">
+    <dgm:scene3d>
+      <a:camera prst="orthographicFront"/>
+      <a:lightRig rig="threePt" dir="t"/>
+    </dgm:scene3d>
+    <dgm:sp3d/>
+    <dgm:txPr/>
+    <dgm:style>
+      <a:lnRef idx="2">
+        <a:scrgbClr r="0" g="0" b="0"/>
+      </a:lnRef>
+      <a:fillRef idx="1">
+        <a:scrgbClr r="0" g="0" b="0"/>
+      </a:fillRef>
+      <a:effectRef idx="0">
+        <a:scrgbClr r="0" g="0" b="0"/>
+      </a:effectRef>
+      <a:fontRef idx="minor">
+        <a:schemeClr val="lt1"/>
+      </a:fontRef>
+    </dgm:style>
+  </dgm:styleLbl>
+  <dgm:styleLbl name="fgImgPlace1">
+    <dgm:scene3d>
+      <a:camera prst="orthographicFront"/>
+      <a:lightRig rig="threePt" dir="t"/>
+    </dgm:scene3d>
+    <dgm:sp3d/>
+    <dgm:txPr/>
+    <dgm:style>
+      <a:lnRef idx="2">
+        <a:scrgbClr r="0" g="0" b="0"/>
+      </a:lnRef>
+      <a:fillRef idx="1">
+        <a:scrgbClr r="0" g="0" b="0"/>
+      </a:fillRef>
+      <a:effectRef idx="0">
+        <a:scrgbClr r="0" g="0" b="0"/>
+      </a:effectRef>
+      <a:fontRef idx="minor"/>
+    </dgm:style>
+  </dgm:styleLbl>
+  <dgm:styleLbl name="alignImgPlace1">
+    <dgm:scene3d>
+      <a:camera prst="orthographicFront"/>
+      <a:lightRig rig="threePt" dir="t"/>
+    </dgm:scene3d>
+    <dgm:sp3d/>
+    <dgm:txPr/>
+    <dgm:style>
+      <a:lnRef idx="2">
+        <a:scrgbClr r="0" g="0" b="0"/>
+      </a:lnRef>
+      <a:fillRef idx="1">
+        <a:scrgbClr r="0" g="0" b="0"/>
+      </a:fillRef>
+      <a:effectRef idx="0">
+        <a:scrgbClr r="0" g="0" b="0"/>
+      </a:effectRef>
+      <a:fontRef idx="minor"/>
+    </dgm:style>
+  </dgm:styleLbl>
+  <dgm:styleLbl name="bgImgPlace1">
+    <dgm:scene3d>
+      <a:camera prst="orthographicFront"/>
+      <a:lightRig rig="threePt" dir="t"/>
+    </dgm:scene3d>
+    <dgm:sp3d/>
+    <dgm:txPr/>
+    <dgm:style>
+      <a:lnRef idx="2">
+        <a:scrgbClr r="0" g="0" b="0"/>
+      </a:lnRef>
+      <a:fillRef idx="1">
+        <a:scrgbClr r="0" g="0" b="0"/>
+      </a:fillRef>
+      <a:effectRef idx="0">
+        <a:scrgbClr r="0" g="0" b="0"/>
+      </a:effectRef>
+      <a:fontRef idx="minor"/>
+    </dgm:style>
+  </dgm:styleLbl>
+  <dgm:styleLbl name="sibTrans2D1">
+    <dgm:scene3d>
+      <a:camera prst="orthographicFront"/>
+      <a:lightRig rig="threePt" dir="t"/>
+    </dgm:scene3d>
+    <dgm:sp3d/>
+    <dgm:txPr/>
+    <dgm:style>
+      <a:lnRef idx="0">
+        <a:scrgbClr r="0" g="0" b="0"/>
+      </a:lnRef>
+      <a:fillRef idx="1">
+        <a:scrgbClr r="0" g="0" b="0"/>
+      </a:fillRef>
+      <a:effectRef idx="0">
+        <a:scrgbClr r="0" g="0" b="0"/>
+      </a:effectRef>
+      <a:fontRef idx="minor">
+        <a:schemeClr val="lt1"/>
+      </a:fontRef>
+    </dgm:style>
+  </dgm:styleLbl>
+  <dgm:styleLbl name="fgSibTrans2D1">
+    <dgm:scene3d>
+      <a:camera prst="orthographicFront"/>
+      <a:lightRig rig="threePt" dir="t"/>
+    </dgm:scene3d>
+    <dgm:sp3d/>
+    <dgm:txPr/>
+    <dgm:style>
+      <a:lnRef idx="0">
+        <a:scrgbClr r="0" g="0" b="0"/>
+      </a:lnRef>
+      <a:fillRef idx="1">
+        <a:scrgbClr r="0" g="0" b="0"/>
+      </a:fillRef>
+      <a:effectRef idx="0">
+        <a:scrgbClr r="0" g="0" b="0"/>
+      </a:effectRef>
+      <a:fontRef idx="minor">
+        <a:schemeClr val="lt1"/>
+      </a:fontRef>
+    </dgm:style>
+  </dgm:styleLbl>
+  <dgm:styleLbl name="bgSibTrans2D1">
+    <dgm:scene3d>
+      <a:camera prst="orthographicFront"/>
+      <a:lightRig rig="threePt" dir="t"/>
+    </dgm:scene3d>
+    <dgm:sp3d/>
+    <dgm:txPr/>
+    <dgm:style>
+      <a:lnRef idx="0">
+        <a:scrgbClr r="0" g="0" b="0"/>
+      </a:lnRef>
+      <a:fillRef idx="1">
+        <a:scrgbClr r="0" g="0" b="0"/>
+      </a:fillRef>
+      <a:effectRef idx="0">
+        <a:scrgbClr r="0" g="0" b="0"/>
+      </a:effectRef>
+      <a:fontRef idx="minor">
+        <a:schemeClr val="lt1"/>
+      </a:fontRef>
+    </dgm:style>
+  </dgm:styleLbl>
+  <dgm:styleLbl name="sibTrans1D1">
+    <dgm:scene3d>
+      <a:camera prst="orthographicFront"/>
+      <a:lightRig rig="threePt" dir="t"/>
+    </dgm:scene3d>
+    <dgm:sp3d/>
+    <dgm:txPr/>
+    <dgm:style>
+      <a:lnRef idx="1">
+        <a:scrgbClr r="0" g="0" b="0"/>
+      </a:lnRef>
+      <a:fillRef idx="0">
+        <a:scrgbClr r="0" g="0" b="0"/>
+      </a:fillRef>
+      <a:effectRef idx="0">
+        <a:scrgbClr r="0" g="0" b="0"/>
+      </a:effectRef>
+      <a:fontRef idx="minor"/>
+    </dgm:style>
+  </dgm:styleLbl>
+  <dgm:styleLbl name="callout">
+    <dgm:scene3d>
+      <a:camera prst="orthographicFront"/>
+      <a:lightRig rig="threePt" dir="t"/>
+    </dgm:scene3d>
+    <dgm:sp3d/>
+    <dgm:txPr/>
+    <dgm:style>
+      <a:lnRef idx="2">
+        <a:scrgbClr r="0" g="0" b="0"/>
+      </a:lnRef>
+      <a:fillRef idx="1">
+        <a:scrgbClr r="0" g="0" b="0"/>
+      </a:fillRef>
+      <a:effectRef idx="0">
+        <a:scrgbClr r="0" g="0" b="0"/>
+      </a:effectRef>
+      <a:fontRef idx="minor"/>
+    </dgm:style>
+  </dgm:styleLbl>
+  <dgm:styleLbl name="asst0">
+    <dgm:scene3d>
+      <a:camera prst="orthographicFront"/>
+      <a:lightRig rig="threePt" dir="t"/>
+    </dgm:scene3d>
+    <dgm:sp3d/>
+    <dgm:txPr/>
+    <dgm:style>
+      <a:lnRef idx="2">
+        <a:scrgbClr r="0" g="0" b="0"/>
+      </a:lnRef>
+      <a:fillRef idx="1">
+        <a:scrgbClr r="0" g="0" b="0"/>
+      </a:fillRef>
+      <a:effectRef idx="0">
+        <a:scrgbClr r="0" g="0" b="0"/>
+      </a:effectRef>
+      <a:fontRef idx="minor">
+        <a:schemeClr val="lt1"/>
+      </a:fontRef>
+    </dgm:style>
+  </dgm:styleLbl>
+  <dgm:styleLbl name="asst1">
+    <dgm:scene3d>
+      <a:camera prst="orthographicFront"/>
+      <a:lightRig rig="threePt" dir="t"/>
+    </dgm:scene3d>
+    <dgm:sp3d/>
+    <dgm:txPr/>
+    <dgm:style>
+      <a:lnRef idx="2">
+        <a:scrgbClr r="0" g="0" b="0"/>
+      </a:lnRef>
+      <a:fillRef idx="1">
+        <a:scrgbClr r="0" g="0" b="0"/>
+      </a:fillRef>
+      <a:effectRef idx="0">
+        <a:scrgbClr r="0" g="0" b="0"/>
+      </a:effectRef>
+      <a:fontRef idx="minor">
+        <a:schemeClr val="lt1"/>
+      </a:fontRef>
+    </dgm:style>
+  </dgm:styleLbl>
+  <dgm:styleLbl name="asst2">
+    <dgm:scene3d>
+      <a:camera prst="orthographicFront"/>
+      <a:lightRig rig="threePt" dir="t"/>
+    </dgm:scene3d>
+    <dgm:sp3d/>
+    <dgm:txPr/>
+    <dgm:style>
+      <a:lnRef idx="2">
+        <a:scrgbClr r="0" g="0" b="0"/>
+      </a:lnRef>
+      <a:fillRef idx="1">
+        <a:scrgbClr r="0" g="0" b="0"/>
+      </a:fillRef>
+      <a:effectRef idx="0">
+        <a:scrgbClr r="0" g="0" b="0"/>
+      </a:effectRef>
+      <a:fontRef idx="minor">
+        <a:schemeClr val="lt1"/>
+      </a:fontRef>
+    </dgm:style>
+  </dgm:styleLbl>
+  <dgm:styleLbl name="asst3">
+    <dgm:scene3d>
+      <a:camera prst="orthographicFront"/>
+      <a:lightRig rig="threePt" dir="t"/>
+    </dgm:scene3d>
+    <dgm:sp3d/>
+    <dgm:txPr/>
+    <dgm:style>
+      <a:lnRef idx="2">
+        <a:scrgbClr r="0" g="0" b="0"/>
+      </a:lnRef>
+      <a:fillRef idx="1">
+        <a:scrgbClr r="0" g="0" b="0"/>
+      </a:fillRef>
+      <a:effectRef idx="0">
+        <a:scrgbClr r="0" g="0" b="0"/>
+      </a:effectRef>
+      <a:fontRef idx="minor">
+        <a:schemeClr val="lt1"/>
+      </a:fontRef>
+    </dgm:style>
+  </dgm:styleLbl>
+  <dgm:styleLbl name="asst4">
+    <dgm:scene3d>
+      <a:camera prst="orthographicFront"/>
+      <a:lightRig rig="threePt" dir="t"/>
+    </dgm:scene3d>
+    <dgm:sp3d/>
+    <dgm:txPr/>
+    <dgm:style>
+      <a:lnRef idx="2">
+        <a:scrgbClr r="0" g="0" b="0"/>
+      </a:lnRef>
+      <a:fillRef idx="1">
+        <a:scrgbClr r="0" g="0" b="0"/>
+      </a:fillRef>
+      <a:effectRef idx="0">
+        <a:scrgbClr r="0" g="0" b="0"/>
+      </a:effectRef>
+      <a:fontRef idx="minor">
+        <a:schemeClr val="lt1"/>
+      </a:fontRef>
+    </dgm:style>
+  </dgm:styleLbl>
+  <dgm:styleLbl name="parChTrans2D1">
+    <dgm:scene3d>
+      <a:camera prst="orthographicFront"/>
+      <a:lightRig rig="threePt" dir="t"/>
+    </dgm:scene3d>
+    <dgm:sp3d/>
+    <dgm:txPr/>
+    <dgm:style>
+      <a:lnRef idx="2">
+        <a:scrgbClr r="0" g="0" b="0"/>
+      </a:lnRef>
+      <a:fillRef idx="1">
+        <a:scrgbClr r="0" g="0" b="0"/>
+      </a:fillRef>
+      <a:effectRef idx="0">
+        <a:scrgbClr r="0" g="0" b="0"/>
+      </a:effectRef>
+      <a:fontRef idx="minor">
+        <a:schemeClr val="lt1"/>
+      </a:fontRef>
+    </dgm:style>
+  </dgm:styleLbl>
+  <dgm:styleLbl name="parChTrans2D2">
+    <dgm:scene3d>
+      <a:camera prst="orthographicFront"/>
+      <a:lightRig rig="threePt" dir="t"/>
+    </dgm:scene3d>
+    <dgm:sp3d/>
+    <dgm:txPr/>
+    <dgm:style>
+      <a:lnRef idx="2">
+        <a:scrgbClr r="0" g="0" b="0"/>
+      </a:lnRef>
+      <a:fillRef idx="1">
+        <a:scrgbClr r="0" g="0" b="0"/>
+      </a:fillRef>
+      <a:effectRef idx="0">
+        <a:scrgbClr r="0" g="0" b="0"/>
+      </a:effectRef>
+      <a:fontRef idx="minor">
+        <a:schemeClr val="lt1"/>
+      </a:fontRef>
+    </dgm:style>
+  </dgm:styleLbl>
+  <dgm:styleLbl name="parChTrans2D3">
+    <dgm:scene3d>
+      <a:camera prst="orthographicFront"/>
+      <a:lightRig rig="threePt" dir="t"/>
+    </dgm:scene3d>
+    <dgm:sp3d/>
+    <dgm:txPr/>
+    <dgm:style>
+      <a:lnRef idx="2">
+        <a:scrgbClr r="0" g="0" b="0"/>
+      </a:lnRef>
+      <a:fillRef idx="1">
+        <a:scrgbClr r="0" g="0" b="0"/>
+      </a:fillRef>
+      <a:effectRef idx="0">
+        <a:scrgbClr r="0" g="0" b="0"/>
+      </a:effectRef>
+      <a:fontRef idx="minor">
+        <a:schemeClr val="lt1"/>
+      </a:fontRef>
+    </dgm:style>
+  </dgm:styleLbl>
+  <dgm:styleLbl name="parChTrans2D4">
+    <dgm:scene3d>
+      <a:camera prst="orthographicFront"/>
+      <a:lightRig rig="threePt" dir="t"/>
+    </dgm:scene3d>
+    <dgm:sp3d/>
+    <dgm:txPr/>
+    <dgm:style>
+      <a:lnRef idx="2">
+        <a:scrgbClr r="0" g="0" b="0"/>
+      </a:lnRef>
+      <a:fillRef idx="1">
+        <a:scrgbClr r="0" g="0" b="0"/>
+      </a:fillRef>
+      <a:effectRef idx="0">
+        <a:scrgbClr r="0" g="0" b="0"/>
+      </a:effectRef>
+      <a:fontRef idx="minor">
+        <a:schemeClr val="lt1"/>
+      </a:fontRef>
+    </dgm:style>
+  </dgm:styleLbl>
+  <dgm:styleLbl name="parChTrans1D1">
+    <dgm:scene3d>
+      <a:camera prst="orthographicFront"/>
+      <a:lightRig rig="threePt" dir="t"/>
+    </dgm:scene3d>
+    <dgm:sp3d/>
+    <dgm:txPr/>
+    <dgm:style>
+      <a:lnRef idx="2">
+        <a:scrgbClr r="0" g="0" b="0"/>
+      </a:lnRef>
+      <a:fillRef idx="0">
+        <a:scrgbClr r="0" g="0" b="0"/>
+      </a:fillRef>
+      <a:effectRef idx="0">
+        <a:scrgbClr r="0" g="0" b="0"/>
+      </a:effectRef>
+      <a:fontRef idx="minor"/>
+    </dgm:style>
+  </dgm:styleLbl>
+  <dgm:styleLbl name="parChTrans1D2">
+    <dgm:scene3d>
+      <a:camera prst="orthographicFront"/>
+      <a:lightRig rig="threePt" dir="t"/>
+    </dgm:scene3d>
+    <dgm:sp3d/>
+    <dgm:txPr/>
+    <dgm:style>
+      <a:lnRef idx="2">
+        <a:scrgbClr r="0" g="0" b="0"/>
+      </a:lnRef>
+      <a:fillRef idx="0">
+        <a:scrgbClr r="0" g="0" b="0"/>
+      </a:fillRef>
+      <a:effectRef idx="0">
+        <a:scrgbClr r="0" g="0" b="0"/>
+      </a:effectRef>
+      <a:fontRef idx="minor"/>
+    </dgm:style>
+  </dgm:styleLbl>
+  <dgm:styleLbl name="parChTrans1D3">
+    <dgm:scene3d>
+      <a:camera prst="orthographicFront"/>
+      <a:lightRig rig="threePt" dir="t"/>
+    </dgm:scene3d>
+    <dgm:sp3d/>
+    <dgm:txPr/>
+    <dgm:style>
+      <a:lnRef idx="2">
+        <a:scrgbClr r="0" g="0" b="0"/>
+      </a:lnRef>
+      <a:fillRef idx="0">
+        <a:scrgbClr r="0" g="0" b="0"/>
+      </a:fillRef>
+      <a:effectRef idx="0">
+        <a:scrgbClr r="0" g="0" b="0"/>
+      </a:effectRef>
+      <a:fontRef idx="minor"/>
+    </dgm:style>
+  </dgm:styleLbl>
+  <dgm:styleLbl name="parChTrans1D4">
+    <dgm:scene3d>
+      <a:camera prst="orthographicFront"/>
+      <a:lightRig rig="threePt" dir="t"/>
+    </dgm:scene3d>
+    <dgm:sp3d/>
+    <dgm:txPr/>
+    <dgm:style>
+      <a:lnRef idx="2">
+        <a:scrgbClr r="0" g="0" b="0"/>
+      </a:lnRef>
+      <a:fillRef idx="0">
+        <a:scrgbClr r="0" g="0" b="0"/>
+      </a:fillRef>
+      <a:effectRef idx="0">
+        <a:scrgbClr r="0" g="0" b="0"/>
+      </a:effectRef>
+      <a:fontRef idx="minor"/>
+    </dgm:style>
+  </dgm:styleLbl>
+  <dgm:styleLbl name="fgAcc1">
+    <dgm:scene3d>
+      <a:camera prst="orthographicFront"/>
+      <a:lightRig rig="threePt" dir="t"/>
+    </dgm:scene3d>
+    <dgm:sp3d/>
+    <dgm:txPr/>
+    <dgm:style>
+      <a:lnRef idx="2">
+        <a:scrgbClr r="0" g="0" b="0"/>
+      </a:lnRef>
+      <a:fillRef idx="1">
+        <a:scrgbClr r="0" g="0" b="0"/>
+      </a:fillRef>
+      <a:effectRef idx="0">
+        <a:scrgbClr r="0" g="0" b="0"/>
+      </a:effectRef>
+      <a:fontRef idx="minor"/>
+    </dgm:style>
+  </dgm:styleLbl>
+  <dgm:styleLbl name="conFgAcc1">
+    <dgm:scene3d>
+      <a:camera prst="orthographicFront"/>
+      <a:lightRig rig="threePt" dir="t"/>
+    </dgm:scene3d>
+    <dgm:sp3d/>
+    <dgm:txPr/>
+    <dgm:style>
+      <a:lnRef idx="2">
+        <a:scrgbClr r="0" g="0" b="0"/>
+      </a:lnRef>
+      <a:fillRef idx="1">
+        <a:scrgbClr r="0" g="0" b="0"/>
+      </a:fillRef>
+      <a:effectRef idx="0">
+        <a:scrgbClr r="0" g="0" b="0"/>
+      </a:effectRef>
+      <a:fontRef idx="minor"/>
+    </dgm:style>
+  </dgm:styleLbl>
+  <dgm:styleLbl name="alignAcc1">
+    <dgm:scene3d>
+      <a:camera prst="orthographicFront"/>
+      <a:lightRig rig="threePt" dir="t"/>
+    </dgm:scene3d>
+    <dgm:sp3d/>
+    <dgm:txPr/>
+    <dgm:style>
+      <a:lnRef idx="2">
+        <a:scrgbClr r="0" g="0" b="0"/>
+      </a:lnRef>
+      <a:fillRef idx="1">
+        <a:scrgbClr r="0" g="0" b="0"/>
+      </a:fillRef>
+      <a:effectRef idx="0">
+        <a:scrgbClr r="0" g="0" b="0"/>
+      </a:effectRef>
+      <a:fontRef idx="minor"/>
+    </dgm:style>
+  </dgm:styleLbl>
+  <dgm:styleLbl name="trAlignAcc1">
+    <dgm:scene3d>
+      <a:camera prst="orthographicFront"/>
+      <a:lightRig rig="threePt" dir="t"/>
+    </dgm:scene3d>
+    <dgm:sp3d/>
+    <dgm:txPr/>
+    <dgm:style>
+      <a:lnRef idx="1">
+        <a:scrgbClr r="0" g="0" b="0"/>
+      </a:lnRef>
+      <a:fillRef idx="1">
+        <a:scrgbClr r="0" g="0" b="0"/>
+      </a:fillRef>
+      <a:effectRef idx="0">
+        <a:scrgbClr r="0" g="0" b="0"/>
+      </a:effectRef>
+      <a:fontRef idx="minor"/>
+    </dgm:style>
+  </dgm:styleLbl>
+  <dgm:styleLbl name="bgAcc1">
+    <dgm:scene3d>
+      <a:camera prst="orthographicFront"/>
+      <a:lightRig rig="threePt" dir="t"/>
+    </dgm:scene3d>
+    <dgm:sp3d/>
+    <dgm:txPr/>
+    <dgm:style>
+      <a:lnRef idx="2">
+        <a:scrgbClr r="0" g="0" b="0"/>
+      </a:lnRef>
+      <a:fillRef idx="1">
+        <a:scrgbClr r="0" g="0" b="0"/>
+      </a:fillRef>
+      <a:effectRef idx="0">
+        <a:scrgbClr r="0" g="0" b="0"/>
+      </a:effectRef>
+      <a:fontRef idx="minor"/>
+    </dgm:style>
+  </dgm:styleLbl>
+  <dgm:styleLbl name="solidFgAcc1">
+    <dgm:scene3d>
+      <a:camera prst="orthographicFront"/>
+      <a:lightRig rig="threePt" dir="t"/>
+    </dgm:scene3d>
+    <dgm:sp3d/>
+    <dgm:txPr/>
+    <dgm:style>
+      <a:lnRef idx="2">
+        <a:scrgbClr r="0" g="0" b="0"/>
+      </a:lnRef>
+      <a:fillRef idx="1">
+        <a:scrgbClr r="0" g="0" b="0"/>
+      </a:fillRef>
+      <a:effectRef idx="0">
+        <a:scrgbClr r="0" g="0" b="0"/>
+      </a:effectRef>
+      <a:fontRef idx="minor"/>
+    </dgm:style>
+  </dgm:styleLbl>
+  <dgm:styleLbl name="solidAlignAcc1">
+    <dgm:scene3d>
+      <a:camera prst="orthographicFront"/>
+      <a:lightRig rig="threePt" dir="t"/>
+    </dgm:scene3d>
+    <dgm:sp3d/>
+    <dgm:txPr/>
+    <dgm:style>
+      <a:lnRef idx="2">
+        <a:scrgbClr r="0" g="0" b="0"/>
+      </a:lnRef>
+      <a:fillRef idx="1">
+        <a:scrgbClr r="0" g="0" b="0"/>
+      </a:fillRef>
+      <a:effectRef idx="0">
+        <a:scrgbClr r="0" g="0" b="0"/>
+      </a:effectRef>
+      <a:fontRef idx="minor"/>
+    </dgm:style>
+  </dgm:styleLbl>
+  <dgm:styleLbl name="solidBgAcc1">
+    <dgm:scene3d>
+      <a:camera prst="orthographicFront"/>
+      <a:lightRig rig="threePt" dir="t"/>
+    </dgm:scene3d>
+    <dgm:sp3d/>
+    <dgm:txPr/>
+    <dgm:style>
+      <a:lnRef idx="2">
+        <a:scrgbClr r="0" g="0" b="0"/>
+      </a:lnRef>
+      <a:fillRef idx="1">
+        <a:scrgbClr r="0" g="0" b="0"/>
+      </a:fillRef>
+      <a:effectRef idx="0">
+        <a:scrgbClr r="0" g="0" b="0"/>
+      </a:effectRef>
+      <a:fontRef idx="minor"/>
+    </dgm:style>
+  </dgm:styleLbl>
+  <dgm:styleLbl name="fgAccFollowNode1">
+    <dgm:scene3d>
+      <a:camera prst="orthographicFront"/>
+      <a:lightRig rig="threePt" dir="t"/>
+    </dgm:scene3d>
+    <dgm:sp3d/>
+    <dgm:txPr/>
+    <dgm:style>
+      <a:lnRef idx="2">
+        <a:scrgbClr r="0" g="0" b="0"/>
+      </a:lnRef>
+      <a:fillRef idx="1">
+        <a:scrgbClr r="0" g="0" b="0"/>
+      </a:fillRef>
+      <a:effectRef idx="0">
+        <a:scrgbClr r="0" g="0" b="0"/>
+      </a:effectRef>
+      <a:fontRef idx="minor"/>
+    </dgm:style>
+  </dgm:styleLbl>
+  <dgm:styleLbl name="alignAccFollowNode1">
+    <dgm:scene3d>
+      <a:camera prst="orthographicFront"/>
+      <a:lightRig rig="threePt" dir="t"/>
+    </dgm:scene3d>
+    <dgm:sp3d/>
+    <dgm:txPr/>
+    <dgm:style>
+      <a:lnRef idx="2">
+        <a:scrgbClr r="0" g="0" b="0"/>
+      </a:lnRef>
+      <a:fillRef idx="1">
+        <a:scrgbClr r="0" g="0" b="0"/>
+      </a:fillRef>
+      <a:effectRef idx="0">
+        <a:scrgbClr r="0" g="0" b="0"/>
+      </a:effectRef>
+      <a:fontRef idx="minor"/>
+    </dgm:style>
+  </dgm:styleLbl>
+  <dgm:styleLbl name="bgAccFollowNode1">
+    <dgm:scene3d>
+      <a:camera prst="orthographicFront"/>
+      <a:lightRig rig="threePt" dir="t"/>
+    </dgm:scene3d>
+    <dgm:sp3d/>
+    <dgm:txPr/>
+    <dgm:style>
+      <a:lnRef idx="2">
+        <a:scrgbClr r="0" g="0" b="0"/>
+      </a:lnRef>
+      <a:fillRef idx="1">
+        <a:scrgbClr r="0" g="0" b="0"/>
+      </a:fillRef>
+      <a:effectRef idx="0">
+        <a:scrgbClr r="0" g="0" b="0"/>
+      </a:effectRef>
+      <a:fontRef idx="minor"/>
+    </dgm:style>
+  </dgm:styleLbl>
+  <dgm:styleLbl name="fgAcc0">
+    <dgm:scene3d>
+      <a:camera prst="orthographicFront"/>
+      <a:lightRig rig="threePt" dir="t"/>
+    </dgm:scene3d>
+    <dgm:sp3d/>
+    <dgm:txPr/>
+    <dgm:style>
+      <a:lnRef idx="2">
+        <a:scrgbClr r="0" g="0" b="0"/>
+      </a:lnRef>
+      <a:fillRef idx="1">
+        <a:scrgbClr r="0" g="0" b="0"/>
+      </a:fillRef>
+      <a:effectRef idx="0">
+        <a:scrgbClr r="0" g="0" b="0"/>
+      </a:effectRef>
+      <a:fontRef idx="minor"/>
+    </dgm:style>
+  </dgm:styleLbl>
+  <dgm:styleLbl name="fgAcc2">
+    <dgm:scene3d>
+      <a:camera prst="orthographicFront"/>
+      <a:lightRig rig="threePt" dir="t"/>
+    </dgm:scene3d>
+    <dgm:sp3d/>
+    <dgm:txPr/>
+    <dgm:style>
+      <a:lnRef idx="2">
+        <a:scrgbClr r="0" g="0" b="0"/>
+      </a:lnRef>
+      <a:fillRef idx="1">
+        <a:scrgbClr r="0" g="0" b="0"/>
+      </a:fillRef>
+      <a:effectRef idx="0">
+        <a:scrgbClr r="0" g="0" b="0"/>
+      </a:effectRef>
+      <a:fontRef idx="minor"/>
+    </dgm:style>
+  </dgm:styleLbl>
+  <dgm:styleLbl name="fgAcc3">
+    <dgm:scene3d>
+      <a:camera prst="orthographicFront"/>
+      <a:lightRig rig="threePt" dir="t"/>
+    </dgm:scene3d>
+    <dgm:sp3d/>
+    <dgm:txPr/>
+    <dgm:style>
+      <a:lnRef idx="2">
+        <a:scrgbClr r="0" g="0" b="0"/>
+      </a:lnRef>
+      <a:fillRef idx="1">
+        <a:scrgbClr r="0" g="0" b="0"/>
+      </a:fillRef>
+      <a:effectRef idx="0">
+        <a:scrgbClr r="0" g="0" b="0"/>
+      </a:effectRef>
+      <a:fontRef idx="minor"/>
+    </dgm:style>
+  </dgm:styleLbl>
+  <dgm:styleLbl name="fgAcc4">
+    <dgm:scene3d>
+      <a:camera prst="orthographicFront"/>
+      <a:lightRig rig="threePt" dir="t"/>
+    </dgm:scene3d>
+    <dgm:sp3d/>
+    <dgm:txPr/>
+    <dgm:style>
+      <a:lnRef idx="2">
+        <a:scrgbClr r="0" g="0" b="0"/>
+      </a:lnRef>
+      <a:fillRef idx="1">
+        <a:scrgbClr r="0" g="0" b="0"/>
+      </a:fillRef>
+      <a:effectRef idx="0">
+        <a:scrgbClr r="0" g="0" b="0"/>
+      </a:effectRef>
+      <a:fontRef idx="minor"/>
+    </dgm:style>
+  </dgm:styleLbl>
+  <dgm:styleLbl name="bgShp">
+    <dgm:scene3d>
+      <a:camera prst="orthographicFront"/>
+      <a:lightRig rig="threePt" dir="t"/>
+    </dgm:scene3d>
+    <dgm:sp3d/>
+    <dgm:txPr/>
+    <dgm:style>
+      <a:lnRef idx="0">
+        <a:scrgbClr r="0" g="0" b="0"/>
+      </a:lnRef>
+      <a:fillRef idx="1">
+        <a:scrgbClr r="0" g="0" b="0"/>
+      </a:fillRef>
+      <a:effectRef idx="0">
+        <a:scrgbClr r="0" g="0" b="0"/>
+      </a:effectRef>
+      <a:fontRef idx="minor"/>
+    </dgm:style>
+  </dgm:styleLbl>
+  <dgm:styleLbl name="dkBgShp">
+    <dgm:scene3d>
+      <a:camera prst="orthographicFront"/>
+      <a:lightRig rig="threePt" dir="t"/>
+    </dgm:scene3d>
+    <dgm:sp3d/>
+    <dgm:txPr/>
+    <dgm:style>
+      <a:lnRef idx="0">
+        <a:scrgbClr r="0" g="0" b="0"/>
+      </a:lnRef>
+      <a:fillRef idx="1">
+        <a:scrgbClr r="0" g="0" b="0"/>
+      </a:fillRef>
+      <a:effectRef idx="0">
+        <a:scrgbClr r="0" g="0" b="0"/>
+      </a:effectRef>
+      <a:fontRef idx="minor"/>
+    </dgm:style>
+  </dgm:styleLbl>
+  <dgm:styleLbl name="trBgShp">
+    <dgm:scene3d>
+      <a:camera prst="orthographicFront"/>
+      <a:lightRig rig="threePt" dir="t"/>
+    </dgm:scene3d>
+    <dgm:sp3d/>
+    <dgm:txPr/>
+    <dgm:style>
+      <a:lnRef idx="0">
+        <a:scrgbClr r="0" g="0" b="0"/>
+      </a:lnRef>
+      <a:fillRef idx="1">
+        <a:scrgbClr r="0" g="0" b="0"/>
+      </a:fillRef>
+      <a:effectRef idx="0">
+        <a:scrgbClr r="0" g="0" b="0"/>
+      </a:effectRef>
+      <a:fontRef idx="minor"/>
+    </dgm:style>
+  </dgm:styleLbl>
+  <dgm:styleLbl name="fgShp">
+    <dgm:scene3d>
+      <a:camera prst="orthographicFront"/>
+      <a:lightRig rig="threePt" dir="t"/>
+    </dgm:scene3d>
+    <dgm:sp3d/>
+    <dgm:txPr/>
+    <dgm:style>
+      <a:lnRef idx="2">
+        <a:scrgbClr r="0" g="0" b="0"/>
+      </a:lnRef>
+      <a:fillRef idx="1">
+        <a:scrgbClr r="0" g="0" b="0"/>
+      </a:fillRef>
+      <a:effectRef idx="0">
+        <a:scrgbClr r="0" g="0" b="0"/>
+      </a:effectRef>
+      <a:fontRef idx="minor"/>
+    </dgm:style>
+  </dgm:styleLbl>
+  <dgm:styleLbl name="revTx">
+    <dgm:scene3d>
+      <a:camera prst="orthographicFront"/>
+      <a:lightRig rig="threePt" dir="t"/>
+    </dgm:scene3d>
+    <dgm:sp3d/>
+    <dgm:txPr/>
+    <dgm:style>
+      <a:lnRef idx="0">
+        <a:scrgbClr r="0" g="0" b="0"/>
+      </a:lnRef>
+      <a:fillRef idx="0">
+        <a:scrgbClr r="0" g="0" b="0"/>
+      </a:fillRef>
+      <a:effectRef idx="0">
+        <a:scrgbClr r="0" g="0" b="0"/>
+      </a:effectRef>
+      <a:fontRef idx="minor"/>
+    </dgm:style>
+  </dgm:styleLbl>
+</dgm:styleDef>
+</file>
+
 <file path=ppt/notesMasters/notesMaster1.xml><?xml version="1.0" encoding="utf-8"?>
 <p:notesMaster xmlns:a="http://schemas.openxmlformats.org/drawingml/2006/main" xmlns:r="http://schemas.openxmlformats.org/officeDocument/2006/relationships" xmlns:p="http://schemas.openxmlformats.org/presentationml/2006/main">
   <p:cSld>
@@ -213,7 +3251,7 @@
           <a:p>
             <a:fld id="{67E85EC3-063F-4E2F-8E3D-55899D9A6F51}" type="datetimeFigureOut">
               <a:rPr lang="en-US" smtClean="0"/>
-              <a:t>11/9/21</a:t>
+              <a:t>11/16/21</a:t>
             </a:fld>
             <a:endParaRPr lang="en-US"/>
           </a:p>
@@ -526,7 +3564,7 @@
           <a:p>
             <a:r>
               <a:rPr lang="en-US" dirty="0"/>
-              <a:t>https://en.wikipedia.org/wiki/Arthur_Samuel American Computer Scientist who popularized the term “Machine Learning” in 1959</a:t>
+              <a:t>Hi, my name is Vincent, and today we’ll be doing a topic discussion on Machine Learning and do a mini group exercise predicting housing prices in Salt Lake City to apply our learnings!</a:t>
             </a:r>
           </a:p>
         </p:txBody>
@@ -548,7 +3586,7 @@
           <a:p>
             <a:fld id="{19152E11-536D-45FF-9EF4-BD18D9D0329E}" type="slidenum">
               <a:rPr lang="en-US" smtClean="0"/>
-              <a:t>2</a:t>
+              <a:t>1</a:t>
             </a:fld>
             <a:endParaRPr lang="en-US"/>
           </a:p>
@@ -557,7 +3595,119 @@
     </p:spTree>
     <p:extLst>
       <p:ext uri="{BB962C8B-B14F-4D97-AF65-F5344CB8AC3E}">
-        <p14:creationId xmlns:p14="http://schemas.microsoft.com/office/powerpoint/2010/main" val="536308541"/>
+        <p14:creationId xmlns:p14="http://schemas.microsoft.com/office/powerpoint/2010/main" val="3960601630"/>
+      </p:ext>
+    </p:extLst>
+  </p:cSld>
+  <p:clrMapOvr>
+    <a:masterClrMapping/>
+  </p:clrMapOvr>
+</p:notes>
+</file>
+
+<file path=ppt/notesSlides/notesSlide10.xml><?xml version="1.0" encoding="utf-8"?>
+<p:notes xmlns:a="http://schemas.openxmlformats.org/drawingml/2006/main" xmlns:r="http://schemas.openxmlformats.org/officeDocument/2006/relationships" xmlns:p="http://schemas.openxmlformats.org/presentationml/2006/main">
+  <p:cSld>
+    <p:spTree>
+      <p:nvGrpSpPr>
+        <p:cNvPr id="1" name=""/>
+        <p:cNvGrpSpPr/>
+        <p:nvPr/>
+      </p:nvGrpSpPr>
+      <p:grpSpPr>
+        <a:xfrm>
+          <a:off x="0" y="0"/>
+          <a:ext cx="0" cy="0"/>
+          <a:chOff x="0" y="0"/>
+          <a:chExt cx="0" cy="0"/>
+        </a:xfrm>
+      </p:grpSpPr>
+      <p:sp>
+        <p:nvSpPr>
+          <p:cNvPr id="2" name="Slide Image Placeholder 1"/>
+          <p:cNvSpPr>
+            <a:spLocks noGrp="1" noRot="1" noChangeAspect="1"/>
+          </p:cNvSpPr>
+          <p:nvPr>
+            <p:ph type="sldImg"/>
+          </p:nvPr>
+        </p:nvSpPr>
+        <p:spPr/>
+      </p:sp>
+      <p:sp>
+        <p:nvSpPr>
+          <p:cNvPr id="3" name="Notes Placeholder 2"/>
+          <p:cNvSpPr>
+            <a:spLocks noGrp="1"/>
+          </p:cNvSpPr>
+          <p:nvPr>
+            <p:ph type="body" idx="1"/>
+          </p:nvPr>
+        </p:nvSpPr>
+        <p:spPr/>
+        <p:txBody>
+          <a:bodyPr/>
+          <a:lstStyle/>
+          <a:p>
+            <a:pPr marL="0" marR="0" lvl="0" indent="0" algn="l" defTabSz="914400" rtl="0" eaLnBrk="1" fontAlgn="auto" latinLnBrk="0" hangingPunct="1">
+              <a:lnSpc>
+                <a:spcPct val="100000"/>
+              </a:lnSpc>
+              <a:spcBef>
+                <a:spcPts val="0"/>
+              </a:spcBef>
+              <a:spcAft>
+                <a:spcPts val="0"/>
+              </a:spcAft>
+              <a:buClrTx/>
+              <a:buSzTx/>
+              <a:buFontTx/>
+              <a:buNone/>
+              <a:tabLst/>
+              <a:defRPr/>
+            </a:pPr>
+            <a:r>
+              <a:rPr lang="en-US" dirty="0">
+                <a:solidFill>
+                  <a:srgbClr val="000000"/>
+                </a:solidFill>
+                <a:latin typeface="Calibri" panose="020F0502020204030204" pitchFamily="34" charset="0"/>
+              </a:rPr>
+              <a:t>1589 S 1500 E, Salt Lake City, UT 84105</a:t>
+            </a:r>
+          </a:p>
+          <a:p>
+            <a:endParaRPr lang="en-US" dirty="0"/>
+          </a:p>
+        </p:txBody>
+      </p:sp>
+      <p:sp>
+        <p:nvSpPr>
+          <p:cNvPr id="4" name="Slide Number Placeholder 3"/>
+          <p:cNvSpPr>
+            <a:spLocks noGrp="1"/>
+          </p:cNvSpPr>
+          <p:nvPr>
+            <p:ph type="sldNum" sz="quarter" idx="5"/>
+          </p:nvPr>
+        </p:nvSpPr>
+        <p:spPr/>
+        <p:txBody>
+          <a:bodyPr/>
+          <a:lstStyle/>
+          <a:p>
+            <a:fld id="{19152E11-536D-45FF-9EF4-BD18D9D0329E}" type="slidenum">
+              <a:rPr lang="en-US" smtClean="0"/>
+              <a:t>16</a:t>
+            </a:fld>
+            <a:endParaRPr lang="en-US"/>
+          </a:p>
+        </p:txBody>
+      </p:sp>
+    </p:spTree>
+    <p:extLst>
+      <p:ext uri="{BB962C8B-B14F-4D97-AF65-F5344CB8AC3E}">
+        <p14:creationId xmlns:p14="http://schemas.microsoft.com/office/powerpoint/2010/main" val="968802983"/>
       </p:ext>
     </p:extLst>
   </p:cSld>
@@ -611,28 +3761,10 @@
           <a:bodyPr/>
           <a:lstStyle/>
           <a:p>
-            <a:pPr marL="228600" indent="-228600">
-              <a:buAutoNum type="arabicPeriod"/>
-            </a:pPr>
             <a:r>
               <a:rPr lang="en-US" dirty="0"/>
-              <a:t>Netflix: https://towardsdatascience.com/deep-dive-into-netflixs-recommender-system-341806ae3b48</a:t>
+              <a:t>https://en.wikipedia.org/wiki/Arthur_Samuel American Computer Scientist who popularized the term “Machine Learning” in 1959</a:t>
             </a:r>
-          </a:p>
-          <a:p>
-            <a:pPr marL="228600" indent="-228600">
-              <a:buAutoNum type="arabicPeriod"/>
-            </a:pPr>
-            <a:r>
-              <a:rPr lang="en-US" dirty="0"/>
-              <a:t>Spotify: </a:t>
-            </a:r>
-          </a:p>
-          <a:p>
-            <a:pPr marL="228600" indent="-228600">
-              <a:buAutoNum type="arabicPeriod"/>
-            </a:pPr>
-            <a:endParaRPr lang="en-US" dirty="0"/>
           </a:p>
         </p:txBody>
       </p:sp>
@@ -662,7 +3794,7 @@
     </p:spTree>
     <p:extLst>
       <p:ext uri="{BB962C8B-B14F-4D97-AF65-F5344CB8AC3E}">
-        <p14:creationId xmlns:p14="http://schemas.microsoft.com/office/powerpoint/2010/main" val="874676129"/>
+        <p14:creationId xmlns:p14="http://schemas.microsoft.com/office/powerpoint/2010/main" val="536308541"/>
       </p:ext>
     </p:extLst>
   </p:cSld>
@@ -716,18 +3848,12 @@
           <a:bodyPr/>
           <a:lstStyle/>
           <a:p>
-            <a:r>
-              <a:rPr lang="en-US" dirty="0"/>
-              <a:t>Bonus Question</a:t>
-            </a:r>
-          </a:p>
-          <a:p>
             <a:pPr marL="228600" indent="-228600">
               <a:buAutoNum type="arabicPeriod"/>
             </a:pPr>
             <a:r>
               <a:rPr lang="en-US" dirty="0"/>
-              <a:t>What does the model presented in (A) suggest about the relationship between square feet and sales price?</a:t>
+              <a:t>Netflix: https://towardsdatascience.com/deep-dive-into-netflixs-recommender-system-341806ae3b48</a:t>
             </a:r>
           </a:p>
           <a:p>
@@ -736,8 +3862,14 @@
             </a:pPr>
             <a:r>
               <a:rPr lang="en-US" dirty="0"/>
-              <a:t>What does the model presented in © suggest about the relationship between square feet and sales price?</a:t>
+              <a:t>Spotify: </a:t>
             </a:r>
+          </a:p>
+          <a:p>
+            <a:pPr marL="228600" indent="-228600">
+              <a:buAutoNum type="arabicPeriod"/>
+            </a:pPr>
+            <a:endParaRPr lang="en-US" dirty="0"/>
           </a:p>
         </p:txBody>
       </p:sp>
@@ -758,7 +3890,7 @@
           <a:p>
             <a:fld id="{19152E11-536D-45FF-9EF4-BD18D9D0329E}" type="slidenum">
               <a:rPr lang="en-US" smtClean="0"/>
-              <a:t>7</a:t>
+              <a:t>4</a:t>
             </a:fld>
             <a:endParaRPr lang="en-US"/>
           </a:p>
@@ -767,7 +3899,7 @@
     </p:spTree>
     <p:extLst>
       <p:ext uri="{BB962C8B-B14F-4D97-AF65-F5344CB8AC3E}">
-        <p14:creationId xmlns:p14="http://schemas.microsoft.com/office/powerpoint/2010/main" val="1274789526"/>
+        <p14:creationId xmlns:p14="http://schemas.microsoft.com/office/powerpoint/2010/main" val="874676129"/>
       </p:ext>
     </p:extLst>
   </p:cSld>
@@ -821,103 +3953,28 @@
           <a:bodyPr/>
           <a:lstStyle/>
           <a:p>
-            <a:pPr marL="0" marR="0" lvl="0" indent="0" algn="l" defTabSz="914400" rtl="0" eaLnBrk="1" fontAlgn="auto" latinLnBrk="0" hangingPunct="1">
-              <a:lnSpc>
-                <a:spcPct val="100000"/>
-              </a:lnSpc>
-              <a:spcBef>
-                <a:spcPts val="0"/>
-              </a:spcBef>
-              <a:spcAft>
-                <a:spcPts val="0"/>
-              </a:spcAft>
-              <a:buClrTx/>
-              <a:buSzTx/>
-              <a:buFontTx/>
-              <a:buNone/>
-              <a:tabLst/>
-              <a:defRPr/>
-            </a:pPr>
-            <a:r>
-              <a:rPr lang="en-US" sz="1200" b="0" i="0" u="none" strike="noStrike" dirty="0">
-                <a:solidFill>
-                  <a:srgbClr val="000000"/>
-                </a:solidFill>
-                <a:effectLst/>
-                <a:latin typeface="Calibri" panose="020F0502020204030204" pitchFamily="34" charset="0"/>
-              </a:rPr>
-              <a:t>1832 S 1100 E, Salt Lake City, UT 84105</a:t>
-            </a:r>
             <a:r>
               <a:rPr lang="en-US" dirty="0"/>
-              <a:t> </a:t>
+              <a:t>Bonus Question</a:t>
             </a:r>
           </a:p>
           <a:p>
-            <a:pPr marL="0" marR="0" lvl="0" indent="0" algn="l" defTabSz="914400" rtl="0" eaLnBrk="1" fontAlgn="auto" latinLnBrk="0" hangingPunct="1">
-              <a:lnSpc>
-                <a:spcPct val="100000"/>
-              </a:lnSpc>
-              <a:spcBef>
-                <a:spcPts val="0"/>
-              </a:spcBef>
-              <a:spcAft>
-                <a:spcPts val="0"/>
-              </a:spcAft>
-              <a:buClrTx/>
-              <a:buSzTx/>
-              <a:buFontTx/>
-              <a:buNone/>
-              <a:tabLst/>
-              <a:defRPr/>
-            </a:pPr>
-            <a:endParaRPr lang="en-US" dirty="0"/>
-          </a:p>
-          <a:p>
-            <a:pPr marL="0" marR="0" lvl="0" indent="0" algn="l" defTabSz="914400" rtl="0" eaLnBrk="1" fontAlgn="auto" latinLnBrk="0" hangingPunct="1">
-              <a:lnSpc>
-                <a:spcPct val="100000"/>
-              </a:lnSpc>
-              <a:spcBef>
-                <a:spcPts val="0"/>
-              </a:spcBef>
-              <a:spcAft>
-                <a:spcPts val="0"/>
-              </a:spcAft>
-              <a:buClrTx/>
-              <a:buSzTx/>
-              <a:buFontTx/>
-              <a:buNone/>
-              <a:tabLst/>
-              <a:defRPr/>
+            <a:pPr marL="228600" indent="-228600">
+              <a:buAutoNum type="arabicPeriod"/>
             </a:pPr>
             <a:r>
               <a:rPr lang="en-US" dirty="0"/>
-              <a:t>Add a view in Google My maps without the prices</a:t>
+              <a:t>What does the model presented in (A) suggest about the relationship between square feet and sales price?</a:t>
             </a:r>
           </a:p>
           <a:p>
-            <a:pPr marL="0" marR="0" lvl="0" indent="0" algn="l" defTabSz="914400" rtl="0" eaLnBrk="1" fontAlgn="auto" latinLnBrk="0" hangingPunct="1">
-              <a:lnSpc>
-                <a:spcPct val="100000"/>
-              </a:lnSpc>
-              <a:spcBef>
-                <a:spcPts val="0"/>
-              </a:spcBef>
-              <a:spcAft>
-                <a:spcPts val="0"/>
-              </a:spcAft>
-              <a:buClrTx/>
-              <a:buSzTx/>
-              <a:buFontTx/>
-              <a:buNone/>
-              <a:tabLst/>
-              <a:defRPr/>
+            <a:pPr marL="228600" indent="-228600">
+              <a:buAutoNum type="arabicPeriod"/>
             </a:pPr>
-            <a:endParaRPr lang="en-US" dirty="0"/>
-          </a:p>
-          <a:p>
-            <a:endParaRPr lang="en-US" dirty="0"/>
+            <a:r>
+              <a:rPr lang="en-US" dirty="0"/>
+              <a:t>What does the model presented in © suggest about the relationship between square feet and sales price?</a:t>
+            </a:r>
           </a:p>
         </p:txBody>
       </p:sp>
@@ -938,7 +3995,7 @@
           <a:p>
             <a:fld id="{19152E11-536D-45FF-9EF4-BD18D9D0329E}" type="slidenum">
               <a:rPr lang="en-US" smtClean="0"/>
-              <a:t>10</a:t>
+              <a:t>8</a:t>
             </a:fld>
             <a:endParaRPr lang="en-US"/>
           </a:p>
@@ -947,7 +4004,7 @@
     </p:spTree>
     <p:extLst>
       <p:ext uri="{BB962C8B-B14F-4D97-AF65-F5344CB8AC3E}">
-        <p14:creationId xmlns:p14="http://schemas.microsoft.com/office/powerpoint/2010/main" val="1733726795"/>
+        <p14:creationId xmlns:p14="http://schemas.microsoft.com/office/powerpoint/2010/main" val="1274789526"/>
       </p:ext>
     </p:extLst>
   </p:cSld>
@@ -1034,6 +4091,69 @@
             </a:r>
           </a:p>
           <a:p>
+            <a:pPr marL="0" marR="0" lvl="0" indent="0" algn="l" defTabSz="914400" rtl="0" eaLnBrk="1" fontAlgn="auto" latinLnBrk="0" hangingPunct="1">
+              <a:lnSpc>
+                <a:spcPct val="100000"/>
+              </a:lnSpc>
+              <a:spcBef>
+                <a:spcPts val="0"/>
+              </a:spcBef>
+              <a:spcAft>
+                <a:spcPts val="0"/>
+              </a:spcAft>
+              <a:buClrTx/>
+              <a:buSzTx/>
+              <a:buFontTx/>
+              <a:buNone/>
+              <a:tabLst/>
+              <a:defRPr/>
+            </a:pPr>
+            <a:endParaRPr lang="en-US" dirty="0"/>
+          </a:p>
+          <a:p>
+            <a:pPr marL="0" marR="0" lvl="0" indent="0" algn="l" defTabSz="914400" rtl="0" eaLnBrk="1" fontAlgn="auto" latinLnBrk="0" hangingPunct="1">
+              <a:lnSpc>
+                <a:spcPct val="100000"/>
+              </a:lnSpc>
+              <a:spcBef>
+                <a:spcPts val="0"/>
+              </a:spcBef>
+              <a:spcAft>
+                <a:spcPts val="0"/>
+              </a:spcAft>
+              <a:buClrTx/>
+              <a:buSzTx/>
+              <a:buFontTx/>
+              <a:buNone/>
+              <a:tabLst/>
+              <a:defRPr/>
+            </a:pPr>
+            <a:r>
+              <a:rPr lang="en-US" dirty="0"/>
+              <a:t>Add a view in Google My maps without the prices</a:t>
+            </a:r>
+          </a:p>
+          <a:p>
+            <a:pPr marL="0" marR="0" lvl="0" indent="0" algn="l" defTabSz="914400" rtl="0" eaLnBrk="1" fontAlgn="auto" latinLnBrk="0" hangingPunct="1">
+              <a:lnSpc>
+                <a:spcPct val="100000"/>
+              </a:lnSpc>
+              <a:spcBef>
+                <a:spcPts val="0"/>
+              </a:spcBef>
+              <a:spcAft>
+                <a:spcPts val="0"/>
+              </a:spcAft>
+              <a:buClrTx/>
+              <a:buSzTx/>
+              <a:buFontTx/>
+              <a:buNone/>
+              <a:tabLst/>
+              <a:defRPr/>
+            </a:pPr>
+            <a:endParaRPr lang="en-US" dirty="0"/>
+          </a:p>
+          <a:p>
             <a:endParaRPr lang="en-US" dirty="0"/>
           </a:p>
         </p:txBody>
@@ -1064,7 +4184,7 @@
     </p:spTree>
     <p:extLst>
       <p:ext uri="{BB962C8B-B14F-4D97-AF65-F5344CB8AC3E}">
-        <p14:creationId xmlns:p14="http://schemas.microsoft.com/office/powerpoint/2010/main" val="425822135"/>
+        <p14:creationId xmlns:p14="http://schemas.microsoft.com/office/powerpoint/2010/main" val="1733726795"/>
       </p:ext>
     </p:extLst>
   </p:cSld>
@@ -1118,37 +4238,6 @@
           <a:bodyPr/>
           <a:lstStyle/>
           <a:p>
-            <a:r>
-              <a:rPr lang="en-US" dirty="0">
-                <a:solidFill>
-                  <a:srgbClr val="000000"/>
-                </a:solidFill>
-                <a:latin typeface="Calibri" panose="020F0502020204030204" pitchFamily="34" charset="0"/>
-              </a:rPr>
-              <a:t>7 S 1200 East, Salt Lake City, UT 84102</a:t>
-            </a:r>
-          </a:p>
-          <a:p>
-            <a:pPr marL="0" marR="0" lvl="0" indent="0" algn="l" defTabSz="914400" rtl="0" eaLnBrk="1" fontAlgn="auto" latinLnBrk="0" hangingPunct="1">
-              <a:lnSpc>
-                <a:spcPct val="100000"/>
-              </a:lnSpc>
-              <a:spcBef>
-                <a:spcPts val="0"/>
-              </a:spcBef>
-              <a:spcAft>
-                <a:spcPts val="0"/>
-              </a:spcAft>
-              <a:buClrTx/>
-              <a:buSzTx/>
-              <a:buFontTx/>
-              <a:buNone/>
-              <a:tabLst/>
-              <a:defRPr/>
-            </a:pPr>
-            <a:endParaRPr lang="en-US" dirty="0"/>
-          </a:p>
-          <a:p>
             <a:pPr marL="0" marR="0" lvl="0" indent="0" algn="l" defTabSz="914400" rtl="0" eaLnBrk="1" fontAlgn="auto" latinLnBrk="0" hangingPunct="1">
               <a:lnSpc>
                 <a:spcPct val="100000"/>
@@ -1167,29 +4256,19 @@
               <a:defRPr/>
             </a:pPr>
             <a:r>
+              <a:rPr lang="en-US" sz="1200" b="0" i="0" u="none" strike="noStrike" dirty="0">
+                <a:solidFill>
+                  <a:srgbClr val="000000"/>
+                </a:solidFill>
+                <a:effectLst/>
+                <a:latin typeface="Calibri" panose="020F0502020204030204" pitchFamily="34" charset="0"/>
+              </a:rPr>
+              <a:t>1832 S 1100 E, Salt Lake City, UT 84105</a:t>
+            </a:r>
+            <a:r>
               <a:rPr lang="en-US" dirty="0"/>
-              <a:t>Add a view in Google My maps without the prices</a:t>
+              <a:t> </a:t>
             </a:r>
-          </a:p>
-          <a:p>
-            <a:pPr marL="0" marR="0" lvl="0" indent="0" algn="l" defTabSz="914400" rtl="0" eaLnBrk="1" fontAlgn="auto" latinLnBrk="0" hangingPunct="1">
-              <a:lnSpc>
-                <a:spcPct val="100000"/>
-              </a:lnSpc>
-              <a:spcBef>
-                <a:spcPts val="0"/>
-              </a:spcBef>
-              <a:spcAft>
-                <a:spcPts val="0"/>
-              </a:spcAft>
-              <a:buClrTx/>
-              <a:buSzTx/>
-              <a:buFontTx/>
-              <a:buNone/>
-              <a:tabLst/>
-              <a:defRPr/>
-            </a:pPr>
-            <a:endParaRPr lang="en-US" dirty="0"/>
           </a:p>
           <a:p>
             <a:endParaRPr lang="en-US" dirty="0"/>
@@ -1222,7 +4301,7 @@
     </p:spTree>
     <p:extLst>
       <p:ext uri="{BB962C8B-B14F-4D97-AF65-F5344CB8AC3E}">
-        <p14:creationId xmlns:p14="http://schemas.microsoft.com/office/powerpoint/2010/main" val="1554003680"/>
+        <p14:creationId xmlns:p14="http://schemas.microsoft.com/office/powerpoint/2010/main" val="425822135"/>
       </p:ext>
     </p:extLst>
   </p:cSld>
@@ -1276,6 +4355,37 @@
           <a:bodyPr/>
           <a:lstStyle/>
           <a:p>
+            <a:r>
+              <a:rPr lang="en-US" dirty="0">
+                <a:solidFill>
+                  <a:srgbClr val="000000"/>
+                </a:solidFill>
+                <a:latin typeface="Calibri" panose="020F0502020204030204" pitchFamily="34" charset="0"/>
+              </a:rPr>
+              <a:t>7 S 1200 East, Salt Lake City, UT 84102</a:t>
+            </a:r>
+          </a:p>
+          <a:p>
+            <a:pPr marL="0" marR="0" lvl="0" indent="0" algn="l" defTabSz="914400" rtl="0" eaLnBrk="1" fontAlgn="auto" latinLnBrk="0" hangingPunct="1">
+              <a:lnSpc>
+                <a:spcPct val="100000"/>
+              </a:lnSpc>
+              <a:spcBef>
+                <a:spcPts val="0"/>
+              </a:spcBef>
+              <a:spcAft>
+                <a:spcPts val="0"/>
+              </a:spcAft>
+              <a:buClrTx/>
+              <a:buSzTx/>
+              <a:buFontTx/>
+              <a:buNone/>
+              <a:tabLst/>
+              <a:defRPr/>
+            </a:pPr>
+            <a:endParaRPr lang="en-US" dirty="0"/>
+          </a:p>
+          <a:p>
             <a:pPr marL="0" marR="0" lvl="0" indent="0" algn="l" defTabSz="914400" rtl="0" eaLnBrk="1" fontAlgn="auto" latinLnBrk="0" hangingPunct="1">
               <a:lnSpc>
                 <a:spcPct val="100000"/>
@@ -1294,14 +4404,32 @@
               <a:defRPr/>
             </a:pPr>
             <a:r>
-              <a:rPr lang="en-US" dirty="0">
-                <a:solidFill>
-                  <a:srgbClr val="000000"/>
-                </a:solidFill>
-                <a:latin typeface="Calibri" panose="020F0502020204030204" pitchFamily="34" charset="0"/>
-              </a:rPr>
-              <a:t>7 S 1200 East, Salt Lake City, UT 84102</a:t>
+              <a:rPr lang="en-US" dirty="0"/>
+              <a:t>Add a view in Google My maps without the prices</a:t>
             </a:r>
+          </a:p>
+          <a:p>
+            <a:pPr marL="0" marR="0" lvl="0" indent="0" algn="l" defTabSz="914400" rtl="0" eaLnBrk="1" fontAlgn="auto" latinLnBrk="0" hangingPunct="1">
+              <a:lnSpc>
+                <a:spcPct val="100000"/>
+              </a:lnSpc>
+              <a:spcBef>
+                <a:spcPts val="0"/>
+              </a:spcBef>
+              <a:spcAft>
+                <a:spcPts val="0"/>
+              </a:spcAft>
+              <a:buClrTx/>
+              <a:buSzTx/>
+              <a:buFontTx/>
+              <a:buNone/>
+              <a:tabLst/>
+              <a:defRPr/>
+            </a:pPr>
+            <a:endParaRPr lang="en-US" dirty="0"/>
+          </a:p>
+          <a:p>
+            <a:endParaRPr lang="en-US" dirty="0"/>
           </a:p>
         </p:txBody>
       </p:sp>
@@ -1331,7 +4459,7 @@
     </p:spTree>
     <p:extLst>
       <p:ext uri="{BB962C8B-B14F-4D97-AF65-F5344CB8AC3E}">
-        <p14:creationId xmlns:p14="http://schemas.microsoft.com/office/powerpoint/2010/main" val="559528989"/>
+        <p14:creationId xmlns:p14="http://schemas.microsoft.com/office/powerpoint/2010/main" val="1554003680"/>
       </p:ext>
     </p:extLst>
   </p:cSld>
@@ -1385,37 +4513,6 @@
           <a:bodyPr/>
           <a:lstStyle/>
           <a:p>
-            <a:r>
-              <a:rPr lang="en-US" dirty="0">
-                <a:solidFill>
-                  <a:srgbClr val="000000"/>
-                </a:solidFill>
-                <a:latin typeface="Calibri" panose="020F0502020204030204" pitchFamily="34" charset="0"/>
-              </a:rPr>
-              <a:t>1589 S 1500 E, Salt Lake City, UT 84105</a:t>
-            </a:r>
-          </a:p>
-          <a:p>
-            <a:pPr marL="0" marR="0" lvl="0" indent="0" algn="l" defTabSz="914400" rtl="0" eaLnBrk="1" fontAlgn="auto" latinLnBrk="0" hangingPunct="1">
-              <a:lnSpc>
-                <a:spcPct val="100000"/>
-              </a:lnSpc>
-              <a:spcBef>
-                <a:spcPts val="0"/>
-              </a:spcBef>
-              <a:spcAft>
-                <a:spcPts val="0"/>
-              </a:spcAft>
-              <a:buClrTx/>
-              <a:buSzTx/>
-              <a:buFontTx/>
-              <a:buNone/>
-              <a:tabLst/>
-              <a:defRPr/>
-            </a:pPr>
-            <a:endParaRPr lang="en-US" dirty="0"/>
-          </a:p>
-          <a:p>
             <a:pPr marL="0" marR="0" lvl="0" indent="0" algn="l" defTabSz="914400" rtl="0" eaLnBrk="1" fontAlgn="auto" latinLnBrk="0" hangingPunct="1">
               <a:lnSpc>
                 <a:spcPct val="100000"/>
@@ -1434,32 +4531,14 @@
               <a:defRPr/>
             </a:pPr>
             <a:r>
-              <a:rPr lang="en-US" dirty="0"/>
-              <a:t>Add a view in Google My maps without the prices</a:t>
+              <a:rPr lang="en-US" dirty="0">
+                <a:solidFill>
+                  <a:srgbClr val="000000"/>
+                </a:solidFill>
+                <a:latin typeface="Calibri" panose="020F0502020204030204" pitchFamily="34" charset="0"/>
+              </a:rPr>
+              <a:t>7 S 1200 East, Salt Lake City, UT 84102</a:t>
             </a:r>
-          </a:p>
-          <a:p>
-            <a:pPr marL="0" marR="0" lvl="0" indent="0" algn="l" defTabSz="914400" rtl="0" eaLnBrk="1" fontAlgn="auto" latinLnBrk="0" hangingPunct="1">
-              <a:lnSpc>
-                <a:spcPct val="100000"/>
-              </a:lnSpc>
-              <a:spcBef>
-                <a:spcPts val="0"/>
-              </a:spcBef>
-              <a:spcAft>
-                <a:spcPts val="0"/>
-              </a:spcAft>
-              <a:buClrTx/>
-              <a:buSzTx/>
-              <a:buFontTx/>
-              <a:buNone/>
-              <a:tabLst/>
-              <a:defRPr/>
-            </a:pPr>
-            <a:endParaRPr lang="en-US" dirty="0"/>
-          </a:p>
-          <a:p>
-            <a:endParaRPr lang="en-US" dirty="0"/>
           </a:p>
         </p:txBody>
       </p:sp>
@@ -1489,7 +4568,7 @@
     </p:spTree>
     <p:extLst>
       <p:ext uri="{BB962C8B-B14F-4D97-AF65-F5344CB8AC3E}">
-        <p14:creationId xmlns:p14="http://schemas.microsoft.com/office/powerpoint/2010/main" val="2708741053"/>
+        <p14:creationId xmlns:p14="http://schemas.microsoft.com/office/powerpoint/2010/main" val="559528989"/>
       </p:ext>
     </p:extLst>
   </p:cSld>
@@ -1543,6 +4622,37 @@
           <a:bodyPr/>
           <a:lstStyle/>
           <a:p>
+            <a:r>
+              <a:rPr lang="en-US" dirty="0">
+                <a:solidFill>
+                  <a:srgbClr val="000000"/>
+                </a:solidFill>
+                <a:latin typeface="Calibri" panose="020F0502020204030204" pitchFamily="34" charset="0"/>
+              </a:rPr>
+              <a:t>1589 S 1500 E, Salt Lake City, UT 84105</a:t>
+            </a:r>
+          </a:p>
+          <a:p>
+            <a:pPr marL="0" marR="0" lvl="0" indent="0" algn="l" defTabSz="914400" rtl="0" eaLnBrk="1" fontAlgn="auto" latinLnBrk="0" hangingPunct="1">
+              <a:lnSpc>
+                <a:spcPct val="100000"/>
+              </a:lnSpc>
+              <a:spcBef>
+                <a:spcPts val="0"/>
+              </a:spcBef>
+              <a:spcAft>
+                <a:spcPts val="0"/>
+              </a:spcAft>
+              <a:buClrTx/>
+              <a:buSzTx/>
+              <a:buFontTx/>
+              <a:buNone/>
+              <a:tabLst/>
+              <a:defRPr/>
+            </a:pPr>
+            <a:endParaRPr lang="en-US" dirty="0"/>
+          </a:p>
+          <a:p>
             <a:pPr marL="0" marR="0" lvl="0" indent="0" algn="l" defTabSz="914400" rtl="0" eaLnBrk="1" fontAlgn="auto" latinLnBrk="0" hangingPunct="1">
               <a:lnSpc>
                 <a:spcPct val="100000"/>
@@ -1561,14 +4671,29 @@
               <a:defRPr/>
             </a:pPr>
             <a:r>
-              <a:rPr lang="en-US" dirty="0">
-                <a:solidFill>
-                  <a:srgbClr val="000000"/>
-                </a:solidFill>
-                <a:latin typeface="Calibri" panose="020F0502020204030204" pitchFamily="34" charset="0"/>
-              </a:rPr>
-              <a:t>1589 S 1500 E, Salt Lake City, UT 84105</a:t>
+              <a:rPr lang="en-US" dirty="0"/>
+              <a:t>Add a view in Google My maps without the prices</a:t>
             </a:r>
+          </a:p>
+          <a:p>
+            <a:pPr marL="0" marR="0" lvl="0" indent="0" algn="l" defTabSz="914400" rtl="0" eaLnBrk="1" fontAlgn="auto" latinLnBrk="0" hangingPunct="1">
+              <a:lnSpc>
+                <a:spcPct val="100000"/>
+              </a:lnSpc>
+              <a:spcBef>
+                <a:spcPts val="0"/>
+              </a:spcBef>
+              <a:spcAft>
+                <a:spcPts val="0"/>
+              </a:spcAft>
+              <a:buClrTx/>
+              <a:buSzTx/>
+              <a:buFontTx/>
+              <a:buNone/>
+              <a:tabLst/>
+              <a:defRPr/>
+            </a:pPr>
+            <a:endParaRPr lang="en-US" dirty="0"/>
           </a:p>
           <a:p>
             <a:endParaRPr lang="en-US" dirty="0"/>
@@ -1601,7 +4726,7 @@
     </p:spTree>
     <p:extLst>
       <p:ext uri="{BB962C8B-B14F-4D97-AF65-F5344CB8AC3E}">
-        <p14:creationId xmlns:p14="http://schemas.microsoft.com/office/powerpoint/2010/main" val="968802983"/>
+        <p14:creationId xmlns:p14="http://schemas.microsoft.com/office/powerpoint/2010/main" val="2708741053"/>
       </p:ext>
     </p:extLst>
   </p:cSld>
@@ -1750,7 +4875,7 @@
           <a:p>
             <a:fld id="{9A691334-D94A-4602-BE7A-0AB2424D7229}" type="datetimeFigureOut">
               <a:rPr lang="en-US" smtClean="0"/>
-              <a:t>11/9/21</a:t>
+              <a:t>11/16/21</a:t>
             </a:fld>
             <a:endParaRPr lang="en-US"/>
           </a:p>
@@ -1961,7 +5086,7 @@
           <a:p>
             <a:fld id="{9A691334-D94A-4602-BE7A-0AB2424D7229}" type="datetimeFigureOut">
               <a:rPr lang="en-US" smtClean="0"/>
-              <a:t>11/9/21</a:t>
+              <a:t>11/16/21</a:t>
             </a:fld>
             <a:endParaRPr lang="en-US"/>
           </a:p>
@@ -2176,7 +5301,7 @@
           <a:p>
             <a:fld id="{9A691334-D94A-4602-BE7A-0AB2424D7229}" type="datetimeFigureOut">
               <a:rPr lang="en-US" smtClean="0"/>
-              <a:t>11/9/21</a:t>
+              <a:t>11/16/21</a:t>
             </a:fld>
             <a:endParaRPr lang="en-US"/>
           </a:p>
@@ -2377,7 +5502,7 @@
           <a:p>
             <a:fld id="{9A691334-D94A-4602-BE7A-0AB2424D7229}" type="datetimeFigureOut">
               <a:rPr lang="en-US" smtClean="0"/>
-              <a:t>11/9/21</a:t>
+              <a:t>11/16/21</a:t>
             </a:fld>
             <a:endParaRPr lang="en-US"/>
           </a:p>
@@ -2656,7 +5781,7 @@
           <a:p>
             <a:fld id="{9A691334-D94A-4602-BE7A-0AB2424D7229}" type="datetimeFigureOut">
               <a:rPr lang="en-US" smtClean="0"/>
-              <a:t>11/9/21</a:t>
+              <a:t>11/16/21</a:t>
             </a:fld>
             <a:endParaRPr lang="en-US"/>
           </a:p>
@@ -2924,7 +6049,7 @@
           <a:p>
             <a:fld id="{9A691334-D94A-4602-BE7A-0AB2424D7229}" type="datetimeFigureOut">
               <a:rPr lang="en-US" smtClean="0"/>
-              <a:t>11/9/21</a:t>
+              <a:t>11/16/21</a:t>
             </a:fld>
             <a:endParaRPr lang="en-US"/>
           </a:p>
@@ -3340,7 +6465,7 @@
           <a:p>
             <a:fld id="{9A691334-D94A-4602-BE7A-0AB2424D7229}" type="datetimeFigureOut">
               <a:rPr lang="en-US" smtClean="0"/>
-              <a:t>11/9/21</a:t>
+              <a:t>11/16/21</a:t>
             </a:fld>
             <a:endParaRPr lang="en-US"/>
           </a:p>
@@ -3489,7 +6614,7 @@
           <a:p>
             <a:fld id="{9A691334-D94A-4602-BE7A-0AB2424D7229}" type="datetimeFigureOut">
               <a:rPr lang="en-US" smtClean="0"/>
-              <a:t>11/9/21</a:t>
+              <a:t>11/16/21</a:t>
             </a:fld>
             <a:endParaRPr lang="en-US"/>
           </a:p>
@@ -3615,7 +6740,7 @@
           <a:p>
             <a:fld id="{9A691334-D94A-4602-BE7A-0AB2424D7229}" type="datetimeFigureOut">
               <a:rPr lang="en-US" smtClean="0"/>
-              <a:t>11/9/21</a:t>
+              <a:t>11/16/21</a:t>
             </a:fld>
             <a:endParaRPr lang="en-US"/>
           </a:p>
@@ -3866,7 +6991,7 @@
           <a:p>
             <a:fld id="{9A691334-D94A-4602-BE7A-0AB2424D7229}" type="datetimeFigureOut">
               <a:rPr lang="en-US" smtClean="0"/>
-              <a:t>11/9/21</a:t>
+              <a:t>11/16/21</a:t>
             </a:fld>
             <a:endParaRPr lang="en-US"/>
           </a:p>
@@ -4311,7 +7436,7 @@
           <a:p>
             <a:fld id="{9A691334-D94A-4602-BE7A-0AB2424D7229}" type="datetimeFigureOut">
               <a:rPr lang="en-US" smtClean="0"/>
-              <a:t>11/9/21</a:t>
+              <a:t>11/16/21</a:t>
             </a:fld>
             <a:endParaRPr lang="en-US"/>
           </a:p>
@@ -4638,7 +7763,7 @@
           <a:p>
             <a:fld id="{9A691334-D94A-4602-BE7A-0AB2424D7229}" type="datetimeFigureOut">
               <a:rPr lang="en-US" smtClean="0"/>
-              <a:t>11/9/21</a:t>
+              <a:t>11/16/21</a:t>
             </a:fld>
             <a:endParaRPr lang="en-US"/>
           </a:p>
@@ -5241,6 +8366,154 @@
           <p:cNvPr id="2" name="Title 1">
             <a:extLst>
               <a:ext uri="{FF2B5EF4-FFF2-40B4-BE49-F238E27FC236}">
+                <a16:creationId xmlns:a16="http://schemas.microsoft.com/office/drawing/2014/main" id="{9DB1A42D-8823-41F3-B6AE-0BA017DEF3A9}"/>
+              </a:ext>
+            </a:extLst>
+          </p:cNvPr>
+          <p:cNvSpPr>
+            <a:spLocks noGrp="1"/>
+          </p:cNvSpPr>
+          <p:nvPr>
+            <p:ph type="title"/>
+          </p:nvPr>
+        </p:nvSpPr>
+        <p:spPr/>
+        <p:txBody>
+          <a:bodyPr/>
+          <a:lstStyle/>
+          <a:p>
+            <a:r>
+              <a:rPr lang="en-US" dirty="0"/>
+              <a:t>Another Group Exercise!</a:t>
+            </a:r>
+          </a:p>
+        </p:txBody>
+      </p:sp>
+      <p:pic>
+        <p:nvPicPr>
+          <p:cNvPr id="5" name="Picture 4">
+            <a:extLst>
+              <a:ext uri="{FF2B5EF4-FFF2-40B4-BE49-F238E27FC236}">
+                <a16:creationId xmlns:a16="http://schemas.microsoft.com/office/drawing/2014/main" id="{6EDCB338-E7C6-4148-A0B1-B739CF7BBDED}"/>
+              </a:ext>
+            </a:extLst>
+          </p:cNvPr>
+          <p:cNvPicPr>
+            <a:picLocks noChangeAspect="1"/>
+          </p:cNvPicPr>
+          <p:nvPr/>
+        </p:nvPicPr>
+        <p:blipFill>
+          <a:blip r:embed="rId2"/>
+          <a:stretch>
+            <a:fillRect/>
+          </a:stretch>
+        </p:blipFill>
+        <p:spPr>
+          <a:xfrm>
+            <a:off x="6096000" y="2324100"/>
+            <a:ext cx="3705311" cy="3238500"/>
+          </a:xfrm>
+          <a:prstGeom prst="rect">
+            <a:avLst/>
+          </a:prstGeom>
+        </p:spPr>
+      </p:pic>
+      <p:sp>
+        <p:nvSpPr>
+          <p:cNvPr id="6" name="TextBox 5">
+            <a:extLst>
+              <a:ext uri="{FF2B5EF4-FFF2-40B4-BE49-F238E27FC236}">
+                <a16:creationId xmlns:a16="http://schemas.microsoft.com/office/drawing/2014/main" id="{CB02E8D0-3D68-48E8-AE02-D4438EDBD8C3}"/>
+              </a:ext>
+            </a:extLst>
+          </p:cNvPr>
+          <p:cNvSpPr txBox="1"/>
+          <p:nvPr/>
+        </p:nvSpPr>
+        <p:spPr>
+          <a:xfrm>
+            <a:off x="1685925" y="2324100"/>
+            <a:ext cx="3600450" cy="2031325"/>
+          </a:xfrm>
+          <a:prstGeom prst="rect">
+            <a:avLst/>
+          </a:prstGeom>
+          <a:noFill/>
+        </p:spPr>
+        <p:txBody>
+          <a:bodyPr wrap="square" rtlCol="0">
+            <a:spAutoFit/>
+          </a:bodyPr>
+          <a:lstStyle/>
+          <a:p>
+            <a:r>
+              <a:rPr lang="en-US" dirty="0"/>
+              <a:t>Residential Home Sales Prices in Salt Lake City</a:t>
+            </a:r>
+          </a:p>
+          <a:p>
+            <a:endParaRPr lang="en-US" dirty="0"/>
+          </a:p>
+          <a:p>
+            <a:endParaRPr lang="en-US" dirty="0"/>
+          </a:p>
+          <a:p>
+            <a:endParaRPr lang="en-US" dirty="0"/>
+          </a:p>
+          <a:p>
+            <a:endParaRPr lang="en-US" dirty="0"/>
+          </a:p>
+          <a:p>
+            <a:r>
+              <a:rPr lang="en-US" dirty="0"/>
+              <a:t>Google Maps </a:t>
+            </a:r>
+            <a:r>
+              <a:rPr lang="en-US" dirty="0">
+                <a:hlinkClick r:id="rId3"/>
+              </a:rPr>
+              <a:t>Link</a:t>
+            </a:r>
+            <a:endParaRPr lang="en-US" dirty="0"/>
+          </a:p>
+        </p:txBody>
+      </p:sp>
+    </p:spTree>
+    <p:extLst>
+      <p:ext uri="{BB962C8B-B14F-4D97-AF65-F5344CB8AC3E}">
+        <p14:creationId xmlns:p14="http://schemas.microsoft.com/office/powerpoint/2010/main" val="2999257992"/>
+      </p:ext>
+    </p:extLst>
+  </p:cSld>
+  <p:clrMapOvr>
+    <a:masterClrMapping/>
+  </p:clrMapOvr>
+</p:sld>
+</file>
+
+<file path=ppt/slides/slide11.xml><?xml version="1.0" encoding="utf-8"?>
+<p:sld xmlns:a="http://schemas.openxmlformats.org/drawingml/2006/main" xmlns:r="http://schemas.openxmlformats.org/officeDocument/2006/relationships" xmlns:p="http://schemas.openxmlformats.org/presentationml/2006/main">
+  <p:cSld>
+    <p:spTree>
+      <p:nvGrpSpPr>
+        <p:cNvPr id="1" name=""/>
+        <p:cNvGrpSpPr/>
+        <p:nvPr/>
+      </p:nvGrpSpPr>
+      <p:grpSpPr>
+        <a:xfrm>
+          <a:off x="0" y="0"/>
+          <a:ext cx="0" cy="0"/>
+          <a:chOff x="0" y="0"/>
+          <a:chExt cx="0" cy="0"/>
+        </a:xfrm>
+      </p:grpSpPr>
+      <p:sp>
+        <p:nvSpPr>
+          <p:cNvPr id="2" name="Title 1">
+            <a:extLst>
+              <a:ext uri="{FF2B5EF4-FFF2-40B4-BE49-F238E27FC236}">
                 <a16:creationId xmlns:a16="http://schemas.microsoft.com/office/drawing/2014/main" id="{107C4115-2224-46F0-AEA2-27CE85D5D70F}"/>
               </a:ext>
             </a:extLst>
@@ -5379,7 +8652,7 @@
 </p:sld>
 </file>
 
-<file path=ppt/slides/slide11.xml><?xml version="1.0" encoding="utf-8"?>
+<file path=ppt/slides/slide12.xml><?xml version="1.0" encoding="utf-8"?>
 <p:sld xmlns:a="http://schemas.openxmlformats.org/drawingml/2006/main" xmlns:r="http://schemas.openxmlformats.org/officeDocument/2006/relationships" xmlns:p="http://schemas.openxmlformats.org/presentationml/2006/main">
   <p:cSld>
     <p:spTree>
@@ -5988,7 +9261,7 @@
           <p:nvPr>
             <p:extLst>
               <p:ext uri="{D42A27DB-BD31-4B8C-83A1-F6EECF244321}">
-                <p14:modId xmlns:p14="http://schemas.microsoft.com/office/powerpoint/2010/main" val="1663873764"/>
+                <p14:modId xmlns:p14="http://schemas.microsoft.com/office/powerpoint/2010/main" val="3893071279"/>
               </p:ext>
             </p:extLst>
           </p:nvPr>
@@ -6139,7 +9412,7 @@
                     <a:bodyPr/>
                     <a:lstStyle/>
                     <a:p>
-                      <a:endParaRPr lang="en-US"/>
+                      <a:endParaRPr lang="en-US" dirty="0"/>
                     </a:p>
                   </a:txBody>
                   <a:tcPr/>
@@ -6178,7 +9451,7 @@
         </p:nvSpPr>
         <p:spPr>
           <a:xfrm>
-            <a:off x="1028508" y="5099239"/>
+            <a:off x="1213568" y="5099239"/>
             <a:ext cx="2740782" cy="369332"/>
           </a:xfrm>
           <a:prstGeom prst="rect">
@@ -6201,6 +9474,41 @@
       </p:sp>
       <p:sp>
         <p:nvSpPr>
+          <p:cNvPr id="12" name="TextBox 11">
+            <a:extLst>
+              <a:ext uri="{FF2B5EF4-FFF2-40B4-BE49-F238E27FC236}">
+                <a16:creationId xmlns:a16="http://schemas.microsoft.com/office/drawing/2014/main" id="{E969AB6E-00D9-694C-B035-E39A5FF58165}"/>
+              </a:ext>
+            </a:extLst>
+          </p:cNvPr>
+          <p:cNvSpPr txBox="1"/>
+          <p:nvPr/>
+        </p:nvSpPr>
+        <p:spPr>
+          <a:xfrm>
+            <a:off x="124998" y="5468571"/>
+            <a:ext cx="3314892" cy="369332"/>
+          </a:xfrm>
+          <a:prstGeom prst="rect">
+            <a:avLst/>
+          </a:prstGeom>
+          <a:noFill/>
+        </p:spPr>
+        <p:txBody>
+          <a:bodyPr wrap="square" rtlCol="0">
+            <a:spAutoFit/>
+          </a:bodyPr>
+          <a:lstStyle/>
+          <a:p>
+            <a:r>
+              <a:rPr lang="en-US" dirty="0"/>
+              <a:t>Model Predicted Price: $470,977</a:t>
+            </a:r>
+          </a:p>
+        </p:txBody>
+      </p:sp>
+      <p:sp>
+        <p:nvSpPr>
           <p:cNvPr id="9" name="Rectangle 8">
             <a:extLst>
               <a:ext uri="{FF2B5EF4-FFF2-40B4-BE49-F238E27FC236}">
@@ -6213,8 +9521,8 @@
         </p:nvSpPr>
         <p:spPr>
           <a:xfrm>
-            <a:off x="2160984" y="5130722"/>
-            <a:ext cx="1039417" cy="369332"/>
+            <a:off x="2318657" y="5103573"/>
+            <a:ext cx="1119659" cy="734330"/>
           </a:xfrm>
           <a:prstGeom prst="rect">
             <a:avLst/>
@@ -6363,7 +9671,7 @@
 </p:sld>
 </file>
 
-<file path=ppt/slides/slide12.xml><?xml version="1.0" encoding="utf-8"?>
+<file path=ppt/slides/slide13.xml><?xml version="1.0" encoding="utf-8"?>
 <p:sld xmlns:a="http://schemas.openxmlformats.org/drawingml/2006/main" xmlns:r="http://schemas.openxmlformats.org/officeDocument/2006/relationships" xmlns:p="http://schemas.openxmlformats.org/presentationml/2006/main">
   <p:cSld>
     <p:spTree>
@@ -6524,7 +9832,7 @@
 </p:sld>
 </file>
 
-<file path=ppt/slides/slide13.xml><?xml version="1.0" encoding="utf-8"?>
+<file path=ppt/slides/slide14.xml><?xml version="1.0" encoding="utf-8"?>
 <p:sld xmlns:a="http://schemas.openxmlformats.org/drawingml/2006/main" xmlns:r="http://schemas.openxmlformats.org/officeDocument/2006/relationships" xmlns:p="http://schemas.openxmlformats.org/presentationml/2006/main">
   <p:cSld>
     <p:spTree>
@@ -7329,7 +10637,7 @@
         </p:nvSpPr>
         <p:spPr>
           <a:xfrm>
-            <a:off x="1028508" y="5099239"/>
+            <a:off x="1224451" y="5099239"/>
             <a:ext cx="2740782" cy="369332"/>
           </a:xfrm>
           <a:prstGeom prst="rect">
@@ -7352,6 +10660,41 @@
       </p:sp>
       <p:sp>
         <p:nvSpPr>
+          <p:cNvPr id="13" name="TextBox 12">
+            <a:extLst>
+              <a:ext uri="{FF2B5EF4-FFF2-40B4-BE49-F238E27FC236}">
+                <a16:creationId xmlns:a16="http://schemas.microsoft.com/office/drawing/2014/main" id="{6CA03D7D-4DA6-2F46-BB0E-11869E668848}"/>
+              </a:ext>
+            </a:extLst>
+          </p:cNvPr>
+          <p:cNvSpPr txBox="1"/>
+          <p:nvPr/>
+        </p:nvSpPr>
+        <p:spPr>
+          <a:xfrm>
+            <a:off x="124998" y="5468571"/>
+            <a:ext cx="3314892" cy="369332"/>
+          </a:xfrm>
+          <a:prstGeom prst="rect">
+            <a:avLst/>
+          </a:prstGeom>
+          <a:noFill/>
+        </p:spPr>
+        <p:txBody>
+          <a:bodyPr wrap="square" rtlCol="0">
+            <a:spAutoFit/>
+          </a:bodyPr>
+          <a:lstStyle/>
+          <a:p>
+            <a:r>
+              <a:rPr lang="en-US" dirty="0"/>
+              <a:t>Model Predicted Price: $924,876</a:t>
+            </a:r>
+          </a:p>
+        </p:txBody>
+      </p:sp>
+      <p:sp>
+        <p:nvSpPr>
           <p:cNvPr id="12" name="Rectangle 11">
             <a:extLst>
               <a:ext uri="{FF2B5EF4-FFF2-40B4-BE49-F238E27FC236}">
@@ -7364,8 +10707,8 @@
         </p:nvSpPr>
         <p:spPr>
           <a:xfrm>
-            <a:off x="2164507" y="5099239"/>
-            <a:ext cx="1039417" cy="369332"/>
+            <a:off x="2316907" y="5099239"/>
+            <a:ext cx="1039417" cy="738664"/>
           </a:xfrm>
           <a:prstGeom prst="rect">
             <a:avLst/>
@@ -7514,7 +10857,7 @@
 </p:sld>
 </file>
 
-<file path=ppt/slides/slide14.xml><?xml version="1.0" encoding="utf-8"?>
+<file path=ppt/slides/slide15.xml><?xml version="1.0" encoding="utf-8"?>
 <p:sld xmlns:a="http://schemas.openxmlformats.org/drawingml/2006/main" xmlns:r="http://schemas.openxmlformats.org/officeDocument/2006/relationships" xmlns:p="http://schemas.openxmlformats.org/presentationml/2006/main">
   <p:cSld>
     <p:spTree>
@@ -7675,7 +11018,7 @@
 </p:sld>
 </file>
 
-<file path=ppt/slides/slide15.xml><?xml version="1.0" encoding="utf-8"?>
+<file path=ppt/slides/slide16.xml><?xml version="1.0" encoding="utf-8"?>
 <p:sld xmlns:a="http://schemas.openxmlformats.org/drawingml/2006/main" xmlns:r="http://schemas.openxmlformats.org/officeDocument/2006/relationships" xmlns:p="http://schemas.openxmlformats.org/presentationml/2006/main">
   <p:cSld>
     <p:spTree>
@@ -8480,7 +11823,7 @@
         </p:nvSpPr>
         <p:spPr>
           <a:xfrm>
-            <a:off x="1028508" y="5099239"/>
+            <a:off x="1213565" y="5099239"/>
             <a:ext cx="2740782" cy="369332"/>
           </a:xfrm>
           <a:prstGeom prst="rect">
@@ -8503,6 +11846,41 @@
       </p:sp>
       <p:sp>
         <p:nvSpPr>
+          <p:cNvPr id="11" name="TextBox 10">
+            <a:extLst>
+              <a:ext uri="{FF2B5EF4-FFF2-40B4-BE49-F238E27FC236}">
+                <a16:creationId xmlns:a16="http://schemas.microsoft.com/office/drawing/2014/main" id="{90B92C71-DAF3-3148-B6DA-F0F9BABE2E07}"/>
+              </a:ext>
+            </a:extLst>
+          </p:cNvPr>
+          <p:cNvSpPr txBox="1"/>
+          <p:nvPr/>
+        </p:nvSpPr>
+        <p:spPr>
+          <a:xfrm>
+            <a:off x="124998" y="5468571"/>
+            <a:ext cx="3314892" cy="369332"/>
+          </a:xfrm>
+          <a:prstGeom prst="rect">
+            <a:avLst/>
+          </a:prstGeom>
+          <a:noFill/>
+        </p:spPr>
+        <p:txBody>
+          <a:bodyPr wrap="square" rtlCol="0">
+            <a:spAutoFit/>
+          </a:bodyPr>
+          <a:lstStyle/>
+          <a:p>
+            <a:r>
+              <a:rPr lang="en-US" dirty="0"/>
+              <a:t>Model Predicted Price: $920,014</a:t>
+            </a:r>
+          </a:p>
+        </p:txBody>
+      </p:sp>
+      <p:sp>
+        <p:nvSpPr>
           <p:cNvPr id="10" name="Rectangle 9">
             <a:extLst>
               <a:ext uri="{FF2B5EF4-FFF2-40B4-BE49-F238E27FC236}">
@@ -8515,8 +11893,8 @@
         </p:nvSpPr>
         <p:spPr>
           <a:xfrm>
-            <a:off x="2149195" y="5122875"/>
-            <a:ext cx="1116520" cy="369332"/>
+            <a:off x="2350366" y="5130601"/>
+            <a:ext cx="1116520" cy="707301"/>
           </a:xfrm>
           <a:prstGeom prst="rect">
             <a:avLst/>
@@ -8665,7 +12043,7 @@
 </p:sld>
 </file>
 
-<file path=ppt/slides/slide16.xml><?xml version="1.0" encoding="utf-8"?>
+<file path=ppt/slides/slide17.xml><?xml version="1.0" encoding="utf-8"?>
 <p:sld xmlns:a="http://schemas.openxmlformats.org/drawingml/2006/main" xmlns:r="http://schemas.openxmlformats.org/officeDocument/2006/relationships" xmlns:p="http://schemas.openxmlformats.org/presentationml/2006/main">
   <p:cSld>
     <p:bg>
@@ -9616,7 +12994,7 @@
 </p:sld>
 </file>
 
-<file path=ppt/slides/slide17.xml><?xml version="1.0" encoding="utf-8"?>
+<file path=ppt/slides/slide18.xml><?xml version="1.0" encoding="utf-8"?>
 <p:sld xmlns:a="http://schemas.openxmlformats.org/drawingml/2006/main" xmlns:r="http://schemas.openxmlformats.org/officeDocument/2006/relationships" xmlns:p="http://schemas.openxmlformats.org/presentationml/2006/main">
   <p:cSld>
     <p:bg>
@@ -10253,7 +13631,7 @@
           <a:p>
             <a:pPr algn="ctr"/>
             <a:r>
-              <a:rPr lang="en-US" sz="7200">
+              <a:rPr lang="en-US" sz="7200" dirty="0">
                 <a:solidFill>
                   <a:srgbClr val="454545"/>
                 </a:solidFill>
@@ -10287,13 +13665,72 @@
         </p:spPr>
         <p:txBody>
           <a:bodyPr vert="horz" lIns="91440" tIns="91440" rIns="91440" bIns="91440" rtlCol="0">
-            <a:normAutofit/>
+            <a:normAutofit fontScale="77500" lnSpcReduction="20000"/>
           </a:bodyPr>
           <a:lstStyle/>
           <a:p>
             <a:pPr algn="ctr"/>
             <a:r>
-              <a:rPr lang="en-US" cap="all">
+              <a:rPr lang="en-US" u="sng" cap="all" dirty="0">
+                <a:solidFill>
+                  <a:srgbClr val="0070C0"/>
+                </a:solidFill>
+              </a:rPr>
+              <a:t>https://</a:t>
+            </a:r>
+            <a:r>
+              <a:rPr lang="en-US" u="sng" cap="all" dirty="0" err="1">
+                <a:solidFill>
+                  <a:srgbClr val="0070C0"/>
+                </a:solidFill>
+              </a:rPr>
+              <a:t>github.com</a:t>
+            </a:r>
+            <a:r>
+              <a:rPr lang="en-US" u="sng" cap="all" dirty="0">
+                <a:solidFill>
+                  <a:srgbClr val="0070C0"/>
+                </a:solidFill>
+              </a:rPr>
+              <a:t>/</a:t>
+            </a:r>
+            <a:r>
+              <a:rPr lang="en-US" u="sng" cap="all" dirty="0" err="1">
+                <a:solidFill>
+                  <a:srgbClr val="0070C0"/>
+                </a:solidFill>
+              </a:rPr>
+              <a:t>VincentLa</a:t>
+            </a:r>
+            <a:r>
+              <a:rPr lang="en-US" u="sng" cap="all" dirty="0">
+                <a:solidFill>
+                  <a:srgbClr val="0070C0"/>
+                </a:solidFill>
+              </a:rPr>
+              <a:t>/</a:t>
+            </a:r>
+            <a:r>
+              <a:rPr lang="en-US" u="sng" cap="all" dirty="0" err="1">
+                <a:solidFill>
+                  <a:srgbClr val="0070C0"/>
+                </a:solidFill>
+              </a:rPr>
+              <a:t>neumont</a:t>
+            </a:r>
+            <a:r>
+              <a:rPr lang="en-US" u="sng" cap="all" dirty="0">
+                <a:solidFill>
+                  <a:srgbClr val="0070C0"/>
+                </a:solidFill>
+              </a:rPr>
+              <a:t>-college-teaching-sample</a:t>
+            </a:r>
+          </a:p>
+          <a:p>
+            <a:pPr algn="ctr"/>
+            <a:r>
+              <a:rPr lang="en-US" cap="all" dirty="0">
                 <a:solidFill>
                   <a:schemeClr val="accent1"/>
                 </a:solidFill>
@@ -10415,6 +13852,467 @@
 </file>
 
 <file path=ppt/slides/slide2.xml><?xml version="1.0" encoding="utf-8"?>
+<p:sld xmlns:a="http://schemas.openxmlformats.org/drawingml/2006/main" xmlns:r="http://schemas.openxmlformats.org/officeDocument/2006/relationships" xmlns:p="http://schemas.openxmlformats.org/presentationml/2006/main">
+  <p:cSld>
+    <p:bg>
+      <p:bgPr>
+        <a:gradFill rotWithShape="1">
+          <a:gsLst>
+            <a:gs pos="0">
+              <a:schemeClr val="bg2">
+                <a:tint val="94000"/>
+                <a:satMod val="80000"/>
+                <a:lumMod val="106000"/>
+              </a:schemeClr>
+            </a:gs>
+            <a:gs pos="100000">
+              <a:schemeClr val="bg2">
+                <a:shade val="80000"/>
+              </a:schemeClr>
+            </a:gs>
+          </a:gsLst>
+          <a:path path="circle">
+            <a:fillToRect l="43000" r="43000" b="100000"/>
+          </a:path>
+        </a:gradFill>
+        <a:effectLst/>
+      </p:bgPr>
+    </p:bg>
+    <p:spTree>
+      <p:nvGrpSpPr>
+        <p:cNvPr id="1" name=""/>
+        <p:cNvGrpSpPr/>
+        <p:nvPr/>
+      </p:nvGrpSpPr>
+      <p:grpSpPr>
+        <a:xfrm>
+          <a:off x="0" y="0"/>
+          <a:ext cx="0" cy="0"/>
+          <a:chOff x="0" y="0"/>
+          <a:chExt cx="0" cy="0"/>
+        </a:xfrm>
+      </p:grpSpPr>
+      <p:sp useBgFill="1">
+        <p:nvSpPr>
+          <p:cNvPr id="9" name="Rectangle 8">
+            <a:extLst>
+              <a:ext uri="{FF2B5EF4-FFF2-40B4-BE49-F238E27FC236}">
+                <a16:creationId xmlns:a16="http://schemas.microsoft.com/office/drawing/2014/main" id="{32D32A60-013B-47A8-8833-D2424080917B}"/>
+              </a:ext>
+              <a:ext uri="{C183D7F6-B498-43B3-948B-1728B52AA6E4}">
+                <adec:decorative xmlns:adec="http://schemas.microsoft.com/office/drawing/2017/decorative" val="1"/>
+              </a:ext>
+            </a:extLst>
+          </p:cNvPr>
+          <p:cNvSpPr>
+            <a:spLocks noGrp="1" noRot="1" noChangeAspect="1" noMove="1" noResize="1" noEditPoints="1" noAdjustHandles="1" noChangeArrowheads="1" noChangeShapeType="1" noTextEdit="1"/>
+          </p:cNvSpPr>
+          <p:nvPr>
+            <p:extLst>
+              <p:ext uri="{386F3935-93C4-4BCD-93E2-E3B085C9AB24}">
+                <p16:designElem xmlns:p16="http://schemas.microsoft.com/office/powerpoint/2015/main" val="1"/>
+              </p:ext>
+            </p:extLst>
+          </p:nvPr>
+        </p:nvSpPr>
+        <p:spPr>
+          <a:xfrm>
+            <a:off x="2" y="0"/>
+            <a:ext cx="12191695" cy="6858000"/>
+          </a:xfrm>
+          <a:prstGeom prst="rect">
+            <a:avLst/>
+          </a:prstGeom>
+          <a:ln>
+            <a:noFill/>
+          </a:ln>
+        </p:spPr>
+        <p:style>
+          <a:lnRef idx="2">
+            <a:schemeClr val="accent1">
+              <a:shade val="50000"/>
+            </a:schemeClr>
+          </a:lnRef>
+          <a:fillRef idx="1">
+            <a:schemeClr val="accent1"/>
+          </a:fillRef>
+          <a:effectRef idx="0">
+            <a:schemeClr val="accent1"/>
+          </a:effectRef>
+          <a:fontRef idx="minor">
+            <a:schemeClr val="lt1"/>
+          </a:fontRef>
+        </p:style>
+        <p:txBody>
+          <a:bodyPr rtlCol="0" anchor="ctr"/>
+          <a:lstStyle/>
+          <a:p>
+            <a:pPr algn="ctr"/>
+            <a:endParaRPr lang="en-US"/>
+          </a:p>
+        </p:txBody>
+      </p:sp>
+      <p:sp>
+        <p:nvSpPr>
+          <p:cNvPr id="11" name="Rectangle 10">
+            <a:extLst>
+              <a:ext uri="{FF2B5EF4-FFF2-40B4-BE49-F238E27FC236}">
+                <a16:creationId xmlns:a16="http://schemas.microsoft.com/office/drawing/2014/main" id="{AE27932B-B694-4C4C-90D7-A0333A7C5876}"/>
+              </a:ext>
+              <a:ext uri="{C183D7F6-B498-43B3-948B-1728B52AA6E4}">
+                <adec:decorative xmlns:adec="http://schemas.microsoft.com/office/drawing/2017/decorative" val="1"/>
+              </a:ext>
+            </a:extLst>
+          </p:cNvPr>
+          <p:cNvSpPr>
+            <a:spLocks noGrp="1" noRot="1" noChangeAspect="1" noMove="1" noResize="1" noEditPoints="1" noAdjustHandles="1" noChangeArrowheads="1" noChangeShapeType="1" noTextEdit="1"/>
+          </p:cNvSpPr>
+          <p:nvPr>
+            <p:extLst>
+              <p:ext uri="{386F3935-93C4-4BCD-93E2-E3B085C9AB24}">
+                <p16:designElem xmlns:p16="http://schemas.microsoft.com/office/powerpoint/2015/main" val="1"/>
+              </p:ext>
+            </p:extLst>
+          </p:nvPr>
+        </p:nvSpPr>
+        <p:spPr>
+          <a:xfrm>
+            <a:off x="0" y="2019476"/>
+            <a:ext cx="12192000" cy="4105941"/>
+          </a:xfrm>
+          <a:prstGeom prst="rect">
+            <a:avLst/>
+          </a:prstGeom>
+          <a:gradFill flip="none" rotWithShape="1">
+            <a:gsLst>
+              <a:gs pos="0">
+                <a:schemeClr val="bg2">
+                  <a:alpha val="0"/>
+                </a:schemeClr>
+              </a:gs>
+              <a:gs pos="100000">
+                <a:schemeClr val="bg2"/>
+              </a:gs>
+            </a:gsLst>
+            <a:lin ang="5400000" scaled="0"/>
+            <a:tileRect/>
+          </a:gradFill>
+          <a:ln>
+            <a:noFill/>
+          </a:ln>
+        </p:spPr>
+        <p:style>
+          <a:lnRef idx="2">
+            <a:schemeClr val="accent1">
+              <a:shade val="50000"/>
+            </a:schemeClr>
+          </a:lnRef>
+          <a:fillRef idx="1">
+            <a:schemeClr val="accent1"/>
+          </a:fillRef>
+          <a:effectRef idx="0">
+            <a:schemeClr val="accent1"/>
+          </a:effectRef>
+          <a:fontRef idx="minor">
+            <a:schemeClr val="lt1"/>
+          </a:fontRef>
+        </p:style>
+        <p:txBody>
+          <a:bodyPr rtlCol="0" anchor="ctr"/>
+          <a:lstStyle/>
+          <a:p>
+            <a:pPr lvl="0" algn="ctr"/>
+            <a:endParaRPr lang="en-US"/>
+          </a:p>
+        </p:txBody>
+      </p:sp>
+      <p:sp>
+        <p:nvSpPr>
+          <p:cNvPr id="2" name="Title 1">
+            <a:extLst>
+              <a:ext uri="{FF2B5EF4-FFF2-40B4-BE49-F238E27FC236}">
+                <a16:creationId xmlns:a16="http://schemas.microsoft.com/office/drawing/2014/main" id="{68B363EE-E6D2-3C42-A16C-0A2FD10A3C52}"/>
+              </a:ext>
+            </a:extLst>
+          </p:cNvPr>
+          <p:cNvSpPr>
+            <a:spLocks noGrp="1"/>
+          </p:cNvSpPr>
+          <p:nvPr>
+            <p:ph type="title"/>
+          </p:nvPr>
+        </p:nvSpPr>
+        <p:spPr>
+          <a:xfrm>
+            <a:off x="1451579" y="2303047"/>
+            <a:ext cx="3272093" cy="2674198"/>
+          </a:xfrm>
+        </p:spPr>
+        <p:txBody>
+          <a:bodyPr anchor="t">
+            <a:normAutofit/>
+          </a:bodyPr>
+          <a:lstStyle/>
+          <a:p>
+            <a:r>
+              <a:rPr lang="en-US" dirty="0"/>
+              <a:t>Our Goals Today</a:t>
+            </a:r>
+          </a:p>
+        </p:txBody>
+      </p:sp>
+      <p:cxnSp>
+        <p:nvCxnSpPr>
+          <p:cNvPr id="13" name="Straight Connector 12">
+            <a:extLst>
+              <a:ext uri="{FF2B5EF4-FFF2-40B4-BE49-F238E27FC236}">
+                <a16:creationId xmlns:a16="http://schemas.microsoft.com/office/drawing/2014/main" id="{9EBB0476-5CF0-4F44-8D68-5D42D7AEE43A}"/>
+              </a:ext>
+              <a:ext uri="{C183D7F6-B498-43B3-948B-1728B52AA6E4}">
+                <adec:decorative xmlns:adec="http://schemas.microsoft.com/office/drawing/2017/decorative" val="1"/>
+              </a:ext>
+            </a:extLst>
+          </p:cNvPr>
+          <p:cNvCxnSpPr>
+            <a:cxnSpLocks noGrp="1" noRot="1" noChangeAspect="1" noMove="1" noResize="1" noEditPoints="1" noAdjustHandles="1" noChangeArrowheads="1" noChangeShapeType="1"/>
+          </p:cNvCxnSpPr>
+          <p:nvPr>
+            <p:extLst>
+              <p:ext uri="{386F3935-93C4-4BCD-93E2-E3B085C9AB24}">
+                <p16:designElem xmlns:p16="http://schemas.microsoft.com/office/powerpoint/2015/main" val="1"/>
+              </p:ext>
+            </p:extLst>
+          </p:nvPr>
+        </p:nvCxnSpPr>
+        <p:spPr>
+          <a:xfrm>
+            <a:off x="1451579" y="2146542"/>
+            <a:ext cx="3272094" cy="0"/>
+          </a:xfrm>
+          <a:prstGeom prst="line">
+            <a:avLst/>
+          </a:prstGeom>
+          <a:ln w="31750"/>
+        </p:spPr>
+        <p:style>
+          <a:lnRef idx="3">
+            <a:schemeClr val="accent1"/>
+          </a:lnRef>
+          <a:fillRef idx="0">
+            <a:schemeClr val="accent1"/>
+          </a:fillRef>
+          <a:effectRef idx="2">
+            <a:schemeClr val="accent1"/>
+          </a:effectRef>
+          <a:fontRef idx="minor">
+            <a:schemeClr val="tx1"/>
+          </a:fontRef>
+        </p:style>
+      </p:cxnSp>
+      <p:sp>
+        <p:nvSpPr>
+          <p:cNvPr id="15" name="Title 1">
+            <a:extLst>
+              <a:ext uri="{FF2B5EF4-FFF2-40B4-BE49-F238E27FC236}">
+                <a16:creationId xmlns:a16="http://schemas.microsoft.com/office/drawing/2014/main" id="{A9DA474E-6B91-4200-840F-0257B2358A75}"/>
+              </a:ext>
+              <a:ext uri="{C183D7F6-B498-43B3-948B-1728B52AA6E4}">
+                <adec:decorative xmlns:adec="http://schemas.microsoft.com/office/drawing/2017/decorative" val="1"/>
+              </a:ext>
+            </a:extLst>
+          </p:cNvPr>
+          <p:cNvSpPr txBox="1">
+            <a:spLocks noGrp="1" noRot="1" noChangeAspect="1" noMove="1" noResize="1" noEditPoints="1" noAdjustHandles="1" noChangeArrowheads="1" noChangeShapeType="1" noTextEdit="1"/>
+          </p:cNvSpPr>
+          <p:nvPr>
+            <p:extLst>
+              <p:ext uri="{386F3935-93C4-4BCD-93E2-E3B085C9AB24}">
+                <p16:designElem xmlns:p16="http://schemas.microsoft.com/office/powerpoint/2015/main" val="1"/>
+              </p:ext>
+            </p:extLst>
+          </p:nvPr>
+        </p:nvSpPr>
+        <p:spPr>
+          <a:xfrm>
+            <a:off x="1451580" y="3122496"/>
+            <a:ext cx="3530157" cy="1049235"/>
+          </a:xfrm>
+          <a:prstGeom prst="rect">
+            <a:avLst/>
+          </a:prstGeom>
+        </p:spPr>
+        <p:txBody>
+          <a:bodyPr vert="horz" lIns="91440" tIns="45720" rIns="91440" bIns="45720" rtlCol="0" anchor="t">
+            <a:normAutofit/>
+          </a:bodyPr>
+          <a:lstStyle>
+            <a:lvl1pPr algn="l" defTabSz="914400" rtl="0" eaLnBrk="1" latinLnBrk="0" hangingPunct="1">
+              <a:lnSpc>
+                <a:spcPct val="90000"/>
+              </a:lnSpc>
+              <a:spcBef>
+                <a:spcPct val="0"/>
+              </a:spcBef>
+              <a:buNone/>
+              <a:defRPr sz="3200" b="0" i="0" kern="1200" cap="all">
+                <a:solidFill>
+                  <a:schemeClr val="tx1"/>
+                </a:solidFill>
+                <a:effectLst/>
+                <a:latin typeface="+mj-lt"/>
+                <a:ea typeface="+mj-ea"/>
+                <a:cs typeface="+mj-cs"/>
+              </a:defRPr>
+            </a:lvl1pPr>
+          </a:lstStyle>
+          <a:p>
+            <a:endParaRPr lang="en-US" dirty="0"/>
+          </a:p>
+        </p:txBody>
+      </p:sp>
+      <p:pic>
+        <p:nvPicPr>
+          <p:cNvPr id="17" name="Picture 16">
+            <a:extLst>
+              <a:ext uri="{FF2B5EF4-FFF2-40B4-BE49-F238E27FC236}">
+                <a16:creationId xmlns:a16="http://schemas.microsoft.com/office/drawing/2014/main" id="{DF63C9AD-AE6E-4512-8171-91612E84CCFB}"/>
+              </a:ext>
+              <a:ext uri="{C183D7F6-B498-43B3-948B-1728B52AA6E4}">
+                <adec:decorative xmlns:adec="http://schemas.microsoft.com/office/drawing/2017/decorative" val="1"/>
+              </a:ext>
+            </a:extLst>
+          </p:cNvPr>
+          <p:cNvPicPr>
+            <a:picLocks noGrp="1" noRot="1" noChangeAspect="1" noMove="1" noResize="1" noEditPoints="1" noAdjustHandles="1" noChangeArrowheads="1" noChangeShapeType="1" noCrop="1"/>
+          </p:cNvPicPr>
+          <p:nvPr>
+            <p:extLst>
+              <p:ext uri="{386F3935-93C4-4BCD-93E2-E3B085C9AB24}">
+                <p16:designElem xmlns:p16="http://schemas.microsoft.com/office/powerpoint/2015/main" val="1"/>
+              </p:ext>
+            </p:extLst>
+          </p:nvPr>
+        </p:nvPicPr>
+        <p:blipFill rotWithShape="1">
+          <a:blip r:embed="rId2">
+            <a:extLst>
+              <a:ext uri="{28A0092B-C50C-407E-A947-70E740481C1C}">
+                <a14:useLocalDpi xmlns:a14="http://schemas.microsoft.com/office/drawing/2010/main" val="0"/>
+              </a:ext>
+            </a:extLst>
+          </a:blip>
+          <a:srcRect t="1538" b="-1538"/>
+          <a:stretch/>
+        </p:blipFill>
+        <p:spPr bwMode="black">
+          <a:xfrm>
+            <a:off x="0" y="6126480"/>
+            <a:ext cx="12192000" cy="742950"/>
+          </a:xfrm>
+          <a:prstGeom prst="rect">
+            <a:avLst/>
+          </a:prstGeom>
+        </p:spPr>
+      </p:pic>
+      <p:cxnSp>
+        <p:nvCxnSpPr>
+          <p:cNvPr id="19" name="Straight Connector 18">
+            <a:extLst>
+              <a:ext uri="{FF2B5EF4-FFF2-40B4-BE49-F238E27FC236}">
+                <a16:creationId xmlns:a16="http://schemas.microsoft.com/office/drawing/2014/main" id="{FE1A49CE-B63D-457A-A180-1C883E1A63D2}"/>
+              </a:ext>
+              <a:ext uri="{C183D7F6-B498-43B3-948B-1728B52AA6E4}">
+                <adec:decorative xmlns:adec="http://schemas.microsoft.com/office/drawing/2017/decorative" val="1"/>
+              </a:ext>
+            </a:extLst>
+          </p:cNvPr>
+          <p:cNvCxnSpPr>
+            <a:cxnSpLocks noGrp="1" noRot="1" noChangeAspect="1" noMove="1" noResize="1" noEditPoints="1" noAdjustHandles="1" noChangeArrowheads="1" noChangeShapeType="1"/>
+          </p:cNvCxnSpPr>
+          <p:nvPr>
+            <p:extLst>
+              <p:ext uri="{386F3935-93C4-4BCD-93E2-E3B085C9AB24}">
+                <p16:designElem xmlns:p16="http://schemas.microsoft.com/office/powerpoint/2015/main" val="1"/>
+              </p:ext>
+            </p:extLst>
+          </p:nvPr>
+        </p:nvCxnSpPr>
+        <p:spPr>
+          <a:xfrm>
+            <a:off x="0" y="6128413"/>
+            <a:ext cx="12192000" cy="0"/>
+          </a:xfrm>
+          <a:prstGeom prst="line">
+            <a:avLst/>
+          </a:prstGeom>
+          <a:ln w="12700">
+            <a:solidFill>
+              <a:srgbClr val="000001">
+                <a:alpha val="20000"/>
+              </a:srgbClr>
+            </a:solidFill>
+          </a:ln>
+        </p:spPr>
+        <p:style>
+          <a:lnRef idx="1">
+            <a:schemeClr val="accent1"/>
+          </a:lnRef>
+          <a:fillRef idx="0">
+            <a:schemeClr val="accent1"/>
+          </a:fillRef>
+          <a:effectRef idx="0">
+            <a:schemeClr val="accent1"/>
+          </a:effectRef>
+          <a:fontRef idx="minor">
+            <a:schemeClr val="tx1"/>
+          </a:fontRef>
+        </p:style>
+      </p:cxnSp>
+      <p:graphicFrame>
+        <p:nvGraphicFramePr>
+          <p:cNvPr id="5" name="Content Placeholder 2">
+            <a:extLst>
+              <a:ext uri="{FF2B5EF4-FFF2-40B4-BE49-F238E27FC236}">
+                <a16:creationId xmlns:a16="http://schemas.microsoft.com/office/drawing/2014/main" id="{2CA3B7D7-CF4D-442A-88F9-D28E9D5A7034}"/>
+              </a:ext>
+            </a:extLst>
+          </p:cNvPr>
+          <p:cNvGraphicFramePr>
+            <a:graphicFrameLocks noGrp="1"/>
+          </p:cNvGraphicFramePr>
+          <p:nvPr>
+            <p:ph idx="1"/>
+            <p:extLst>
+              <p:ext uri="{D42A27DB-BD31-4B8C-83A1-F6EECF244321}">
+                <p14:modId xmlns:p14="http://schemas.microsoft.com/office/powerpoint/2010/main" val="241046109"/>
+              </p:ext>
+            </p:extLst>
+          </p:nvPr>
+        </p:nvGraphicFramePr>
+        <p:xfrm>
+          <a:off x="5141913" y="803275"/>
+          <a:ext cx="5913437" cy="4637088"/>
+        </p:xfrm>
+        <a:graphic>
+          <a:graphicData uri="http://schemas.openxmlformats.org/drawingml/2006/diagram">
+            <dgm:relIds xmlns:dgm="http://schemas.openxmlformats.org/drawingml/2006/diagram" xmlns:r="http://schemas.openxmlformats.org/officeDocument/2006/relationships" r:dm="rId3" r:lo="rId4" r:qs="rId5" r:cs="rId6"/>
+          </a:graphicData>
+        </a:graphic>
+      </p:graphicFrame>
+    </p:spTree>
+    <p:extLst>
+      <p:ext uri="{BB962C8B-B14F-4D97-AF65-F5344CB8AC3E}">
+        <p14:creationId xmlns:p14="http://schemas.microsoft.com/office/powerpoint/2010/main" val="3265559294"/>
+      </p:ext>
+    </p:extLst>
+  </p:cSld>
+  <p:clrMapOvr>
+    <a:masterClrMapping/>
+  </p:clrMapOvr>
+</p:sld>
+</file>
+
+<file path=ppt/slides/slide3.xml><?xml version="1.0" encoding="utf-8"?>
 <p:sld xmlns:a="http://schemas.openxmlformats.org/drawingml/2006/main" xmlns:r="http://schemas.openxmlformats.org/officeDocument/2006/relationships" xmlns:p="http://schemas.openxmlformats.org/presentationml/2006/main">
   <p:cSld>
     <p:spTree>
@@ -10756,7 +14654,7 @@
 </p:sld>
 </file>
 
-<file path=ppt/slides/slide3.xml><?xml version="1.0" encoding="utf-8"?>
+<file path=ppt/slides/slide4.xml><?xml version="1.0" encoding="utf-8"?>
 <p:sld xmlns:a="http://schemas.openxmlformats.org/drawingml/2006/main" xmlns:r="http://schemas.openxmlformats.org/officeDocument/2006/relationships" xmlns:p="http://schemas.openxmlformats.org/presentationml/2006/main">
   <p:cSld>
     <p:spTree>
@@ -12426,7 +16324,7 @@
 </p:sld>
 </file>
 
-<file path=ppt/slides/slide4.xml><?xml version="1.0" encoding="utf-8"?>
+<file path=ppt/slides/slide5.xml><?xml version="1.0" encoding="utf-8"?>
 <p:sld xmlns:a="http://schemas.openxmlformats.org/drawingml/2006/main" xmlns:r="http://schemas.openxmlformats.org/officeDocument/2006/relationships" xmlns:p="http://schemas.openxmlformats.org/presentationml/2006/main">
   <p:cSld>
     <p:bg>
@@ -13317,7 +17215,7 @@
 </p:sld>
 </file>
 
-<file path=ppt/slides/slide5.xml><?xml version="1.0" encoding="utf-8"?>
+<file path=ppt/slides/slide6.xml><?xml version="1.0" encoding="utf-8"?>
 <p:sld xmlns:a="http://schemas.openxmlformats.org/drawingml/2006/main" xmlns:r="http://schemas.openxmlformats.org/officeDocument/2006/relationships" xmlns:p="http://schemas.openxmlformats.org/presentationml/2006/main">
   <p:cSld>
     <p:spTree>
@@ -13439,7 +17337,7 @@
 </p:sld>
 </file>
 
-<file path=ppt/slides/slide6.xml><?xml version="1.0" encoding="utf-8"?>
+<file path=ppt/slides/slide7.xml><?xml version="1.0" encoding="utf-8"?>
 <p:sld xmlns:a="http://schemas.openxmlformats.org/drawingml/2006/main" xmlns:r="http://schemas.openxmlformats.org/officeDocument/2006/relationships" xmlns:p="http://schemas.openxmlformats.org/presentationml/2006/main">
   <p:cSld>
     <p:spTree>
@@ -14194,7 +18092,7 @@
 </p:sld>
 </file>
 
-<file path=ppt/slides/slide7.xml><?xml version="1.0" encoding="utf-8"?>
+<file path=ppt/slides/slide8.xml><?xml version="1.0" encoding="utf-8"?>
 <p:sld xmlns:a="http://schemas.openxmlformats.org/drawingml/2006/main" xmlns:r="http://schemas.openxmlformats.org/officeDocument/2006/relationships" xmlns:p="http://schemas.openxmlformats.org/presentationml/2006/main">
   <p:cSld>
     <p:spTree>
@@ -14418,7 +18316,7 @@
 </p:sld>
 </file>
 
-<file path=ppt/slides/slide8.xml><?xml version="1.0" encoding="utf-8"?>
+<file path=ppt/slides/slide9.xml><?xml version="1.0" encoding="utf-8"?>
 <p:sld xmlns:a="http://schemas.openxmlformats.org/drawingml/2006/main" xmlns:r="http://schemas.openxmlformats.org/officeDocument/2006/relationships" xmlns:p="http://schemas.openxmlformats.org/presentationml/2006/main">
   <p:cSld>
     <p:bg>
@@ -15036,154 +18934,6 @@
     <p:extLst>
       <p:ext uri="{BB962C8B-B14F-4D97-AF65-F5344CB8AC3E}">
         <p14:creationId xmlns:p14="http://schemas.microsoft.com/office/powerpoint/2010/main" val="3943746652"/>
-      </p:ext>
-    </p:extLst>
-  </p:cSld>
-  <p:clrMapOvr>
-    <a:masterClrMapping/>
-  </p:clrMapOvr>
-</p:sld>
-</file>
-
-<file path=ppt/slides/slide9.xml><?xml version="1.0" encoding="utf-8"?>
-<p:sld xmlns:a="http://schemas.openxmlformats.org/drawingml/2006/main" xmlns:r="http://schemas.openxmlformats.org/officeDocument/2006/relationships" xmlns:p="http://schemas.openxmlformats.org/presentationml/2006/main">
-  <p:cSld>
-    <p:spTree>
-      <p:nvGrpSpPr>
-        <p:cNvPr id="1" name=""/>
-        <p:cNvGrpSpPr/>
-        <p:nvPr/>
-      </p:nvGrpSpPr>
-      <p:grpSpPr>
-        <a:xfrm>
-          <a:off x="0" y="0"/>
-          <a:ext cx="0" cy="0"/>
-          <a:chOff x="0" y="0"/>
-          <a:chExt cx="0" cy="0"/>
-        </a:xfrm>
-      </p:grpSpPr>
-      <p:sp>
-        <p:nvSpPr>
-          <p:cNvPr id="2" name="Title 1">
-            <a:extLst>
-              <a:ext uri="{FF2B5EF4-FFF2-40B4-BE49-F238E27FC236}">
-                <a16:creationId xmlns:a16="http://schemas.microsoft.com/office/drawing/2014/main" id="{9DB1A42D-8823-41F3-B6AE-0BA017DEF3A9}"/>
-              </a:ext>
-            </a:extLst>
-          </p:cNvPr>
-          <p:cNvSpPr>
-            <a:spLocks noGrp="1"/>
-          </p:cNvSpPr>
-          <p:nvPr>
-            <p:ph type="title"/>
-          </p:nvPr>
-        </p:nvSpPr>
-        <p:spPr/>
-        <p:txBody>
-          <a:bodyPr/>
-          <a:lstStyle/>
-          <a:p>
-            <a:r>
-              <a:rPr lang="en-US" dirty="0"/>
-              <a:t>Another Group Exercise!</a:t>
-            </a:r>
-          </a:p>
-        </p:txBody>
-      </p:sp>
-      <p:pic>
-        <p:nvPicPr>
-          <p:cNvPr id="5" name="Picture 4">
-            <a:extLst>
-              <a:ext uri="{FF2B5EF4-FFF2-40B4-BE49-F238E27FC236}">
-                <a16:creationId xmlns:a16="http://schemas.microsoft.com/office/drawing/2014/main" id="{6EDCB338-E7C6-4148-A0B1-B739CF7BBDED}"/>
-              </a:ext>
-            </a:extLst>
-          </p:cNvPr>
-          <p:cNvPicPr>
-            <a:picLocks noChangeAspect="1"/>
-          </p:cNvPicPr>
-          <p:nvPr/>
-        </p:nvPicPr>
-        <p:blipFill>
-          <a:blip r:embed="rId2"/>
-          <a:stretch>
-            <a:fillRect/>
-          </a:stretch>
-        </p:blipFill>
-        <p:spPr>
-          <a:xfrm>
-            <a:off x="6096000" y="2324100"/>
-            <a:ext cx="3705311" cy="3238500"/>
-          </a:xfrm>
-          <a:prstGeom prst="rect">
-            <a:avLst/>
-          </a:prstGeom>
-        </p:spPr>
-      </p:pic>
-      <p:sp>
-        <p:nvSpPr>
-          <p:cNvPr id="6" name="TextBox 5">
-            <a:extLst>
-              <a:ext uri="{FF2B5EF4-FFF2-40B4-BE49-F238E27FC236}">
-                <a16:creationId xmlns:a16="http://schemas.microsoft.com/office/drawing/2014/main" id="{CB02E8D0-3D68-48E8-AE02-D4438EDBD8C3}"/>
-              </a:ext>
-            </a:extLst>
-          </p:cNvPr>
-          <p:cNvSpPr txBox="1"/>
-          <p:nvPr/>
-        </p:nvSpPr>
-        <p:spPr>
-          <a:xfrm>
-            <a:off x="1685925" y="2324100"/>
-            <a:ext cx="3600450" cy="2031325"/>
-          </a:xfrm>
-          <a:prstGeom prst="rect">
-            <a:avLst/>
-          </a:prstGeom>
-          <a:noFill/>
-        </p:spPr>
-        <p:txBody>
-          <a:bodyPr wrap="square" rtlCol="0">
-            <a:spAutoFit/>
-          </a:bodyPr>
-          <a:lstStyle/>
-          <a:p>
-            <a:r>
-              <a:rPr lang="en-US" dirty="0"/>
-              <a:t>Residential Home Sales Prices in Salt Lake City</a:t>
-            </a:r>
-          </a:p>
-          <a:p>
-            <a:endParaRPr lang="en-US" dirty="0"/>
-          </a:p>
-          <a:p>
-            <a:endParaRPr lang="en-US" dirty="0"/>
-          </a:p>
-          <a:p>
-            <a:endParaRPr lang="en-US" dirty="0"/>
-          </a:p>
-          <a:p>
-            <a:endParaRPr lang="en-US" dirty="0"/>
-          </a:p>
-          <a:p>
-            <a:r>
-              <a:rPr lang="en-US" dirty="0"/>
-              <a:t>Google Maps </a:t>
-            </a:r>
-            <a:r>
-              <a:rPr lang="en-US" dirty="0">
-                <a:hlinkClick r:id="rId3"/>
-              </a:rPr>
-              <a:t>Link</a:t>
-            </a:r>
-            <a:endParaRPr lang="en-US" dirty="0"/>
-          </a:p>
-        </p:txBody>
-      </p:sp>
-    </p:spTree>
-    <p:extLst>
-      <p:ext uri="{BB962C8B-B14F-4D97-AF65-F5344CB8AC3E}">
-        <p14:creationId xmlns:p14="http://schemas.microsoft.com/office/powerpoint/2010/main" val="2999257992"/>
       </p:ext>
     </p:extLst>
   </p:cSld>

--- a/Machine Learning Teaching Example VLa.pptx
+++ b/Machine Learning Teaching Example VLa.pptx
@@ -9261,7 +9261,7 @@
           <p:nvPr>
             <p:extLst>
               <p:ext uri="{D42A27DB-BD31-4B8C-83A1-F6EECF244321}">
-                <p14:modId xmlns:p14="http://schemas.microsoft.com/office/powerpoint/2010/main" val="3893071279"/>
+                <p14:modId xmlns:p14="http://schemas.microsoft.com/office/powerpoint/2010/main" val="1468624708"/>
               </p:ext>
             </p:extLst>
           </p:nvPr>
@@ -9368,7 +9368,7 @@
                     <a:bodyPr/>
                     <a:lstStyle/>
                     <a:p>
-                      <a:endParaRPr lang="en-US"/>
+                      <a:endParaRPr lang="en-US" dirty="0"/>
                     </a:p>
                   </a:txBody>
                   <a:tcPr/>
@@ -9521,7 +9521,7 @@
         </p:nvSpPr>
         <p:spPr>
           <a:xfrm>
-            <a:off x="2318657" y="5103573"/>
+            <a:off x="2346366" y="5103573"/>
             <a:ext cx="1119659" cy="734330"/>
           </a:xfrm>
           <a:prstGeom prst="rect">
@@ -10411,7 +10411,7 @@
           <p:nvPr>
             <p:extLst>
               <p:ext uri="{D42A27DB-BD31-4B8C-83A1-F6EECF244321}">
-                <p14:modId xmlns:p14="http://schemas.microsoft.com/office/powerpoint/2010/main" val="474603777"/>
+                <p14:modId xmlns:p14="http://schemas.microsoft.com/office/powerpoint/2010/main" val="1258523266"/>
               </p:ext>
             </p:extLst>
           </p:nvPr>
@@ -10707,7 +10707,7 @@
         </p:nvSpPr>
         <p:spPr>
           <a:xfrm>
-            <a:off x="2316907" y="5099239"/>
+            <a:off x="2323548" y="5149616"/>
             <a:ext cx="1039417" cy="738664"/>
           </a:xfrm>
           <a:prstGeom prst="rect">
@@ -11597,7 +11597,7 @@
           <p:nvPr>
             <p:extLst>
               <p:ext uri="{D42A27DB-BD31-4B8C-83A1-F6EECF244321}">
-                <p14:modId xmlns:p14="http://schemas.microsoft.com/office/powerpoint/2010/main" val="1378233823"/>
+                <p14:modId xmlns:p14="http://schemas.microsoft.com/office/powerpoint/2010/main" val="2797963496"/>
               </p:ext>
             </p:extLst>
           </p:nvPr>
@@ -11893,7 +11893,7 @@
         </p:nvSpPr>
         <p:spPr>
           <a:xfrm>
-            <a:off x="2350366" y="5130601"/>
+            <a:off x="2350366" y="5130602"/>
             <a:ext cx="1116520" cy="707301"/>
           </a:xfrm>
           <a:prstGeom prst="rect">

--- a/Machine Learning Teaching Example VLa.pptx
+++ b/Machine Learning Teaching Example VLa.pptx
@@ -3251,7 +3251,7 @@
           <a:p>
             <a:fld id="{67E85EC3-063F-4E2F-8E3D-55899D9A6F51}" type="datetimeFigureOut">
               <a:rPr lang="en-US" smtClean="0"/>
-              <a:t>11/16/21</a:t>
+              <a:t>11/17/21</a:t>
             </a:fld>
             <a:endParaRPr lang="en-US"/>
           </a:p>
@@ -4875,7 +4875,7 @@
           <a:p>
             <a:fld id="{9A691334-D94A-4602-BE7A-0AB2424D7229}" type="datetimeFigureOut">
               <a:rPr lang="en-US" smtClean="0"/>
-              <a:t>11/16/21</a:t>
+              <a:t>11/17/21</a:t>
             </a:fld>
             <a:endParaRPr lang="en-US"/>
           </a:p>
@@ -5086,7 +5086,7 @@
           <a:p>
             <a:fld id="{9A691334-D94A-4602-BE7A-0AB2424D7229}" type="datetimeFigureOut">
               <a:rPr lang="en-US" smtClean="0"/>
-              <a:t>11/16/21</a:t>
+              <a:t>11/17/21</a:t>
             </a:fld>
             <a:endParaRPr lang="en-US"/>
           </a:p>
@@ -5301,7 +5301,7 @@
           <a:p>
             <a:fld id="{9A691334-D94A-4602-BE7A-0AB2424D7229}" type="datetimeFigureOut">
               <a:rPr lang="en-US" smtClean="0"/>
-              <a:t>11/16/21</a:t>
+              <a:t>11/17/21</a:t>
             </a:fld>
             <a:endParaRPr lang="en-US"/>
           </a:p>
@@ -5502,7 +5502,7 @@
           <a:p>
             <a:fld id="{9A691334-D94A-4602-BE7A-0AB2424D7229}" type="datetimeFigureOut">
               <a:rPr lang="en-US" smtClean="0"/>
-              <a:t>11/16/21</a:t>
+              <a:t>11/17/21</a:t>
             </a:fld>
             <a:endParaRPr lang="en-US"/>
           </a:p>
@@ -5781,7 +5781,7 @@
           <a:p>
             <a:fld id="{9A691334-D94A-4602-BE7A-0AB2424D7229}" type="datetimeFigureOut">
               <a:rPr lang="en-US" smtClean="0"/>
-              <a:t>11/16/21</a:t>
+              <a:t>11/17/21</a:t>
             </a:fld>
             <a:endParaRPr lang="en-US"/>
           </a:p>
@@ -6049,7 +6049,7 @@
           <a:p>
             <a:fld id="{9A691334-D94A-4602-BE7A-0AB2424D7229}" type="datetimeFigureOut">
               <a:rPr lang="en-US" smtClean="0"/>
-              <a:t>11/16/21</a:t>
+              <a:t>11/17/21</a:t>
             </a:fld>
             <a:endParaRPr lang="en-US"/>
           </a:p>
@@ -6465,7 +6465,7 @@
           <a:p>
             <a:fld id="{9A691334-D94A-4602-BE7A-0AB2424D7229}" type="datetimeFigureOut">
               <a:rPr lang="en-US" smtClean="0"/>
-              <a:t>11/16/21</a:t>
+              <a:t>11/17/21</a:t>
             </a:fld>
             <a:endParaRPr lang="en-US"/>
           </a:p>
@@ -6614,7 +6614,7 @@
           <a:p>
             <a:fld id="{9A691334-D94A-4602-BE7A-0AB2424D7229}" type="datetimeFigureOut">
               <a:rPr lang="en-US" smtClean="0"/>
-              <a:t>11/16/21</a:t>
+              <a:t>11/17/21</a:t>
             </a:fld>
             <a:endParaRPr lang="en-US"/>
           </a:p>
@@ -6740,7 +6740,7 @@
           <a:p>
             <a:fld id="{9A691334-D94A-4602-BE7A-0AB2424D7229}" type="datetimeFigureOut">
               <a:rPr lang="en-US" smtClean="0"/>
-              <a:t>11/16/21</a:t>
+              <a:t>11/17/21</a:t>
             </a:fld>
             <a:endParaRPr lang="en-US"/>
           </a:p>
@@ -6991,7 +6991,7 @@
           <a:p>
             <a:fld id="{9A691334-D94A-4602-BE7A-0AB2424D7229}" type="datetimeFigureOut">
               <a:rPr lang="en-US" smtClean="0"/>
-              <a:t>11/16/21</a:t>
+              <a:t>11/17/21</a:t>
             </a:fld>
             <a:endParaRPr lang="en-US"/>
           </a:p>
@@ -7436,7 +7436,7 @@
           <a:p>
             <a:fld id="{9A691334-D94A-4602-BE7A-0AB2424D7229}" type="datetimeFigureOut">
               <a:rPr lang="en-US" smtClean="0"/>
-              <a:t>11/16/21</a:t>
+              <a:t>11/17/21</a:t>
             </a:fld>
             <a:endParaRPr lang="en-US"/>
           </a:p>
@@ -7763,7 +7763,7 @@
           <a:p>
             <a:fld id="{9A691334-D94A-4602-BE7A-0AB2424D7229}" type="datetimeFigureOut">
               <a:rPr lang="en-US" smtClean="0"/>
-              <a:t>11/16/21</a:t>
+              <a:t>11/17/21</a:t>
             </a:fld>
             <a:endParaRPr lang="en-US"/>
           </a:p>
@@ -9261,7 +9261,7 @@
           <p:nvPr>
             <p:extLst>
               <p:ext uri="{D42A27DB-BD31-4B8C-83A1-F6EECF244321}">
-                <p14:modId xmlns:p14="http://schemas.microsoft.com/office/powerpoint/2010/main" val="1468624708"/>
+                <p14:modId xmlns:p14="http://schemas.microsoft.com/office/powerpoint/2010/main" val="3370827102"/>
               </p:ext>
             </p:extLst>
           </p:nvPr>
@@ -9521,7 +9521,7 @@
         </p:nvSpPr>
         <p:spPr>
           <a:xfrm>
-            <a:off x="2346366" y="5103573"/>
+            <a:off x="2346366" y="5099239"/>
             <a:ext cx="1119659" cy="734330"/>
           </a:xfrm>
           <a:prstGeom prst="rect">
@@ -10707,7 +10707,7 @@
         </p:nvSpPr>
         <p:spPr>
           <a:xfrm>
-            <a:off x="2323548" y="5149616"/>
+            <a:off x="2323548" y="5099239"/>
             <a:ext cx="1039417" cy="738664"/>
           </a:xfrm>
           <a:prstGeom prst="rect">
@@ -11597,7 +11597,7 @@
           <p:nvPr>
             <p:extLst>
               <p:ext uri="{D42A27DB-BD31-4B8C-83A1-F6EECF244321}">
-                <p14:modId xmlns:p14="http://schemas.microsoft.com/office/powerpoint/2010/main" val="2797963496"/>
+                <p14:modId xmlns:p14="http://schemas.microsoft.com/office/powerpoint/2010/main" val="610124304"/>
               </p:ext>
             </p:extLst>
           </p:nvPr>
@@ -11893,7 +11893,7 @@
         </p:nvSpPr>
         <p:spPr>
           <a:xfrm>
-            <a:off x="2350366" y="5130602"/>
+            <a:off x="2350366" y="5146283"/>
             <a:ext cx="1116520" cy="707301"/>
           </a:xfrm>
           <a:prstGeom prst="rect">
@@ -17356,10 +17356,10 @@
       </p:grpSpPr>
       <p:pic>
         <p:nvPicPr>
-          <p:cNvPr id="11" name="Picture 10">
+          <p:cNvPr id="10" name="Picture 9" descr="Chart, scatter chart&#10;&#10;Description automatically generated">
             <a:extLst>
               <a:ext uri="{FF2B5EF4-FFF2-40B4-BE49-F238E27FC236}">
-                <a16:creationId xmlns:a16="http://schemas.microsoft.com/office/drawing/2014/main" id="{DD39BDBB-E7D7-4168-AEF6-24D9583E0E63}"/>
+                <a16:creationId xmlns:a16="http://schemas.microsoft.com/office/drawing/2014/main" id="{DDF4788F-25E2-1E42-975A-49B388EB3FC8}"/>
               </a:ext>
             </a:extLst>
           </p:cNvPr>
@@ -17382,8 +17382,8 @@
         </p:blipFill>
         <p:spPr>
           <a:xfrm>
-            <a:off x="3276599" y="2012950"/>
-            <a:ext cx="5638801" cy="3759200"/>
+            <a:off x="2667354" y="2034906"/>
+            <a:ext cx="5907089" cy="3731160"/>
           </a:xfrm>
           <a:prstGeom prst="rect">
             <a:avLst/>
@@ -17432,8 +17432,8 @@
         </p:nvSpPr>
         <p:spPr>
           <a:xfrm>
-            <a:off x="3209926" y="3429000"/>
-            <a:ext cx="323850" cy="942975"/>
+            <a:off x="2590800" y="3105833"/>
+            <a:ext cx="400404" cy="1313767"/>
           </a:xfrm>
           <a:prstGeom prst="ellipse">
             <a:avLst/>
@@ -17479,7 +17479,7 @@
         </p:nvSpPr>
         <p:spPr>
           <a:xfrm>
-            <a:off x="2108804" y="3577321"/>
+            <a:off x="1526296" y="3392389"/>
             <a:ext cx="1409702" cy="646331"/>
           </a:xfrm>
           <a:prstGeom prst="rect">
@@ -17518,8 +17518,8 @@
         </p:nvSpPr>
         <p:spPr>
           <a:xfrm rot="5400000">
-            <a:off x="5991226" y="5067301"/>
-            <a:ext cx="323850" cy="942975"/>
+            <a:off x="6015376" y="4956064"/>
+            <a:ext cx="323850" cy="1296081"/>
           </a:xfrm>
           <a:prstGeom prst="ellipse">
             <a:avLst/>
@@ -17565,7 +17565,7 @@
         </p:nvSpPr>
         <p:spPr>
           <a:xfrm>
-            <a:off x="5624565" y="5700713"/>
+            <a:off x="5646337" y="5722485"/>
             <a:ext cx="2328810" cy="369332"/>
           </a:xfrm>
           <a:prstGeom prst="rect">

--- a/Machine Learning Teaching Example VLa.pptx
+++ b/Machine Learning Teaching Example VLa.pptx
@@ -9261,7 +9261,7 @@
           <p:nvPr>
             <p:extLst>
               <p:ext uri="{D42A27DB-BD31-4B8C-83A1-F6EECF244321}">
-                <p14:modId xmlns:p14="http://schemas.microsoft.com/office/powerpoint/2010/main" val="3370827102"/>
+                <p14:modId xmlns:p14="http://schemas.microsoft.com/office/powerpoint/2010/main" val="1796524872"/>
               </p:ext>
             </p:extLst>
           </p:nvPr>
@@ -10707,7 +10707,7 @@
         </p:nvSpPr>
         <p:spPr>
           <a:xfrm>
-            <a:off x="2323548" y="5099239"/>
+            <a:off x="2310570" y="5149616"/>
             <a:ext cx="1039417" cy="738664"/>
           </a:xfrm>
           <a:prstGeom prst="rect">
@@ -11893,7 +11893,7 @@
         </p:nvSpPr>
         <p:spPr>
           <a:xfrm>
-            <a:off x="2350366" y="5146283"/>
+            <a:off x="2350366" y="5090532"/>
             <a:ext cx="1116520" cy="707301"/>
           </a:xfrm>
           <a:prstGeom prst="rect">
